--- a/論文パワポ.pptx
+++ b/論文パワポ.pptx
@@ -6,6 +6,7 @@
   </p:sldMasterIdLst>
   <p:sldIdLst>
     <p:sldId id="256" r:id="rId2"/>
+    <p:sldId id="257" r:id="rId3"/>
   </p:sldIdLst>
   <p:sldSz cx="9144000" cy="6858000" type="screen4x3"/>
   <p:notesSz cx="6858000" cy="9144000"/>
@@ -104,6 +105,11 @@
       </a:defRPr>
     </a:lvl9pPr>
   </p:defaultTextStyle>
+  <p:extLst>
+    <p:ext uri="{EFAFB233-063F-42B5-8137-9DF3F51BA10A}">
+      <p15:sldGuideLst xmlns:p15="http://schemas.microsoft.com/office/powerpoint/2012/main"/>
+    </p:ext>
+  </p:extLst>
 </p:presentation>
 </file>
 
@@ -238,7 +244,7 @@
           <a:p>
             <a:fld id="{EE9C6BD2-D7D2-4F64-92C4-41D0275E4D1A}" type="datetimeFigureOut">
               <a:rPr kumimoji="1" lang="ja-JP" altLang="en-US" smtClean="0"/>
-              <a:t>2018/11/4</a:t>
+              <a:t>2018/11/10</a:t>
             </a:fld>
             <a:endParaRPr kumimoji="1" lang="ja-JP" altLang="en-US"/>
           </a:p>
@@ -440,7 +446,7 @@
           <a:p>
             <a:fld id="{EE9C6BD2-D7D2-4F64-92C4-41D0275E4D1A}" type="datetimeFigureOut">
               <a:rPr kumimoji="1" lang="ja-JP" altLang="en-US" smtClean="0"/>
-              <a:t>2018/11/4</a:t>
+              <a:t>2018/11/10</a:t>
             </a:fld>
             <a:endParaRPr kumimoji="1" lang="ja-JP" altLang="en-US"/>
           </a:p>
@@ -652,7 +658,7 @@
           <a:p>
             <a:fld id="{EE9C6BD2-D7D2-4F64-92C4-41D0275E4D1A}" type="datetimeFigureOut">
               <a:rPr kumimoji="1" lang="ja-JP" altLang="en-US" smtClean="0"/>
-              <a:t>2018/11/4</a:t>
+              <a:t>2018/11/10</a:t>
             </a:fld>
             <a:endParaRPr kumimoji="1" lang="ja-JP" altLang="en-US"/>
           </a:p>
@@ -854,7 +860,7 @@
           <a:p>
             <a:fld id="{EE9C6BD2-D7D2-4F64-92C4-41D0275E4D1A}" type="datetimeFigureOut">
               <a:rPr kumimoji="1" lang="ja-JP" altLang="en-US" smtClean="0"/>
-              <a:t>2018/11/4</a:t>
+              <a:t>2018/11/10</a:t>
             </a:fld>
             <a:endParaRPr kumimoji="1" lang="ja-JP" altLang="en-US"/>
           </a:p>
@@ -1098,7 +1104,7 @@
           <a:p>
             <a:fld id="{EE9C6BD2-D7D2-4F64-92C4-41D0275E4D1A}" type="datetimeFigureOut">
               <a:rPr kumimoji="1" lang="ja-JP" altLang="en-US" smtClean="0"/>
-              <a:t>2018/11/4</a:t>
+              <a:t>2018/11/10</a:t>
             </a:fld>
             <a:endParaRPr kumimoji="1" lang="ja-JP" altLang="en-US"/>
           </a:p>
@@ -1394,7 +1400,7 @@
           <a:p>
             <a:fld id="{EE9C6BD2-D7D2-4F64-92C4-41D0275E4D1A}" type="datetimeFigureOut">
               <a:rPr kumimoji="1" lang="ja-JP" altLang="en-US" smtClean="0"/>
-              <a:t>2018/11/4</a:t>
+              <a:t>2018/11/10</a:t>
             </a:fld>
             <a:endParaRPr kumimoji="1" lang="ja-JP" altLang="en-US"/>
           </a:p>
@@ -1825,7 +1831,7 @@
           <a:p>
             <a:fld id="{EE9C6BD2-D7D2-4F64-92C4-41D0275E4D1A}" type="datetimeFigureOut">
               <a:rPr kumimoji="1" lang="ja-JP" altLang="en-US" smtClean="0"/>
-              <a:t>2018/11/4</a:t>
+              <a:t>2018/11/10</a:t>
             </a:fld>
             <a:endParaRPr kumimoji="1" lang="ja-JP" altLang="en-US"/>
           </a:p>
@@ -1943,7 +1949,7 @@
           <a:p>
             <a:fld id="{EE9C6BD2-D7D2-4F64-92C4-41D0275E4D1A}" type="datetimeFigureOut">
               <a:rPr kumimoji="1" lang="ja-JP" altLang="en-US" smtClean="0"/>
-              <a:t>2018/11/4</a:t>
+              <a:t>2018/11/10</a:t>
             </a:fld>
             <a:endParaRPr kumimoji="1" lang="ja-JP" altLang="en-US"/>
           </a:p>
@@ -2038,7 +2044,7 @@
           <a:p>
             <a:fld id="{EE9C6BD2-D7D2-4F64-92C4-41D0275E4D1A}" type="datetimeFigureOut">
               <a:rPr kumimoji="1" lang="ja-JP" altLang="en-US" smtClean="0"/>
-              <a:t>2018/11/4</a:t>
+              <a:t>2018/11/10</a:t>
             </a:fld>
             <a:endParaRPr kumimoji="1" lang="ja-JP" altLang="en-US"/>
           </a:p>
@@ -2347,7 +2353,7 @@
           <a:p>
             <a:fld id="{EE9C6BD2-D7D2-4F64-92C4-41D0275E4D1A}" type="datetimeFigureOut">
               <a:rPr kumimoji="1" lang="ja-JP" altLang="en-US" smtClean="0"/>
-              <a:t>2018/11/4</a:t>
+              <a:t>2018/11/10</a:t>
             </a:fld>
             <a:endParaRPr kumimoji="1" lang="ja-JP" altLang="en-US"/>
           </a:p>
@@ -2604,7 +2610,7 @@
           <a:p>
             <a:fld id="{EE9C6BD2-D7D2-4F64-92C4-41D0275E4D1A}" type="datetimeFigureOut">
               <a:rPr kumimoji="1" lang="ja-JP" altLang="en-US" smtClean="0"/>
-              <a:t>2018/11/4</a:t>
+              <a:t>2018/11/10</a:t>
             </a:fld>
             <a:endParaRPr kumimoji="1" lang="ja-JP" altLang="en-US"/>
           </a:p>
@@ -2849,7 +2855,7 @@
           <a:p>
             <a:fld id="{EE9C6BD2-D7D2-4F64-92C4-41D0275E4D1A}" type="datetimeFigureOut">
               <a:rPr kumimoji="1" lang="ja-JP" altLang="en-US" smtClean="0"/>
-              <a:t>2018/11/4</a:t>
+              <a:t>2018/11/10</a:t>
             </a:fld>
             <a:endParaRPr kumimoji="1" lang="ja-JP" altLang="en-US"/>
           </a:p>
@@ -4088,6 +4094,605 @@
 </p:sld>
 </file>
 
+<file path=ppt/slides/slide2.xml><?xml version="1.0" encoding="utf-8"?>
+<p:sld xmlns:a="http://schemas.openxmlformats.org/drawingml/2006/main" xmlns:r="http://schemas.openxmlformats.org/officeDocument/2006/relationships" xmlns:p="http://schemas.openxmlformats.org/presentationml/2006/main">
+  <p:cSld>
+    <p:spTree>
+      <p:nvGrpSpPr>
+        <p:cNvPr id="1" name=""/>
+        <p:cNvGrpSpPr/>
+        <p:nvPr/>
+      </p:nvGrpSpPr>
+      <p:grpSpPr>
+        <a:xfrm>
+          <a:off x="0" y="0"/>
+          <a:ext cx="0" cy="0"/>
+          <a:chOff x="0" y="0"/>
+          <a:chExt cx="0" cy="0"/>
+        </a:xfrm>
+      </p:grpSpPr>
+      <p:sp>
+        <p:nvSpPr>
+          <p:cNvPr id="4" name="正方形/長方形 3">
+            <a:extLst>
+              <a:ext uri="{FF2B5EF4-FFF2-40B4-BE49-F238E27FC236}">
+                <a16:creationId xmlns:a16="http://schemas.microsoft.com/office/drawing/2014/main" id="{D6B61D56-8EC3-4503-862C-E0F45EEA9839}"/>
+              </a:ext>
+            </a:extLst>
+          </p:cNvPr>
+          <p:cNvSpPr/>
+          <p:nvPr/>
+        </p:nvSpPr>
+        <p:spPr>
+          <a:xfrm>
+            <a:off x="1295400" y="1549400"/>
+            <a:ext cx="1206500" cy="2209800"/>
+          </a:xfrm>
+          <a:prstGeom prst="rect">
+            <a:avLst/>
+          </a:prstGeom>
+          <a:solidFill>
+            <a:srgbClr val="669900"/>
+          </a:solidFill>
+          <a:ln>
+            <a:noFill/>
+          </a:ln>
+        </p:spPr>
+        <p:style>
+          <a:lnRef idx="2">
+            <a:schemeClr val="accent1">
+              <a:shade val="50000"/>
+            </a:schemeClr>
+          </a:lnRef>
+          <a:fillRef idx="1">
+            <a:schemeClr val="accent1"/>
+          </a:fillRef>
+          <a:effectRef idx="0">
+            <a:schemeClr val="accent1"/>
+          </a:effectRef>
+          <a:fontRef idx="minor">
+            <a:schemeClr val="lt1"/>
+          </a:fontRef>
+        </p:style>
+        <p:txBody>
+          <a:bodyPr rot="0" spcFirstLastPara="0" vertOverflow="overflow" horzOverflow="overflow" vert="horz" wrap="square" lIns="91440" tIns="45720" rIns="91440" bIns="45720" numCol="1" spcCol="0" rtlCol="0" fromWordArt="0" anchor="ctr" anchorCtr="0" forceAA="0" compatLnSpc="1">
+            <a:prstTxWarp prst="textNoShape">
+              <a:avLst/>
+            </a:prstTxWarp>
+            <a:noAutofit/>
+          </a:bodyPr>
+          <a:lstStyle/>
+          <a:p>
+            <a:pPr algn="ctr"/>
+            <a:r>
+              <a:rPr kumimoji="1" lang="en-US" altLang="ja-JP" dirty="0">
+                <a:ln w="0"/>
+                <a:solidFill>
+                  <a:schemeClr val="tx1"/>
+                </a:solidFill>
+                <a:effectLst>
+                  <a:outerShdw blurRad="38100" dist="19050" dir="2700000" algn="tl" rotWithShape="0">
+                    <a:schemeClr val="dk1">
+                      <a:alpha val="40000"/>
+                    </a:schemeClr>
+                  </a:outerShdw>
+                </a:effectLst>
+              </a:rPr>
+              <a:t>Liquid</a:t>
+            </a:r>
+          </a:p>
+          <a:p>
+            <a:pPr algn="ctr"/>
+            <a:r>
+              <a:rPr kumimoji="1" lang="en-US" altLang="ja-JP" dirty="0">
+                <a:ln w="0"/>
+                <a:solidFill>
+                  <a:schemeClr val="tx1"/>
+                </a:solidFill>
+                <a:effectLst>
+                  <a:outerShdw blurRad="38100" dist="19050" dir="2700000" algn="tl" rotWithShape="0">
+                    <a:schemeClr val="dk1">
+                      <a:alpha val="40000"/>
+                    </a:schemeClr>
+                  </a:outerShdw>
+                </a:effectLst>
+              </a:rPr>
+              <a:t> Market </a:t>
+            </a:r>
+          </a:p>
+          <a:p>
+            <a:pPr algn="ctr"/>
+            <a:r>
+              <a:rPr kumimoji="1" lang="en-US" altLang="ja-JP" dirty="0">
+                <a:ln w="0"/>
+                <a:solidFill>
+                  <a:schemeClr val="tx1"/>
+                </a:solidFill>
+                <a:effectLst>
+                  <a:outerShdw blurRad="38100" dist="19050" dir="2700000" algn="tl" rotWithShape="0">
+                    <a:schemeClr val="dk1">
+                      <a:alpha val="40000"/>
+                    </a:schemeClr>
+                  </a:outerShdw>
+                </a:effectLst>
+              </a:rPr>
+              <a:t>Factor</a:t>
+            </a:r>
+            <a:endParaRPr kumimoji="1" lang="ja-JP" altLang="en-US" dirty="0">
+              <a:ln w="0"/>
+              <a:solidFill>
+                <a:schemeClr val="tx1"/>
+              </a:solidFill>
+              <a:effectLst>
+                <a:outerShdw blurRad="38100" dist="19050" dir="2700000" algn="tl" rotWithShape="0">
+                  <a:schemeClr val="dk1">
+                    <a:alpha val="40000"/>
+                  </a:schemeClr>
+                </a:outerShdw>
+              </a:effectLst>
+            </a:endParaRPr>
+          </a:p>
+        </p:txBody>
+      </p:sp>
+      <p:sp>
+        <p:nvSpPr>
+          <p:cNvPr id="5" name="正方形/長方形 4">
+            <a:extLst>
+              <a:ext uri="{FF2B5EF4-FFF2-40B4-BE49-F238E27FC236}">
+                <a16:creationId xmlns:a16="http://schemas.microsoft.com/office/drawing/2014/main" id="{5DB8F848-C830-40D2-B033-3CF280C8F4DC}"/>
+              </a:ext>
+            </a:extLst>
+          </p:cNvPr>
+          <p:cNvSpPr/>
+          <p:nvPr/>
+        </p:nvSpPr>
+        <p:spPr>
+          <a:xfrm>
+            <a:off x="2717800" y="1549400"/>
+            <a:ext cx="4559300" cy="609600"/>
+          </a:xfrm>
+          <a:prstGeom prst="rect">
+            <a:avLst/>
+          </a:prstGeom>
+          <a:solidFill>
+            <a:srgbClr val="FF9900"/>
+          </a:solidFill>
+          <a:ln>
+            <a:noFill/>
+          </a:ln>
+        </p:spPr>
+        <p:style>
+          <a:lnRef idx="2">
+            <a:schemeClr val="accent1">
+              <a:shade val="50000"/>
+            </a:schemeClr>
+          </a:lnRef>
+          <a:fillRef idx="1">
+            <a:schemeClr val="accent1"/>
+          </a:fillRef>
+          <a:effectRef idx="0">
+            <a:schemeClr val="accent1"/>
+          </a:effectRef>
+          <a:fontRef idx="minor">
+            <a:schemeClr val="lt1"/>
+          </a:fontRef>
+        </p:style>
+        <p:txBody>
+          <a:bodyPr rot="0" spcFirstLastPara="0" vertOverflow="overflow" horzOverflow="overflow" vert="horz" wrap="square" lIns="91440" tIns="45720" rIns="91440" bIns="45720" numCol="1" spcCol="0" rtlCol="0" fromWordArt="0" anchor="ctr" anchorCtr="0" forceAA="0" compatLnSpc="1">
+            <a:prstTxWarp prst="textNoShape">
+              <a:avLst/>
+            </a:prstTxWarp>
+            <a:noAutofit/>
+          </a:bodyPr>
+          <a:lstStyle/>
+          <a:p>
+            <a:pPr algn="ctr"/>
+            <a:r>
+              <a:rPr kumimoji="1" lang="en-US" altLang="ja-JP" dirty="0">
+                <a:ln w="0"/>
+                <a:solidFill>
+                  <a:schemeClr val="tx1"/>
+                </a:solidFill>
+                <a:effectLst>
+                  <a:outerShdw blurRad="38100" dist="19050" dir="2700000" algn="tl" rotWithShape="0">
+                    <a:schemeClr val="dk1">
+                      <a:alpha val="40000"/>
+                    </a:schemeClr>
+                  </a:outerShdw>
+                </a:effectLst>
+              </a:rPr>
+              <a:t>Equity Factor</a:t>
+            </a:r>
+            <a:endParaRPr kumimoji="1" lang="ja-JP" altLang="en-US" dirty="0">
+              <a:ln w="0"/>
+              <a:solidFill>
+                <a:schemeClr val="tx1"/>
+              </a:solidFill>
+              <a:effectLst>
+                <a:outerShdw blurRad="38100" dist="19050" dir="2700000" algn="tl" rotWithShape="0">
+                  <a:schemeClr val="dk1">
+                    <a:alpha val="40000"/>
+                  </a:schemeClr>
+                </a:outerShdw>
+              </a:effectLst>
+            </a:endParaRPr>
+          </a:p>
+        </p:txBody>
+      </p:sp>
+      <p:sp>
+        <p:nvSpPr>
+          <p:cNvPr id="6" name="正方形/長方形 5">
+            <a:extLst>
+              <a:ext uri="{FF2B5EF4-FFF2-40B4-BE49-F238E27FC236}">
+                <a16:creationId xmlns:a16="http://schemas.microsoft.com/office/drawing/2014/main" id="{7D6BA775-A58A-45C4-BA74-CD177EC32662}"/>
+              </a:ext>
+            </a:extLst>
+          </p:cNvPr>
+          <p:cNvSpPr/>
+          <p:nvPr/>
+        </p:nvSpPr>
+        <p:spPr>
+          <a:xfrm>
+            <a:off x="2717800" y="2349500"/>
+            <a:ext cx="4559300" cy="609600"/>
+          </a:xfrm>
+          <a:prstGeom prst="rect">
+            <a:avLst/>
+          </a:prstGeom>
+          <a:solidFill>
+            <a:srgbClr val="99CC00"/>
+          </a:solidFill>
+          <a:ln>
+            <a:noFill/>
+          </a:ln>
+        </p:spPr>
+        <p:style>
+          <a:lnRef idx="2">
+            <a:schemeClr val="accent1">
+              <a:shade val="50000"/>
+            </a:schemeClr>
+          </a:lnRef>
+          <a:fillRef idx="1">
+            <a:schemeClr val="accent1"/>
+          </a:fillRef>
+          <a:effectRef idx="0">
+            <a:schemeClr val="accent1"/>
+          </a:effectRef>
+          <a:fontRef idx="minor">
+            <a:schemeClr val="lt1"/>
+          </a:fontRef>
+        </p:style>
+        <p:txBody>
+          <a:bodyPr rot="0" spcFirstLastPara="0" vertOverflow="overflow" horzOverflow="overflow" vert="horz" wrap="square" lIns="91440" tIns="45720" rIns="91440" bIns="45720" numCol="1" spcCol="0" rtlCol="0" fromWordArt="0" anchor="ctr" anchorCtr="0" forceAA="0" compatLnSpc="1">
+            <a:prstTxWarp prst="textNoShape">
+              <a:avLst/>
+            </a:prstTxWarp>
+            <a:noAutofit/>
+          </a:bodyPr>
+          <a:lstStyle/>
+          <a:p>
+            <a:pPr algn="ctr"/>
+            <a:r>
+              <a:rPr kumimoji="1" lang="en-US" altLang="ja-JP" dirty="0">
+                <a:ln w="0"/>
+                <a:solidFill>
+                  <a:schemeClr val="tx1"/>
+                </a:solidFill>
+                <a:effectLst>
+                  <a:outerShdw blurRad="38100" dist="19050" dir="2700000" algn="tl" rotWithShape="0">
+                    <a:schemeClr val="dk1">
+                      <a:alpha val="40000"/>
+                    </a:schemeClr>
+                  </a:outerShdw>
+                </a:effectLst>
+              </a:rPr>
+              <a:t>Interest Rate Factor</a:t>
+            </a:r>
+            <a:endParaRPr kumimoji="1" lang="ja-JP" altLang="en-US" dirty="0">
+              <a:ln w="0"/>
+              <a:solidFill>
+                <a:schemeClr val="tx1"/>
+              </a:solidFill>
+              <a:effectLst>
+                <a:outerShdw blurRad="38100" dist="19050" dir="2700000" algn="tl" rotWithShape="0">
+                  <a:schemeClr val="dk1">
+                    <a:alpha val="40000"/>
+                  </a:schemeClr>
+                </a:outerShdw>
+              </a:effectLst>
+            </a:endParaRPr>
+          </a:p>
+        </p:txBody>
+      </p:sp>
+      <p:sp>
+        <p:nvSpPr>
+          <p:cNvPr id="7" name="正方形/長方形 6">
+            <a:extLst>
+              <a:ext uri="{FF2B5EF4-FFF2-40B4-BE49-F238E27FC236}">
+                <a16:creationId xmlns:a16="http://schemas.microsoft.com/office/drawing/2014/main" id="{B1B6E156-9239-426B-B72F-E90A584429DD}"/>
+              </a:ext>
+            </a:extLst>
+          </p:cNvPr>
+          <p:cNvSpPr/>
+          <p:nvPr/>
+        </p:nvSpPr>
+        <p:spPr>
+          <a:xfrm>
+            <a:off x="2717800" y="3124200"/>
+            <a:ext cx="4559300" cy="609600"/>
+          </a:xfrm>
+          <a:prstGeom prst="rect">
+            <a:avLst/>
+          </a:prstGeom>
+          <a:solidFill>
+            <a:schemeClr val="accent4"/>
+          </a:solidFill>
+          <a:ln>
+            <a:noFill/>
+          </a:ln>
+        </p:spPr>
+        <p:style>
+          <a:lnRef idx="2">
+            <a:schemeClr val="accent1">
+              <a:shade val="50000"/>
+            </a:schemeClr>
+          </a:lnRef>
+          <a:fillRef idx="1">
+            <a:schemeClr val="accent1"/>
+          </a:fillRef>
+          <a:effectRef idx="0">
+            <a:schemeClr val="accent1"/>
+          </a:effectRef>
+          <a:fontRef idx="minor">
+            <a:schemeClr val="lt1"/>
+          </a:fontRef>
+        </p:style>
+        <p:txBody>
+          <a:bodyPr rot="0" spcFirstLastPara="0" vertOverflow="overflow" horzOverflow="overflow" vert="horz" wrap="square" lIns="91440" tIns="45720" rIns="91440" bIns="45720" numCol="1" spcCol="0" rtlCol="0" fromWordArt="0" anchor="ctr" anchorCtr="0" forceAA="0" compatLnSpc="1">
+            <a:prstTxWarp prst="textNoShape">
+              <a:avLst/>
+            </a:prstTxWarp>
+            <a:noAutofit/>
+          </a:bodyPr>
+          <a:lstStyle/>
+          <a:p>
+            <a:pPr algn="ctr"/>
+            <a:r>
+              <a:rPr kumimoji="1" lang="en-US" altLang="ja-JP" dirty="0">
+                <a:ln w="0"/>
+                <a:solidFill>
+                  <a:schemeClr val="tx1"/>
+                </a:solidFill>
+                <a:effectLst>
+                  <a:outerShdw blurRad="38100" dist="19050" dir="2700000" algn="tl" rotWithShape="0">
+                    <a:schemeClr val="dk1">
+                      <a:alpha val="40000"/>
+                    </a:schemeClr>
+                  </a:outerShdw>
+                </a:effectLst>
+              </a:rPr>
+              <a:t>Inflation Factor</a:t>
+            </a:r>
+            <a:endParaRPr kumimoji="1" lang="ja-JP" altLang="en-US" dirty="0">
+              <a:ln w="0"/>
+              <a:solidFill>
+                <a:schemeClr val="tx1"/>
+              </a:solidFill>
+              <a:effectLst>
+                <a:outerShdw blurRad="38100" dist="19050" dir="2700000" algn="tl" rotWithShape="0">
+                  <a:schemeClr val="dk1">
+                    <a:alpha val="40000"/>
+                  </a:schemeClr>
+                </a:outerShdw>
+              </a:effectLst>
+            </a:endParaRPr>
+          </a:p>
+        </p:txBody>
+      </p:sp>
+      <p:sp>
+        <p:nvSpPr>
+          <p:cNvPr id="8" name="正方形/長方形 7">
+            <a:extLst>
+              <a:ext uri="{FF2B5EF4-FFF2-40B4-BE49-F238E27FC236}">
+                <a16:creationId xmlns:a16="http://schemas.microsoft.com/office/drawing/2014/main" id="{D830AD38-9D95-4493-BABE-9EB8FFCB4296}"/>
+              </a:ext>
+            </a:extLst>
+          </p:cNvPr>
+          <p:cNvSpPr/>
+          <p:nvPr/>
+        </p:nvSpPr>
+        <p:spPr>
+          <a:xfrm>
+            <a:off x="2717800" y="3949700"/>
+            <a:ext cx="4559300" cy="609600"/>
+          </a:xfrm>
+          <a:prstGeom prst="rect">
+            <a:avLst/>
+          </a:prstGeom>
+          <a:solidFill>
+            <a:schemeClr val="bg1">
+              <a:lumMod val="75000"/>
+            </a:schemeClr>
+          </a:solidFill>
+          <a:ln>
+            <a:noFill/>
+          </a:ln>
+        </p:spPr>
+        <p:style>
+          <a:lnRef idx="2">
+            <a:schemeClr val="accent1">
+              <a:shade val="50000"/>
+            </a:schemeClr>
+          </a:lnRef>
+          <a:fillRef idx="1">
+            <a:schemeClr val="accent1"/>
+          </a:fillRef>
+          <a:effectRef idx="0">
+            <a:schemeClr val="accent1"/>
+          </a:effectRef>
+          <a:fontRef idx="minor">
+            <a:schemeClr val="lt1"/>
+          </a:fontRef>
+        </p:style>
+        <p:txBody>
+          <a:bodyPr rot="0" spcFirstLastPara="0" vertOverflow="overflow" horzOverflow="overflow" vert="horz" wrap="square" lIns="91440" tIns="45720" rIns="91440" bIns="45720" numCol="1" spcCol="0" rtlCol="0" fromWordArt="0" anchor="ctr" anchorCtr="0" forceAA="0" compatLnSpc="1">
+            <a:prstTxWarp prst="textNoShape">
+              <a:avLst/>
+            </a:prstTxWarp>
+            <a:noAutofit/>
+          </a:bodyPr>
+          <a:lstStyle/>
+          <a:p>
+            <a:pPr algn="ctr"/>
+            <a:r>
+              <a:rPr kumimoji="1" lang="en-US" altLang="ja-JP" dirty="0">
+                <a:ln w="0"/>
+                <a:solidFill>
+                  <a:schemeClr val="tx1"/>
+                </a:solidFill>
+                <a:effectLst>
+                  <a:outerShdw blurRad="38100" dist="19050" dir="2700000" algn="tl" rotWithShape="0">
+                    <a:schemeClr val="dk1">
+                      <a:alpha val="40000"/>
+                    </a:schemeClr>
+                  </a:outerShdw>
+                </a:effectLst>
+              </a:rPr>
+              <a:t>Other Factors</a:t>
+            </a:r>
+            <a:endParaRPr kumimoji="1" lang="ja-JP" altLang="en-US" dirty="0">
+              <a:ln w="0"/>
+              <a:solidFill>
+                <a:schemeClr val="tx1"/>
+              </a:solidFill>
+              <a:effectLst>
+                <a:outerShdw blurRad="38100" dist="19050" dir="2700000" algn="tl" rotWithShape="0">
+                  <a:schemeClr val="dk1">
+                    <a:alpha val="40000"/>
+                  </a:schemeClr>
+                </a:outerShdw>
+              </a:effectLst>
+            </a:endParaRPr>
+          </a:p>
+        </p:txBody>
+      </p:sp>
+      <p:sp>
+        <p:nvSpPr>
+          <p:cNvPr id="9" name="正方形/長方形 8">
+            <a:extLst>
+              <a:ext uri="{FF2B5EF4-FFF2-40B4-BE49-F238E27FC236}">
+                <a16:creationId xmlns:a16="http://schemas.microsoft.com/office/drawing/2014/main" id="{D74BF3F2-47A5-453D-8509-094D00FA7332}"/>
+              </a:ext>
+            </a:extLst>
+          </p:cNvPr>
+          <p:cNvSpPr/>
+          <p:nvPr/>
+        </p:nvSpPr>
+        <p:spPr>
+          <a:xfrm>
+            <a:off x="1263650" y="3949700"/>
+            <a:ext cx="1206500" cy="609600"/>
+          </a:xfrm>
+          <a:prstGeom prst="rect">
+            <a:avLst/>
+          </a:prstGeom>
+          <a:solidFill>
+            <a:srgbClr val="669900"/>
+          </a:solidFill>
+          <a:ln>
+            <a:noFill/>
+          </a:ln>
+        </p:spPr>
+        <p:style>
+          <a:lnRef idx="2">
+            <a:schemeClr val="accent1">
+              <a:shade val="50000"/>
+            </a:schemeClr>
+          </a:lnRef>
+          <a:fillRef idx="1">
+            <a:schemeClr val="accent1"/>
+          </a:fillRef>
+          <a:effectRef idx="0">
+            <a:schemeClr val="accent1"/>
+          </a:effectRef>
+          <a:fontRef idx="minor">
+            <a:schemeClr val="lt1"/>
+          </a:fontRef>
+        </p:style>
+        <p:txBody>
+          <a:bodyPr rot="0" spcFirstLastPara="0" vertOverflow="overflow" horzOverflow="overflow" vert="horz" wrap="square" lIns="91440" tIns="45720" rIns="91440" bIns="45720" numCol="1" spcCol="0" rtlCol="0" fromWordArt="0" anchor="ctr" anchorCtr="0" forceAA="0" compatLnSpc="1">
+            <a:prstTxWarp prst="textNoShape">
+              <a:avLst/>
+            </a:prstTxWarp>
+            <a:noAutofit/>
+          </a:bodyPr>
+          <a:lstStyle/>
+          <a:p>
+            <a:pPr algn="ctr"/>
+            <a:r>
+              <a:rPr kumimoji="1" lang="en-US" altLang="ja-JP" dirty="0">
+                <a:ln w="0"/>
+                <a:solidFill>
+                  <a:schemeClr val="tx1"/>
+                </a:solidFill>
+                <a:effectLst>
+                  <a:outerShdw blurRad="38100" dist="19050" dir="2700000" algn="tl" rotWithShape="0">
+                    <a:schemeClr val="dk1">
+                      <a:alpha val="40000"/>
+                    </a:schemeClr>
+                  </a:outerShdw>
+                </a:effectLst>
+              </a:rPr>
+              <a:t>Illiquid</a:t>
+            </a:r>
+          </a:p>
+          <a:p>
+            <a:pPr algn="ctr"/>
+            <a:r>
+              <a:rPr kumimoji="1" lang="en-US" altLang="ja-JP" dirty="0">
+                <a:ln w="0"/>
+                <a:solidFill>
+                  <a:schemeClr val="tx1"/>
+                </a:solidFill>
+                <a:effectLst>
+                  <a:outerShdw blurRad="38100" dist="19050" dir="2700000" algn="tl" rotWithShape="0">
+                    <a:schemeClr val="dk1">
+                      <a:alpha val="40000"/>
+                    </a:schemeClr>
+                  </a:outerShdw>
+                </a:effectLst>
+              </a:rPr>
+              <a:t>Factor</a:t>
+            </a:r>
+            <a:endParaRPr kumimoji="1" lang="ja-JP" altLang="en-US" dirty="0">
+              <a:ln w="0"/>
+              <a:solidFill>
+                <a:schemeClr val="tx1"/>
+              </a:solidFill>
+              <a:effectLst>
+                <a:outerShdw blurRad="38100" dist="19050" dir="2700000" algn="tl" rotWithShape="0">
+                  <a:schemeClr val="dk1">
+                    <a:alpha val="40000"/>
+                  </a:schemeClr>
+                </a:outerShdw>
+              </a:effectLst>
+            </a:endParaRPr>
+          </a:p>
+        </p:txBody>
+      </p:sp>
+    </p:spTree>
+    <p:extLst>
+      <p:ext uri="{BB962C8B-B14F-4D97-AF65-F5344CB8AC3E}">
+        <p14:creationId xmlns:p14="http://schemas.microsoft.com/office/powerpoint/2010/main" val="108798954"/>
+      </p:ext>
+    </p:extLst>
+  </p:cSld>
+  <p:clrMapOvr>
+    <a:masterClrMapping/>
+  </p:clrMapOvr>
+</p:sld>
+</file>
+
 <file path=ppt/theme/theme1.xml><?xml version="1.0" encoding="utf-8"?>
 <a:theme xmlns:a="http://schemas.openxmlformats.org/drawingml/2006/main" name="Office テーマ">
   <a:themeElements>

--- a/論文パワポ.pptx
+++ b/論文パワポ.pptx
@@ -7,6 +7,7 @@
   <p:sldIdLst>
     <p:sldId id="256" r:id="rId2"/>
     <p:sldId id="257" r:id="rId3"/>
+    <p:sldId id="258" r:id="rId4"/>
   </p:sldIdLst>
   <p:sldSz cx="9144000" cy="6858000" type="screen4x3"/>
   <p:notesSz cx="6858000" cy="9144000"/>
@@ -244,7 +245,7 @@
           <a:p>
             <a:fld id="{EE9C6BD2-D7D2-4F64-92C4-41D0275E4D1A}" type="datetimeFigureOut">
               <a:rPr kumimoji="1" lang="ja-JP" altLang="en-US" smtClean="0"/>
-              <a:t>2018/11/10</a:t>
+              <a:t>2018/11/11</a:t>
             </a:fld>
             <a:endParaRPr kumimoji="1" lang="ja-JP" altLang="en-US"/>
           </a:p>
@@ -446,7 +447,7 @@
           <a:p>
             <a:fld id="{EE9C6BD2-D7D2-4F64-92C4-41D0275E4D1A}" type="datetimeFigureOut">
               <a:rPr kumimoji="1" lang="ja-JP" altLang="en-US" smtClean="0"/>
-              <a:t>2018/11/10</a:t>
+              <a:t>2018/11/11</a:t>
             </a:fld>
             <a:endParaRPr kumimoji="1" lang="ja-JP" altLang="en-US"/>
           </a:p>
@@ -658,7 +659,7 @@
           <a:p>
             <a:fld id="{EE9C6BD2-D7D2-4F64-92C4-41D0275E4D1A}" type="datetimeFigureOut">
               <a:rPr kumimoji="1" lang="ja-JP" altLang="en-US" smtClean="0"/>
-              <a:t>2018/11/10</a:t>
+              <a:t>2018/11/11</a:t>
             </a:fld>
             <a:endParaRPr kumimoji="1" lang="ja-JP" altLang="en-US"/>
           </a:p>
@@ -860,7 +861,7 @@
           <a:p>
             <a:fld id="{EE9C6BD2-D7D2-4F64-92C4-41D0275E4D1A}" type="datetimeFigureOut">
               <a:rPr kumimoji="1" lang="ja-JP" altLang="en-US" smtClean="0"/>
-              <a:t>2018/11/10</a:t>
+              <a:t>2018/11/11</a:t>
             </a:fld>
             <a:endParaRPr kumimoji="1" lang="ja-JP" altLang="en-US"/>
           </a:p>
@@ -1104,7 +1105,7 @@
           <a:p>
             <a:fld id="{EE9C6BD2-D7D2-4F64-92C4-41D0275E4D1A}" type="datetimeFigureOut">
               <a:rPr kumimoji="1" lang="ja-JP" altLang="en-US" smtClean="0"/>
-              <a:t>2018/11/10</a:t>
+              <a:t>2018/11/11</a:t>
             </a:fld>
             <a:endParaRPr kumimoji="1" lang="ja-JP" altLang="en-US"/>
           </a:p>
@@ -1400,7 +1401,7 @@
           <a:p>
             <a:fld id="{EE9C6BD2-D7D2-4F64-92C4-41D0275E4D1A}" type="datetimeFigureOut">
               <a:rPr kumimoji="1" lang="ja-JP" altLang="en-US" smtClean="0"/>
-              <a:t>2018/11/10</a:t>
+              <a:t>2018/11/11</a:t>
             </a:fld>
             <a:endParaRPr kumimoji="1" lang="ja-JP" altLang="en-US"/>
           </a:p>
@@ -1831,7 +1832,7 @@
           <a:p>
             <a:fld id="{EE9C6BD2-D7D2-4F64-92C4-41D0275E4D1A}" type="datetimeFigureOut">
               <a:rPr kumimoji="1" lang="ja-JP" altLang="en-US" smtClean="0"/>
-              <a:t>2018/11/10</a:t>
+              <a:t>2018/11/11</a:t>
             </a:fld>
             <a:endParaRPr kumimoji="1" lang="ja-JP" altLang="en-US"/>
           </a:p>
@@ -1949,7 +1950,7 @@
           <a:p>
             <a:fld id="{EE9C6BD2-D7D2-4F64-92C4-41D0275E4D1A}" type="datetimeFigureOut">
               <a:rPr kumimoji="1" lang="ja-JP" altLang="en-US" smtClean="0"/>
-              <a:t>2018/11/10</a:t>
+              <a:t>2018/11/11</a:t>
             </a:fld>
             <a:endParaRPr kumimoji="1" lang="ja-JP" altLang="en-US"/>
           </a:p>
@@ -2044,7 +2045,7 @@
           <a:p>
             <a:fld id="{EE9C6BD2-D7D2-4F64-92C4-41D0275E4D1A}" type="datetimeFigureOut">
               <a:rPr kumimoji="1" lang="ja-JP" altLang="en-US" smtClean="0"/>
-              <a:t>2018/11/10</a:t>
+              <a:t>2018/11/11</a:t>
             </a:fld>
             <a:endParaRPr kumimoji="1" lang="ja-JP" altLang="en-US"/>
           </a:p>
@@ -2353,7 +2354,7 @@
           <a:p>
             <a:fld id="{EE9C6BD2-D7D2-4F64-92C4-41D0275E4D1A}" type="datetimeFigureOut">
               <a:rPr kumimoji="1" lang="ja-JP" altLang="en-US" smtClean="0"/>
-              <a:t>2018/11/10</a:t>
+              <a:t>2018/11/11</a:t>
             </a:fld>
             <a:endParaRPr kumimoji="1" lang="ja-JP" altLang="en-US"/>
           </a:p>
@@ -2610,7 +2611,7 @@
           <a:p>
             <a:fld id="{EE9C6BD2-D7D2-4F64-92C4-41D0275E4D1A}" type="datetimeFigureOut">
               <a:rPr kumimoji="1" lang="ja-JP" altLang="en-US" smtClean="0"/>
-              <a:t>2018/11/10</a:t>
+              <a:t>2018/11/11</a:t>
             </a:fld>
             <a:endParaRPr kumimoji="1" lang="ja-JP" altLang="en-US"/>
           </a:p>
@@ -2855,7 +2856,7 @@
           <a:p>
             <a:fld id="{EE9C6BD2-D7D2-4F64-92C4-41D0275E4D1A}" type="datetimeFigureOut">
               <a:rPr kumimoji="1" lang="ja-JP" altLang="en-US" smtClean="0"/>
-              <a:t>2018/11/10</a:t>
+              <a:t>2018/11/11</a:t>
             </a:fld>
             <a:endParaRPr kumimoji="1" lang="ja-JP" altLang="en-US"/>
           </a:p>
@@ -4693,6 +4694,1087 @@
 </p:sld>
 </file>
 
+<file path=ppt/slides/slide3.xml><?xml version="1.0" encoding="utf-8"?>
+<p:sld xmlns:a="http://schemas.openxmlformats.org/drawingml/2006/main" xmlns:r="http://schemas.openxmlformats.org/officeDocument/2006/relationships" xmlns:p="http://schemas.openxmlformats.org/presentationml/2006/main">
+  <p:cSld>
+    <p:spTree>
+      <p:nvGrpSpPr>
+        <p:cNvPr id="1" name=""/>
+        <p:cNvGrpSpPr/>
+        <p:nvPr/>
+      </p:nvGrpSpPr>
+      <p:grpSpPr>
+        <a:xfrm>
+          <a:off x="0" y="0"/>
+          <a:ext cx="0" cy="0"/>
+          <a:chOff x="0" y="0"/>
+          <a:chExt cx="0" cy="0"/>
+        </a:xfrm>
+      </p:grpSpPr>
+      <p:sp>
+        <p:nvSpPr>
+          <p:cNvPr id="4" name="正方形/長方形 3">
+            <a:extLst>
+              <a:ext uri="{FF2B5EF4-FFF2-40B4-BE49-F238E27FC236}">
+                <a16:creationId xmlns:a16="http://schemas.microsoft.com/office/drawing/2014/main" id="{703F1A60-B6F6-4866-8EB0-40F0BBE637AD}"/>
+              </a:ext>
+            </a:extLst>
+          </p:cNvPr>
+          <p:cNvSpPr/>
+          <p:nvPr/>
+        </p:nvSpPr>
+        <p:spPr>
+          <a:xfrm>
+            <a:off x="698500" y="2148900"/>
+            <a:ext cx="2070100" cy="756000"/>
+          </a:xfrm>
+          <a:prstGeom prst="rect">
+            <a:avLst/>
+          </a:prstGeom>
+          <a:solidFill>
+            <a:schemeClr val="accent1">
+              <a:lumMod val="75000"/>
+            </a:schemeClr>
+          </a:solidFill>
+          <a:ln>
+            <a:noFill/>
+          </a:ln>
+        </p:spPr>
+        <p:style>
+          <a:lnRef idx="2">
+            <a:schemeClr val="accent1">
+              <a:shade val="50000"/>
+            </a:schemeClr>
+          </a:lnRef>
+          <a:fillRef idx="1">
+            <a:schemeClr val="accent1"/>
+          </a:fillRef>
+          <a:effectRef idx="0">
+            <a:schemeClr val="accent1"/>
+          </a:effectRef>
+          <a:fontRef idx="minor">
+            <a:schemeClr val="lt1"/>
+          </a:fontRef>
+        </p:style>
+        <p:txBody>
+          <a:bodyPr rtlCol="0" anchor="ctr"/>
+          <a:lstStyle/>
+          <a:p>
+            <a:pPr algn="ctr"/>
+            <a:r>
+              <a:rPr kumimoji="1" lang="ja-JP" altLang="en-US" sz="1600" dirty="0">
+                <a:latin typeface="メイリオ" panose="020B0604030504040204" pitchFamily="50" charset="-128"/>
+                <a:ea typeface="メイリオ" panose="020B0604030504040204" pitchFamily="50" charset="-128"/>
+                <a:cs typeface="メイリオ" panose="020B0604030504040204" pitchFamily="50" charset="-128"/>
+              </a:rPr>
+              <a:t>収益性</a:t>
+            </a:r>
+            <a:endParaRPr kumimoji="1" lang="en-US" altLang="ja-JP" sz="1600" dirty="0">
+              <a:latin typeface="メイリオ" panose="020B0604030504040204" pitchFamily="50" charset="-128"/>
+              <a:ea typeface="メイリオ" panose="020B0604030504040204" pitchFamily="50" charset="-128"/>
+              <a:cs typeface="メイリオ" panose="020B0604030504040204" pitchFamily="50" charset="-128"/>
+            </a:endParaRPr>
+          </a:p>
+        </p:txBody>
+      </p:sp>
+      <p:sp>
+        <p:nvSpPr>
+          <p:cNvPr id="5" name="正方形/長方形 4">
+            <a:extLst>
+              <a:ext uri="{FF2B5EF4-FFF2-40B4-BE49-F238E27FC236}">
+                <a16:creationId xmlns:a16="http://schemas.microsoft.com/office/drawing/2014/main" id="{65B9E683-769E-4D58-B3A5-2D8BFFC1D97D}"/>
+              </a:ext>
+            </a:extLst>
+          </p:cNvPr>
+          <p:cNvSpPr/>
+          <p:nvPr/>
+        </p:nvSpPr>
+        <p:spPr>
+          <a:xfrm>
+            <a:off x="2921000" y="2148900"/>
+            <a:ext cx="5580000" cy="756000"/>
+          </a:xfrm>
+          <a:prstGeom prst="rect">
+            <a:avLst/>
+          </a:prstGeom>
+          <a:noFill/>
+          <a:ln>
+            <a:solidFill>
+              <a:schemeClr val="accent1"/>
+            </a:solidFill>
+          </a:ln>
+        </p:spPr>
+        <p:style>
+          <a:lnRef idx="2">
+            <a:schemeClr val="accent1">
+              <a:shade val="50000"/>
+            </a:schemeClr>
+          </a:lnRef>
+          <a:fillRef idx="1">
+            <a:schemeClr val="accent1"/>
+          </a:fillRef>
+          <a:effectRef idx="0">
+            <a:schemeClr val="accent1"/>
+          </a:effectRef>
+          <a:fontRef idx="minor">
+            <a:schemeClr val="lt1"/>
+          </a:fontRef>
+        </p:style>
+        <p:txBody>
+          <a:bodyPr rtlCol="0" anchor="ctr"/>
+          <a:lstStyle/>
+          <a:p>
+            <a:pPr marL="171450" indent="-171450">
+              <a:lnSpc>
+                <a:spcPts val="1800"/>
+              </a:lnSpc>
+              <a:buFont typeface="Wingdings" panose="05000000000000000000" pitchFamily="2" charset="2"/>
+              <a:buChar char="n"/>
+            </a:pPr>
+            <a:r>
+              <a:rPr lang="ja-JP" altLang="en-US" sz="1100" dirty="0">
+                <a:solidFill>
+                  <a:schemeClr val="tx1"/>
+                </a:solidFill>
+                <a:latin typeface="メイリオ" panose="020B0604030504040204" pitchFamily="50" charset="-128"/>
+                <a:ea typeface="メイリオ" panose="020B0604030504040204" pitchFamily="50" charset="-128"/>
+                <a:cs typeface="メイリオ" panose="020B0604030504040204" pitchFamily="50" charset="-128"/>
+              </a:rPr>
+              <a:t>学術研究を通じて正当化されるものであり、中長期的に超過収益を生み出す</a:t>
+            </a:r>
+            <a:endParaRPr kumimoji="1" lang="ja-JP" altLang="en-US" sz="1100" dirty="0">
+              <a:solidFill>
+                <a:schemeClr val="tx1"/>
+              </a:solidFill>
+              <a:latin typeface="メイリオ" panose="020B0604030504040204" pitchFamily="50" charset="-128"/>
+              <a:ea typeface="メイリオ" panose="020B0604030504040204" pitchFamily="50" charset="-128"/>
+              <a:cs typeface="メイリオ" panose="020B0604030504040204" pitchFamily="50" charset="-128"/>
+            </a:endParaRPr>
+          </a:p>
+        </p:txBody>
+      </p:sp>
+      <p:sp>
+        <p:nvSpPr>
+          <p:cNvPr id="6" name="正方形/長方形 5">
+            <a:extLst>
+              <a:ext uri="{FF2B5EF4-FFF2-40B4-BE49-F238E27FC236}">
+                <a16:creationId xmlns:a16="http://schemas.microsoft.com/office/drawing/2014/main" id="{8E4EC97E-3507-4CB4-AC89-C597B082A3DA}"/>
+              </a:ext>
+            </a:extLst>
+          </p:cNvPr>
+          <p:cNvSpPr/>
+          <p:nvPr/>
+        </p:nvSpPr>
+        <p:spPr>
+          <a:xfrm>
+            <a:off x="698500" y="2959100"/>
+            <a:ext cx="2070100" cy="756000"/>
+          </a:xfrm>
+          <a:prstGeom prst="rect">
+            <a:avLst/>
+          </a:prstGeom>
+          <a:solidFill>
+            <a:schemeClr val="accent1">
+              <a:lumMod val="75000"/>
+            </a:schemeClr>
+          </a:solidFill>
+          <a:ln>
+            <a:noFill/>
+          </a:ln>
+        </p:spPr>
+        <p:style>
+          <a:lnRef idx="2">
+            <a:schemeClr val="accent1">
+              <a:shade val="50000"/>
+            </a:schemeClr>
+          </a:lnRef>
+          <a:fillRef idx="1">
+            <a:schemeClr val="accent1"/>
+          </a:fillRef>
+          <a:effectRef idx="0">
+            <a:schemeClr val="accent1"/>
+          </a:effectRef>
+          <a:fontRef idx="minor">
+            <a:schemeClr val="lt1"/>
+          </a:fontRef>
+        </p:style>
+        <p:txBody>
+          <a:bodyPr rtlCol="0" anchor="ctr"/>
+          <a:lstStyle/>
+          <a:p>
+            <a:pPr algn="ctr"/>
+            <a:r>
+              <a:rPr kumimoji="1" lang="ja-JP" altLang="en-US" dirty="0">
+                <a:latin typeface="メイリオ" panose="020B0604030504040204" pitchFamily="50" charset="-128"/>
+                <a:ea typeface="メイリオ" panose="020B0604030504040204" pitchFamily="50" charset="-128"/>
+                <a:cs typeface="メイリオ" panose="020B0604030504040204" pitchFamily="50" charset="-128"/>
+              </a:rPr>
+              <a:t>低相関</a:t>
+            </a:r>
+          </a:p>
+        </p:txBody>
+      </p:sp>
+      <mc:AlternateContent xmlns:mc="http://schemas.openxmlformats.org/markup-compatibility/2006">
+        <mc:Choice xmlns:a14="http://schemas.microsoft.com/office/drawing/2010/main" Requires="a14">
+          <p:sp>
+            <p:nvSpPr>
+              <p:cNvPr id="7" name="正方形/長方形 6">
+                <a:extLst>
+                  <a:ext uri="{FF2B5EF4-FFF2-40B4-BE49-F238E27FC236}">
+                    <a16:creationId xmlns:a16="http://schemas.microsoft.com/office/drawing/2014/main" id="{90055396-DC82-49AB-A404-AB506B0ECF6A}"/>
+                  </a:ext>
+                </a:extLst>
+              </p:cNvPr>
+              <p:cNvSpPr/>
+              <p:nvPr/>
+            </p:nvSpPr>
+            <p:spPr>
+              <a:xfrm>
+                <a:off x="2921000" y="2959100"/>
+                <a:ext cx="5580000" cy="756000"/>
+              </a:xfrm>
+              <a:prstGeom prst="rect">
+                <a:avLst/>
+              </a:prstGeom>
+              <a:noFill/>
+              <a:ln>
+                <a:solidFill>
+                  <a:schemeClr val="accent1"/>
+                </a:solidFill>
+              </a:ln>
+            </p:spPr>
+            <p:style>
+              <a:lnRef idx="2">
+                <a:schemeClr val="accent1">
+                  <a:shade val="50000"/>
+                </a:schemeClr>
+              </a:lnRef>
+              <a:fillRef idx="1">
+                <a:schemeClr val="accent1"/>
+              </a:fillRef>
+              <a:effectRef idx="0">
+                <a:schemeClr val="accent1"/>
+              </a:effectRef>
+              <a:fontRef idx="minor">
+                <a:schemeClr val="lt1"/>
+              </a:fontRef>
+            </p:style>
+            <p:txBody>
+              <a:bodyPr rtlCol="0" anchor="ctr"/>
+              <a:lstStyle/>
+              <a:p>
+                <a:pPr marL="171450" indent="-171450">
+                  <a:lnSpc>
+                    <a:spcPts val="1800"/>
+                  </a:lnSpc>
+                  <a:buFont typeface="Wingdings" panose="05000000000000000000" pitchFamily="2" charset="2"/>
+                  <a:buChar char="n"/>
+                </a:pPr>
+                <a:r>
+                  <a:rPr kumimoji="1" lang="ja-JP" altLang="en-US" sz="1100" dirty="0">
+                    <a:solidFill>
+                      <a:schemeClr val="tx1"/>
+                    </a:solidFill>
+                    <a:latin typeface="メイリオ" panose="020B0604030504040204" pitchFamily="50" charset="-128"/>
+                    <a:ea typeface="メイリオ" panose="020B0604030504040204" pitchFamily="50" charset="-128"/>
+                    <a:cs typeface="メイリオ" panose="020B0604030504040204" pitchFamily="50" charset="-128"/>
+                  </a:rPr>
+                  <a:t>伝統的</a:t>
+                </a:r>
+                <a:r>
+                  <a:rPr kumimoji="1" lang="en-US" altLang="ja-JP" sz="1100" dirty="0">
+                    <a:solidFill>
+                      <a:schemeClr val="tx1"/>
+                    </a:solidFill>
+                    <a:latin typeface="メイリオ" panose="020B0604030504040204" pitchFamily="50" charset="-128"/>
+                    <a:ea typeface="メイリオ" panose="020B0604030504040204" pitchFamily="50" charset="-128"/>
+                    <a:cs typeface="メイリオ" panose="020B0604030504040204" pitchFamily="50" charset="-128"/>
+                  </a:rPr>
+                  <a:t>4</a:t>
+                </a:r>
+                <a:r>
+                  <a:rPr kumimoji="1" lang="ja-JP" altLang="en-US" sz="1100" dirty="0">
+                    <a:solidFill>
+                      <a:schemeClr val="tx1"/>
+                    </a:solidFill>
+                    <a:latin typeface="メイリオ" panose="020B0604030504040204" pitchFamily="50" charset="-128"/>
+                    <a:ea typeface="メイリオ" panose="020B0604030504040204" pitchFamily="50" charset="-128"/>
+                    <a:cs typeface="メイリオ" panose="020B0604030504040204" pitchFamily="50" charset="-128"/>
+                  </a:rPr>
+                  <a:t>資産</a:t>
+                </a:r>
+                <a:r>
+                  <a:rPr kumimoji="1" lang="en-US" altLang="ja-JP" sz="1100" dirty="0">
+                    <a:solidFill>
+                      <a:schemeClr val="tx1"/>
+                    </a:solidFill>
+                    <a:latin typeface="メイリオ" panose="020B0604030504040204" pitchFamily="50" charset="-128"/>
+                    <a:ea typeface="メイリオ" panose="020B0604030504040204" pitchFamily="50" charset="-128"/>
+                    <a:cs typeface="メイリオ" panose="020B0604030504040204" pitchFamily="50" charset="-128"/>
+                  </a:rPr>
+                  <a:t>(</a:t>
+                </a:r>
+                <a:r>
+                  <a:rPr kumimoji="1" lang="ja-JP" altLang="en-US" sz="1100" dirty="0">
+                    <a:solidFill>
+                      <a:schemeClr val="tx1"/>
+                    </a:solidFill>
+                    <a:latin typeface="メイリオ" panose="020B0604030504040204" pitchFamily="50" charset="-128"/>
+                    <a:ea typeface="メイリオ" panose="020B0604030504040204" pitchFamily="50" charset="-128"/>
+                    <a:cs typeface="メイリオ" panose="020B0604030504040204" pitchFamily="50" charset="-128"/>
+                  </a:rPr>
+                  <a:t>市場</a:t>
+                </a:r>
+                <a14:m>
+                  <m:oMath xmlns:m="http://schemas.openxmlformats.org/officeDocument/2006/math">
+                    <m:r>
+                      <a:rPr kumimoji="1" lang="en-US" altLang="ja-JP" sz="1100" b="0" i="1" smtClean="0">
+                        <a:solidFill>
+                          <a:schemeClr val="tx1"/>
+                        </a:solidFill>
+                        <a:latin typeface="Cambria Math" panose="02040503050406030204" pitchFamily="18" charset="0"/>
+                        <a:ea typeface="メイリオ" panose="020B0604030504040204" pitchFamily="50" charset="-128"/>
+                        <a:cs typeface="メイリオ" panose="020B0604030504040204" pitchFamily="50" charset="-128"/>
+                      </a:rPr>
+                      <m:t>𝛽</m:t>
+                    </m:r>
+                  </m:oMath>
+                </a14:m>
+                <a:r>
+                  <a:rPr kumimoji="1" lang="en-US" altLang="ja-JP" sz="1100" dirty="0">
+                    <a:solidFill>
+                      <a:schemeClr val="tx1"/>
+                    </a:solidFill>
+                    <a:latin typeface="メイリオ" panose="020B0604030504040204" pitchFamily="50" charset="-128"/>
+                    <a:ea typeface="メイリオ" panose="020B0604030504040204" pitchFamily="50" charset="-128"/>
+                    <a:cs typeface="メイリオ" panose="020B0604030504040204" pitchFamily="50" charset="-128"/>
+                  </a:rPr>
+                  <a:t>)</a:t>
+                </a:r>
+                <a:r>
+                  <a:rPr kumimoji="1" lang="ja-JP" altLang="en-US" sz="1100" dirty="0">
+                    <a:solidFill>
+                      <a:schemeClr val="tx1"/>
+                    </a:solidFill>
+                    <a:latin typeface="メイリオ" panose="020B0604030504040204" pitchFamily="50" charset="-128"/>
+                    <a:ea typeface="メイリオ" panose="020B0604030504040204" pitchFamily="50" charset="-128"/>
+                    <a:cs typeface="メイリオ" panose="020B0604030504040204" pitchFamily="50" charset="-128"/>
+                  </a:rPr>
+                  <a:t>に対する低相関性</a:t>
+                </a:r>
+                <a:endParaRPr kumimoji="1" lang="en-US" altLang="ja-JP" sz="1100" dirty="0">
+                  <a:solidFill>
+                    <a:schemeClr val="tx1"/>
+                  </a:solidFill>
+                  <a:latin typeface="メイリオ" panose="020B0604030504040204" pitchFamily="50" charset="-128"/>
+                  <a:ea typeface="メイリオ" panose="020B0604030504040204" pitchFamily="50" charset="-128"/>
+                  <a:cs typeface="メイリオ" panose="020B0604030504040204" pitchFamily="50" charset="-128"/>
+                </a:endParaRPr>
+              </a:p>
+              <a:p>
+                <a:pPr marL="171450" indent="-171450">
+                  <a:lnSpc>
+                    <a:spcPts val="1800"/>
+                  </a:lnSpc>
+                  <a:buFont typeface="Wingdings" panose="05000000000000000000" pitchFamily="2" charset="2"/>
+                  <a:buChar char="n"/>
+                </a:pPr>
+                <a:r>
+                  <a:rPr kumimoji="1" lang="ja-JP" altLang="en-US" sz="1100" dirty="0">
+                    <a:solidFill>
+                      <a:schemeClr val="tx1"/>
+                    </a:solidFill>
+                    <a:latin typeface="メイリオ" panose="020B0604030504040204" pitchFamily="50" charset="-128"/>
+                    <a:ea typeface="メイリオ" panose="020B0604030504040204" pitchFamily="50" charset="-128"/>
+                    <a:cs typeface="メイリオ" panose="020B0604030504040204" pitchFamily="50" charset="-128"/>
+                  </a:rPr>
+                  <a:t>各リスクプレミア戦略間の低相関性</a:t>
+                </a:r>
+              </a:p>
+            </p:txBody>
+          </p:sp>
+        </mc:Choice>
+        <mc:Fallback>
+          <p:sp>
+            <p:nvSpPr>
+              <p:cNvPr id="7" name="正方形/長方形 6">
+                <a:extLst>
+                  <a:ext uri="{FF2B5EF4-FFF2-40B4-BE49-F238E27FC236}">
+                    <a16:creationId xmlns:a16="http://schemas.microsoft.com/office/drawing/2014/main" id="{90055396-DC82-49AB-A404-AB506B0ECF6A}"/>
+                  </a:ext>
+                </a:extLst>
+              </p:cNvPr>
+              <p:cNvSpPr>
+                <a:spLocks noRot="1" noChangeAspect="1" noMove="1" noResize="1" noEditPoints="1" noAdjustHandles="1" noChangeArrowheads="1" noChangeShapeType="1" noTextEdit="1"/>
+              </p:cNvSpPr>
+              <p:nvPr/>
+            </p:nvSpPr>
+            <p:spPr>
+              <a:xfrm>
+                <a:off x="2921000" y="2959100"/>
+                <a:ext cx="5580000" cy="756000"/>
+              </a:xfrm>
+              <a:prstGeom prst="rect">
+                <a:avLst/>
+              </a:prstGeom>
+              <a:blipFill>
+                <a:blip r:embed="rId2"/>
+                <a:stretch>
+                  <a:fillRect/>
+                </a:stretch>
+              </a:blipFill>
+              <a:ln>
+                <a:solidFill>
+                  <a:schemeClr val="accent1"/>
+                </a:solidFill>
+              </a:ln>
+            </p:spPr>
+            <p:txBody>
+              <a:bodyPr/>
+              <a:lstStyle/>
+              <a:p>
+                <a:r>
+                  <a:rPr lang="ja-JP" altLang="en-US">
+                    <a:noFill/>
+                  </a:rPr>
+                  <a:t> </a:t>
+                </a:r>
+              </a:p>
+            </p:txBody>
+          </p:sp>
+        </mc:Fallback>
+      </mc:AlternateContent>
+      <p:sp>
+        <p:nvSpPr>
+          <p:cNvPr id="8" name="正方形/長方形 7">
+            <a:extLst>
+              <a:ext uri="{FF2B5EF4-FFF2-40B4-BE49-F238E27FC236}">
+                <a16:creationId xmlns:a16="http://schemas.microsoft.com/office/drawing/2014/main" id="{1689BEFD-EFA4-4209-ADAD-A0AF2B7736F7}"/>
+              </a:ext>
+            </a:extLst>
+          </p:cNvPr>
+          <p:cNvSpPr/>
+          <p:nvPr/>
+        </p:nvSpPr>
+        <p:spPr>
+          <a:xfrm>
+            <a:off x="698500" y="3782000"/>
+            <a:ext cx="2070100" cy="756000"/>
+          </a:xfrm>
+          <a:prstGeom prst="rect">
+            <a:avLst/>
+          </a:prstGeom>
+          <a:solidFill>
+            <a:schemeClr val="accent1">
+              <a:lumMod val="75000"/>
+            </a:schemeClr>
+          </a:solidFill>
+          <a:ln>
+            <a:noFill/>
+          </a:ln>
+        </p:spPr>
+        <p:style>
+          <a:lnRef idx="2">
+            <a:schemeClr val="accent1">
+              <a:shade val="50000"/>
+            </a:schemeClr>
+          </a:lnRef>
+          <a:fillRef idx="1">
+            <a:schemeClr val="accent1"/>
+          </a:fillRef>
+          <a:effectRef idx="0">
+            <a:schemeClr val="accent1"/>
+          </a:effectRef>
+          <a:fontRef idx="minor">
+            <a:schemeClr val="lt1"/>
+          </a:fontRef>
+        </p:style>
+        <p:txBody>
+          <a:bodyPr rtlCol="0" anchor="ctr"/>
+          <a:lstStyle/>
+          <a:p>
+            <a:pPr algn="ctr"/>
+            <a:r>
+              <a:rPr kumimoji="1" lang="ja-JP" altLang="en-US" dirty="0">
+                <a:latin typeface="メイリオ" panose="020B0604030504040204" pitchFamily="50" charset="-128"/>
+                <a:ea typeface="メイリオ" panose="020B0604030504040204" pitchFamily="50" charset="-128"/>
+                <a:cs typeface="メイリオ" panose="020B0604030504040204" pitchFamily="50" charset="-128"/>
+              </a:rPr>
+              <a:t>低コスト</a:t>
+            </a:r>
+          </a:p>
+        </p:txBody>
+      </p:sp>
+      <p:sp>
+        <p:nvSpPr>
+          <p:cNvPr id="9" name="正方形/長方形 8">
+            <a:extLst>
+              <a:ext uri="{FF2B5EF4-FFF2-40B4-BE49-F238E27FC236}">
+                <a16:creationId xmlns:a16="http://schemas.microsoft.com/office/drawing/2014/main" id="{60588FBB-3912-4BDE-BC44-18D3D67B65D7}"/>
+              </a:ext>
+            </a:extLst>
+          </p:cNvPr>
+          <p:cNvSpPr/>
+          <p:nvPr/>
+        </p:nvSpPr>
+        <p:spPr>
+          <a:xfrm>
+            <a:off x="2921000" y="3782000"/>
+            <a:ext cx="5580000" cy="756000"/>
+          </a:xfrm>
+          <a:prstGeom prst="rect">
+            <a:avLst/>
+          </a:prstGeom>
+          <a:noFill/>
+          <a:ln>
+            <a:solidFill>
+              <a:schemeClr val="accent1"/>
+            </a:solidFill>
+          </a:ln>
+        </p:spPr>
+        <p:style>
+          <a:lnRef idx="2">
+            <a:schemeClr val="accent1">
+              <a:shade val="50000"/>
+            </a:schemeClr>
+          </a:lnRef>
+          <a:fillRef idx="1">
+            <a:schemeClr val="accent1"/>
+          </a:fillRef>
+          <a:effectRef idx="0">
+            <a:schemeClr val="accent1"/>
+          </a:effectRef>
+          <a:fontRef idx="minor">
+            <a:schemeClr val="lt1"/>
+          </a:fontRef>
+        </p:style>
+        <p:txBody>
+          <a:bodyPr rtlCol="0" anchor="ctr"/>
+          <a:lstStyle/>
+          <a:p>
+            <a:pPr marL="171450" indent="-171450">
+              <a:lnSpc>
+                <a:spcPts val="1800"/>
+              </a:lnSpc>
+              <a:buFont typeface="Wingdings" panose="05000000000000000000" pitchFamily="2" charset="2"/>
+              <a:buChar char="n"/>
+            </a:pPr>
+            <a:r>
+              <a:rPr kumimoji="1" lang="ja-JP" altLang="en-US" sz="1100" dirty="0">
+                <a:solidFill>
+                  <a:schemeClr val="tx1"/>
+                </a:solidFill>
+                <a:latin typeface="メイリオ" panose="020B0604030504040204" pitchFamily="50" charset="-128"/>
+                <a:ea typeface="メイリオ" panose="020B0604030504040204" pitchFamily="50" charset="-128"/>
+                <a:cs typeface="メイリオ" panose="020B0604030504040204" pitchFamily="50" charset="-128"/>
+              </a:rPr>
+              <a:t>ルールベースでシステマティックな運用</a:t>
+            </a:r>
+            <a:br>
+              <a:rPr kumimoji="1" lang="en-US" altLang="ja-JP" sz="1100" dirty="0">
+                <a:solidFill>
+                  <a:schemeClr val="tx1"/>
+                </a:solidFill>
+                <a:latin typeface="メイリオ" panose="020B0604030504040204" pitchFamily="50" charset="-128"/>
+                <a:ea typeface="メイリオ" panose="020B0604030504040204" pitchFamily="50" charset="-128"/>
+                <a:cs typeface="メイリオ" panose="020B0604030504040204" pitchFamily="50" charset="-128"/>
+              </a:rPr>
+            </a:br>
+            <a:r>
+              <a:rPr kumimoji="1" lang="ja-JP" altLang="en-US" sz="1100" dirty="0">
+                <a:solidFill>
+                  <a:schemeClr val="tx1"/>
+                </a:solidFill>
+                <a:latin typeface="メイリオ" panose="020B0604030504040204" pitchFamily="50" charset="-128"/>
+                <a:ea typeface="メイリオ" panose="020B0604030504040204" pitchFamily="50" charset="-128"/>
+                <a:cs typeface="メイリオ" panose="020B0604030504040204" pitchFamily="50" charset="-128"/>
+              </a:rPr>
+              <a:t> ⇒ ヘッジファンド対比で低コスト、</a:t>
+            </a:r>
+            <a:r>
+              <a:rPr kumimoji="1" lang="en-US" altLang="ja-JP" sz="1100" dirty="0">
+                <a:solidFill>
+                  <a:schemeClr val="tx1"/>
+                </a:solidFill>
+                <a:latin typeface="メイリオ" panose="020B0604030504040204" pitchFamily="50" charset="-128"/>
+                <a:ea typeface="メイリオ" panose="020B0604030504040204" pitchFamily="50" charset="-128"/>
+                <a:cs typeface="メイリオ" panose="020B0604030504040204" pitchFamily="50" charset="-128"/>
+              </a:rPr>
+              <a:t>ETF</a:t>
+            </a:r>
+            <a:r>
+              <a:rPr kumimoji="1" lang="ja-JP" altLang="en-US" sz="1100" dirty="0">
+                <a:solidFill>
+                  <a:schemeClr val="tx1"/>
+                </a:solidFill>
+                <a:latin typeface="メイリオ" panose="020B0604030504040204" pitchFamily="50" charset="-128"/>
+                <a:ea typeface="メイリオ" panose="020B0604030504040204" pitchFamily="50" charset="-128"/>
+                <a:cs typeface="メイリオ" panose="020B0604030504040204" pitchFamily="50" charset="-128"/>
+              </a:rPr>
+              <a:t>等を用いて安価に再現・提供可能</a:t>
+            </a:r>
+          </a:p>
+        </p:txBody>
+      </p:sp>
+      <p:sp>
+        <p:nvSpPr>
+          <p:cNvPr id="10" name="正方形/長方形 9">
+            <a:extLst>
+              <a:ext uri="{FF2B5EF4-FFF2-40B4-BE49-F238E27FC236}">
+                <a16:creationId xmlns:a16="http://schemas.microsoft.com/office/drawing/2014/main" id="{8F2B905D-8DB1-4D4E-A8D7-959C52D211E2}"/>
+              </a:ext>
+            </a:extLst>
+          </p:cNvPr>
+          <p:cNvSpPr/>
+          <p:nvPr/>
+        </p:nvSpPr>
+        <p:spPr>
+          <a:xfrm>
+            <a:off x="698500" y="4592200"/>
+            <a:ext cx="2070100" cy="756000"/>
+          </a:xfrm>
+          <a:prstGeom prst="rect">
+            <a:avLst/>
+          </a:prstGeom>
+          <a:solidFill>
+            <a:schemeClr val="accent1">
+              <a:lumMod val="75000"/>
+            </a:schemeClr>
+          </a:solidFill>
+          <a:ln>
+            <a:noFill/>
+          </a:ln>
+        </p:spPr>
+        <p:style>
+          <a:lnRef idx="2">
+            <a:schemeClr val="accent1">
+              <a:shade val="50000"/>
+            </a:schemeClr>
+          </a:lnRef>
+          <a:fillRef idx="1">
+            <a:schemeClr val="accent1"/>
+          </a:fillRef>
+          <a:effectRef idx="0">
+            <a:schemeClr val="accent1"/>
+          </a:effectRef>
+          <a:fontRef idx="minor">
+            <a:schemeClr val="lt1"/>
+          </a:fontRef>
+        </p:style>
+        <p:txBody>
+          <a:bodyPr rtlCol="0" anchor="ctr"/>
+          <a:lstStyle/>
+          <a:p>
+            <a:pPr algn="ctr"/>
+            <a:r>
+              <a:rPr kumimoji="1" lang="ja-JP" altLang="en-US" dirty="0">
+                <a:latin typeface="メイリオ" panose="020B0604030504040204" pitchFamily="50" charset="-128"/>
+                <a:ea typeface="メイリオ" panose="020B0604030504040204" pitchFamily="50" charset="-128"/>
+                <a:cs typeface="メイリオ" panose="020B0604030504040204" pitchFamily="50" charset="-128"/>
+              </a:rPr>
+              <a:t>高流動性</a:t>
+            </a:r>
+          </a:p>
+        </p:txBody>
+      </p:sp>
+      <p:sp>
+        <p:nvSpPr>
+          <p:cNvPr id="11" name="正方形/長方形 10">
+            <a:extLst>
+              <a:ext uri="{FF2B5EF4-FFF2-40B4-BE49-F238E27FC236}">
+                <a16:creationId xmlns:a16="http://schemas.microsoft.com/office/drawing/2014/main" id="{9DEEEFA7-0356-4D2E-B32A-99282CEADF1F}"/>
+              </a:ext>
+            </a:extLst>
+          </p:cNvPr>
+          <p:cNvSpPr/>
+          <p:nvPr/>
+        </p:nvSpPr>
+        <p:spPr>
+          <a:xfrm>
+            <a:off x="2921000" y="4592200"/>
+            <a:ext cx="5580000" cy="756000"/>
+          </a:xfrm>
+          <a:prstGeom prst="rect">
+            <a:avLst/>
+          </a:prstGeom>
+          <a:noFill/>
+          <a:ln>
+            <a:solidFill>
+              <a:schemeClr val="accent1"/>
+            </a:solidFill>
+          </a:ln>
+        </p:spPr>
+        <p:style>
+          <a:lnRef idx="2">
+            <a:schemeClr val="accent1">
+              <a:shade val="50000"/>
+            </a:schemeClr>
+          </a:lnRef>
+          <a:fillRef idx="1">
+            <a:schemeClr val="accent1"/>
+          </a:fillRef>
+          <a:effectRef idx="0">
+            <a:schemeClr val="accent1"/>
+          </a:effectRef>
+          <a:fontRef idx="minor">
+            <a:schemeClr val="lt1"/>
+          </a:fontRef>
+        </p:style>
+        <p:txBody>
+          <a:bodyPr rtlCol="0" anchor="ctr"/>
+          <a:lstStyle/>
+          <a:p>
+            <a:pPr marL="171450" indent="-171450">
+              <a:lnSpc>
+                <a:spcPts val="1800"/>
+              </a:lnSpc>
+              <a:buFont typeface="Wingdings" panose="05000000000000000000" pitchFamily="2" charset="2"/>
+              <a:buChar char="n"/>
+            </a:pPr>
+            <a:r>
+              <a:rPr kumimoji="1" lang="ja-JP" altLang="en-US" sz="1100" dirty="0">
+                <a:solidFill>
+                  <a:schemeClr val="tx1"/>
+                </a:solidFill>
+                <a:latin typeface="メイリオ" panose="020B0604030504040204" pitchFamily="50" charset="-128"/>
+                <a:ea typeface="メイリオ" panose="020B0604030504040204" pitchFamily="50" charset="-128"/>
+                <a:cs typeface="メイリオ" panose="020B0604030504040204" pitchFamily="50" charset="-128"/>
+              </a:rPr>
+              <a:t>金融市場における高流動性資産で戦略が構成される</a:t>
+            </a:r>
+            <a:endParaRPr kumimoji="1" lang="en-US" altLang="ja-JP" sz="1100" dirty="0">
+              <a:solidFill>
+                <a:schemeClr val="tx1"/>
+              </a:solidFill>
+              <a:latin typeface="メイリオ" panose="020B0604030504040204" pitchFamily="50" charset="-128"/>
+              <a:ea typeface="メイリオ" panose="020B0604030504040204" pitchFamily="50" charset="-128"/>
+              <a:cs typeface="メイリオ" panose="020B0604030504040204" pitchFamily="50" charset="-128"/>
+            </a:endParaRPr>
+          </a:p>
+          <a:p>
+            <a:pPr marL="171450" indent="-171450">
+              <a:lnSpc>
+                <a:spcPts val="1800"/>
+              </a:lnSpc>
+              <a:buFont typeface="Wingdings" panose="05000000000000000000" pitchFamily="2" charset="2"/>
+              <a:buChar char="n"/>
+            </a:pPr>
+            <a:r>
+              <a:rPr kumimoji="1" lang="ja-JP" altLang="en-US" sz="1100" dirty="0">
+                <a:solidFill>
+                  <a:schemeClr val="tx1"/>
+                </a:solidFill>
+                <a:latin typeface="メイリオ" panose="020B0604030504040204" pitchFamily="50" charset="-128"/>
+                <a:ea typeface="メイリオ" panose="020B0604030504040204" pitchFamily="50" charset="-128"/>
+                <a:cs typeface="メイリオ" panose="020B0604030504040204" pitchFamily="50" charset="-128"/>
+              </a:rPr>
+              <a:t>日次ベースでの現金化が可能 </a:t>
+            </a:r>
+            <a:r>
+              <a:rPr kumimoji="1" lang="en-US" altLang="ja-JP" sz="1100" dirty="0">
+                <a:solidFill>
+                  <a:schemeClr val="tx1"/>
+                </a:solidFill>
+                <a:latin typeface="メイリオ" panose="020B0604030504040204" pitchFamily="50" charset="-128"/>
+                <a:ea typeface="メイリオ" panose="020B0604030504040204" pitchFamily="50" charset="-128"/>
+                <a:cs typeface="メイリオ" panose="020B0604030504040204" pitchFamily="50" charset="-128"/>
+              </a:rPr>
+              <a:t>( </a:t>
+            </a:r>
+            <a:r>
+              <a:rPr kumimoji="1" lang="ja-JP" altLang="en-US" sz="1100" dirty="0">
+                <a:solidFill>
+                  <a:schemeClr val="tx1"/>
+                </a:solidFill>
+                <a:latin typeface="メイリオ" panose="020B0604030504040204" pitchFamily="50" charset="-128"/>
+                <a:ea typeface="メイリオ" panose="020B0604030504040204" pitchFamily="50" charset="-128"/>
+                <a:cs typeface="メイリオ" panose="020B0604030504040204" pitchFamily="50" charset="-128"/>
+              </a:rPr>
+              <a:t>⇔ ヘッジファンドは月次・四半期が主流 </a:t>
+            </a:r>
+            <a:r>
+              <a:rPr kumimoji="1" lang="en-US" altLang="ja-JP" sz="1100" dirty="0">
+                <a:solidFill>
+                  <a:schemeClr val="tx1"/>
+                </a:solidFill>
+                <a:latin typeface="メイリオ" panose="020B0604030504040204" pitchFamily="50" charset="-128"/>
+                <a:ea typeface="メイリオ" panose="020B0604030504040204" pitchFamily="50" charset="-128"/>
+                <a:cs typeface="メイリオ" panose="020B0604030504040204" pitchFamily="50" charset="-128"/>
+              </a:rPr>
+              <a:t>)</a:t>
+            </a:r>
+            <a:endParaRPr kumimoji="1" lang="ja-JP" altLang="en-US" sz="1100" dirty="0">
+              <a:solidFill>
+                <a:schemeClr val="tx1"/>
+              </a:solidFill>
+              <a:latin typeface="メイリオ" panose="020B0604030504040204" pitchFamily="50" charset="-128"/>
+              <a:ea typeface="メイリオ" panose="020B0604030504040204" pitchFamily="50" charset="-128"/>
+              <a:cs typeface="メイリオ" panose="020B0604030504040204" pitchFamily="50" charset="-128"/>
+            </a:endParaRPr>
+          </a:p>
+        </p:txBody>
+      </p:sp>
+      <p:sp>
+        <p:nvSpPr>
+          <p:cNvPr id="12" name="正方形/長方形 11">
+            <a:extLst>
+              <a:ext uri="{FF2B5EF4-FFF2-40B4-BE49-F238E27FC236}">
+                <a16:creationId xmlns:a16="http://schemas.microsoft.com/office/drawing/2014/main" id="{125EBE8D-8726-43F2-98C9-499A84EF530D}"/>
+              </a:ext>
+            </a:extLst>
+          </p:cNvPr>
+          <p:cNvSpPr/>
+          <p:nvPr/>
+        </p:nvSpPr>
+        <p:spPr>
+          <a:xfrm>
+            <a:off x="698500" y="5392502"/>
+            <a:ext cx="2070100" cy="756000"/>
+          </a:xfrm>
+          <a:prstGeom prst="rect">
+            <a:avLst/>
+          </a:prstGeom>
+          <a:solidFill>
+            <a:schemeClr val="accent1">
+              <a:lumMod val="75000"/>
+            </a:schemeClr>
+          </a:solidFill>
+          <a:ln>
+            <a:noFill/>
+          </a:ln>
+        </p:spPr>
+        <p:style>
+          <a:lnRef idx="2">
+            <a:schemeClr val="accent1">
+              <a:shade val="50000"/>
+            </a:schemeClr>
+          </a:lnRef>
+          <a:fillRef idx="1">
+            <a:schemeClr val="accent1"/>
+          </a:fillRef>
+          <a:effectRef idx="0">
+            <a:schemeClr val="accent1"/>
+          </a:effectRef>
+          <a:fontRef idx="minor">
+            <a:schemeClr val="lt1"/>
+          </a:fontRef>
+        </p:style>
+        <p:txBody>
+          <a:bodyPr rtlCol="0" anchor="ctr"/>
+          <a:lstStyle/>
+          <a:p>
+            <a:pPr algn="ctr"/>
+            <a:r>
+              <a:rPr kumimoji="1" lang="ja-JP" altLang="en-US" dirty="0">
+                <a:latin typeface="メイリオ" panose="020B0604030504040204" pitchFamily="50" charset="-128"/>
+                <a:ea typeface="メイリオ" panose="020B0604030504040204" pitchFamily="50" charset="-128"/>
+                <a:cs typeface="メイリオ" panose="020B0604030504040204" pitchFamily="50" charset="-128"/>
+              </a:rPr>
+              <a:t>透明性</a:t>
+            </a:r>
+          </a:p>
+        </p:txBody>
+      </p:sp>
+      <p:sp>
+        <p:nvSpPr>
+          <p:cNvPr id="13" name="正方形/長方形 12">
+            <a:extLst>
+              <a:ext uri="{FF2B5EF4-FFF2-40B4-BE49-F238E27FC236}">
+                <a16:creationId xmlns:a16="http://schemas.microsoft.com/office/drawing/2014/main" id="{6B1C50F8-5C3A-4E74-9728-94DBDF7CAB1C}"/>
+              </a:ext>
+            </a:extLst>
+          </p:cNvPr>
+          <p:cNvSpPr/>
+          <p:nvPr/>
+        </p:nvSpPr>
+        <p:spPr>
+          <a:xfrm>
+            <a:off x="2921000" y="5392502"/>
+            <a:ext cx="5580000" cy="756000"/>
+          </a:xfrm>
+          <a:prstGeom prst="rect">
+            <a:avLst/>
+          </a:prstGeom>
+          <a:noFill/>
+          <a:ln>
+            <a:solidFill>
+              <a:schemeClr val="accent1"/>
+            </a:solidFill>
+          </a:ln>
+        </p:spPr>
+        <p:style>
+          <a:lnRef idx="2">
+            <a:schemeClr val="accent1">
+              <a:shade val="50000"/>
+            </a:schemeClr>
+          </a:lnRef>
+          <a:fillRef idx="1">
+            <a:schemeClr val="accent1"/>
+          </a:fillRef>
+          <a:effectRef idx="0">
+            <a:schemeClr val="accent1"/>
+          </a:effectRef>
+          <a:fontRef idx="minor">
+            <a:schemeClr val="lt1"/>
+          </a:fontRef>
+        </p:style>
+        <p:txBody>
+          <a:bodyPr rtlCol="0" anchor="ctr"/>
+          <a:lstStyle/>
+          <a:p>
+            <a:pPr marL="171450" indent="-171450">
+              <a:lnSpc>
+                <a:spcPts val="1800"/>
+              </a:lnSpc>
+              <a:buFont typeface="Wingdings" panose="05000000000000000000" pitchFamily="2" charset="2"/>
+              <a:buChar char="n"/>
+            </a:pPr>
+            <a:r>
+              <a:rPr kumimoji="1" lang="ja-JP" altLang="en-US" sz="1100" dirty="0">
+                <a:solidFill>
+                  <a:schemeClr val="tx1"/>
+                </a:solidFill>
+                <a:latin typeface="メイリオ" panose="020B0604030504040204" pitchFamily="50" charset="-128"/>
+                <a:ea typeface="メイリオ" panose="020B0604030504040204" pitchFamily="50" charset="-128"/>
+                <a:cs typeface="メイリオ" panose="020B0604030504040204" pitchFamily="50" charset="-128"/>
+              </a:rPr>
+              <a:t>ルールベースでシステマティックな運用：定性判断が無く明確な運用プロセス</a:t>
+            </a:r>
+            <a:endParaRPr kumimoji="1" lang="en-US" altLang="ja-JP" sz="1100" dirty="0">
+              <a:solidFill>
+                <a:schemeClr val="tx1"/>
+              </a:solidFill>
+              <a:latin typeface="メイリオ" panose="020B0604030504040204" pitchFamily="50" charset="-128"/>
+              <a:ea typeface="メイリオ" panose="020B0604030504040204" pitchFamily="50" charset="-128"/>
+              <a:cs typeface="メイリオ" panose="020B0604030504040204" pitchFamily="50" charset="-128"/>
+            </a:endParaRPr>
+          </a:p>
+          <a:p>
+            <a:pPr marL="171450" indent="-171450">
+              <a:lnSpc>
+                <a:spcPts val="1800"/>
+              </a:lnSpc>
+              <a:buFont typeface="Wingdings" panose="05000000000000000000" pitchFamily="2" charset="2"/>
+              <a:buChar char="n"/>
+            </a:pPr>
+            <a:r>
+              <a:rPr kumimoji="1" lang="ja-JP" altLang="en-US" sz="1100" dirty="0">
+                <a:solidFill>
+                  <a:schemeClr val="tx1"/>
+                </a:solidFill>
+                <a:latin typeface="メイリオ" panose="020B0604030504040204" pitchFamily="50" charset="-128"/>
+                <a:ea typeface="メイリオ" panose="020B0604030504040204" pitchFamily="50" charset="-128"/>
+                <a:cs typeface="メイリオ" panose="020B0604030504040204" pitchFamily="50" charset="-128"/>
+              </a:rPr>
+              <a:t>投資銀行では、取引ルールや日次評価、コスト計算方法を全開示</a:t>
+            </a:r>
+          </a:p>
+        </p:txBody>
+      </p:sp>
+      <p:sp>
+        <p:nvSpPr>
+          <p:cNvPr id="16" name="テキスト ボックス 15">
+            <a:extLst>
+              <a:ext uri="{FF2B5EF4-FFF2-40B4-BE49-F238E27FC236}">
+                <a16:creationId xmlns:a16="http://schemas.microsoft.com/office/drawing/2014/main" id="{E63E1C2F-2EEE-4A69-9563-222F19AE3945}"/>
+              </a:ext>
+            </a:extLst>
+          </p:cNvPr>
+          <p:cNvSpPr txBox="1"/>
+          <p:nvPr/>
+        </p:nvSpPr>
+        <p:spPr>
+          <a:xfrm>
+            <a:off x="5791200" y="3249400"/>
+            <a:ext cx="1689100" cy="276999"/>
+          </a:xfrm>
+          <a:prstGeom prst="rect">
+            <a:avLst/>
+          </a:prstGeom>
+          <a:noFill/>
+        </p:spPr>
+        <p:txBody>
+          <a:bodyPr wrap="square" rtlCol="0">
+            <a:spAutoFit/>
+          </a:bodyPr>
+          <a:lstStyle/>
+          <a:p>
+            <a:r>
+              <a:rPr kumimoji="1" lang="ja-JP" altLang="en-US" sz="1200" dirty="0">
+                <a:latin typeface="メイリオ" panose="020B0604030504040204" pitchFamily="50" charset="-128"/>
+                <a:ea typeface="メイリオ" panose="020B0604030504040204" pitchFamily="50" charset="-128"/>
+                <a:cs typeface="メイリオ" panose="020B0604030504040204" pitchFamily="50" charset="-128"/>
+              </a:rPr>
+              <a:t> ⇒ 分散効果が期待</a:t>
+            </a:r>
+          </a:p>
+        </p:txBody>
+      </p:sp>
+      <p:sp>
+        <p:nvSpPr>
+          <p:cNvPr id="17" name="右中かっこ 16">
+            <a:extLst>
+              <a:ext uri="{FF2B5EF4-FFF2-40B4-BE49-F238E27FC236}">
+                <a16:creationId xmlns:a16="http://schemas.microsoft.com/office/drawing/2014/main" id="{D1E93FAB-DD69-4AF5-85A6-EA5640F913FA}"/>
+              </a:ext>
+            </a:extLst>
+          </p:cNvPr>
+          <p:cNvSpPr/>
+          <p:nvPr/>
+        </p:nvSpPr>
+        <p:spPr>
+          <a:xfrm>
+            <a:off x="5711000" y="3160500"/>
+            <a:ext cx="80200" cy="365899"/>
+          </a:xfrm>
+          <a:prstGeom prst="rightBrace">
+            <a:avLst>
+              <a:gd name="adj1" fmla="val 23446"/>
+              <a:gd name="adj2" fmla="val 50000"/>
+            </a:avLst>
+          </a:prstGeom>
+          <a:ln>
+            <a:solidFill>
+              <a:schemeClr val="tx1"/>
+            </a:solidFill>
+          </a:ln>
+        </p:spPr>
+        <p:style>
+          <a:lnRef idx="1">
+            <a:schemeClr val="accent1"/>
+          </a:lnRef>
+          <a:fillRef idx="0">
+            <a:schemeClr val="accent1"/>
+          </a:fillRef>
+          <a:effectRef idx="0">
+            <a:schemeClr val="accent1"/>
+          </a:effectRef>
+          <a:fontRef idx="minor">
+            <a:schemeClr val="tx1"/>
+          </a:fontRef>
+        </p:style>
+        <p:txBody>
+          <a:bodyPr rtlCol="0" anchor="ctr"/>
+          <a:lstStyle/>
+          <a:p>
+            <a:pPr algn="ctr"/>
+            <a:endParaRPr kumimoji="1" lang="ja-JP" altLang="en-US"/>
+          </a:p>
+        </p:txBody>
+      </p:sp>
+    </p:spTree>
+    <p:extLst>
+      <p:ext uri="{BB962C8B-B14F-4D97-AF65-F5344CB8AC3E}">
+        <p14:creationId xmlns:p14="http://schemas.microsoft.com/office/powerpoint/2010/main" val="1435507950"/>
+      </p:ext>
+    </p:extLst>
+  </p:cSld>
+  <p:clrMapOvr>
+    <a:masterClrMapping/>
+  </p:clrMapOvr>
+</p:sld>
+</file>
+
 <file path=ppt/theme/theme1.xml><?xml version="1.0" encoding="utf-8"?>
 <a:theme xmlns:a="http://schemas.openxmlformats.org/drawingml/2006/main" name="Office テーマ">
   <a:themeElements>

--- a/論文パワポ.pptx
+++ b/論文パワポ.pptx
@@ -8,6 +8,8 @@
     <p:sldId id="256" r:id="rId2"/>
     <p:sldId id="257" r:id="rId3"/>
     <p:sldId id="258" r:id="rId4"/>
+    <p:sldId id="259" r:id="rId5"/>
+    <p:sldId id="260" r:id="rId6"/>
   </p:sldIdLst>
   <p:sldSz cx="9144000" cy="6858000" type="screen4x3"/>
   <p:notesSz cx="6858000" cy="9144000"/>
@@ -4914,8 +4916,8 @@
           </a:p>
         </p:txBody>
       </p:sp>
-      <mc:AlternateContent xmlns:mc="http://schemas.openxmlformats.org/markup-compatibility/2006">
-        <mc:Choice xmlns:a14="http://schemas.microsoft.com/office/drawing/2010/main" Requires="a14">
+      <mc:AlternateContent xmlns:mc="http://schemas.openxmlformats.org/markup-compatibility/2006" xmlns:a14="http://schemas.microsoft.com/office/drawing/2010/main">
+        <mc:Choice Requires="a14">
           <p:sp>
             <p:nvSpPr>
               <p:cNvPr id="7" name="正方形/長方形 6">
@@ -5094,7 +5096,7 @@
             </p:txBody>
           </p:sp>
         </mc:Choice>
-        <mc:Fallback>
+        <mc:Fallback xmlns="">
           <p:sp>
             <p:nvSpPr>
               <p:cNvPr id="7" name="正方形/長方形 6">
@@ -5766,6 +5768,4672 @@
     <p:extLst>
       <p:ext uri="{BB962C8B-B14F-4D97-AF65-F5344CB8AC3E}">
         <p14:creationId xmlns:p14="http://schemas.microsoft.com/office/powerpoint/2010/main" val="1435507950"/>
+      </p:ext>
+    </p:extLst>
+  </p:cSld>
+  <p:clrMapOvr>
+    <a:masterClrMapping/>
+  </p:clrMapOvr>
+</p:sld>
+</file>
+
+<file path=ppt/slides/slide4.xml><?xml version="1.0" encoding="utf-8"?>
+<p:sld xmlns:a="http://schemas.openxmlformats.org/drawingml/2006/main" xmlns:r="http://schemas.openxmlformats.org/officeDocument/2006/relationships" xmlns:p="http://schemas.openxmlformats.org/presentationml/2006/main">
+  <p:cSld>
+    <p:spTree>
+      <p:nvGrpSpPr>
+        <p:cNvPr id="1" name=""/>
+        <p:cNvGrpSpPr/>
+        <p:nvPr/>
+      </p:nvGrpSpPr>
+      <p:grpSpPr>
+        <a:xfrm>
+          <a:off x="0" y="0"/>
+          <a:ext cx="0" cy="0"/>
+          <a:chOff x="0" y="0"/>
+          <a:chExt cx="0" cy="0"/>
+        </a:xfrm>
+      </p:grpSpPr>
+      <p:sp>
+        <p:nvSpPr>
+          <p:cNvPr id="4" name="正方形/長方形 3">
+            <a:extLst>
+              <a:ext uri="{FF2B5EF4-FFF2-40B4-BE49-F238E27FC236}">
+                <a16:creationId xmlns:a16="http://schemas.microsoft.com/office/drawing/2014/main" id="{A2FB5172-33FA-4EAB-A4AF-CAF52BBE78EF}"/>
+              </a:ext>
+            </a:extLst>
+          </p:cNvPr>
+          <p:cNvSpPr/>
+          <p:nvPr/>
+        </p:nvSpPr>
+        <p:spPr>
+          <a:xfrm>
+            <a:off x="596600" y="5087904"/>
+            <a:ext cx="2679700" cy="756000"/>
+          </a:xfrm>
+          <a:prstGeom prst="rect">
+            <a:avLst/>
+          </a:prstGeom>
+          <a:solidFill>
+            <a:schemeClr val="accent1">
+              <a:lumMod val="75000"/>
+            </a:schemeClr>
+          </a:solidFill>
+          <a:ln>
+            <a:noFill/>
+          </a:ln>
+        </p:spPr>
+        <p:style>
+          <a:lnRef idx="2">
+            <a:schemeClr val="accent1">
+              <a:shade val="50000"/>
+            </a:schemeClr>
+          </a:lnRef>
+          <a:fillRef idx="1">
+            <a:schemeClr val="accent1"/>
+          </a:fillRef>
+          <a:effectRef idx="0">
+            <a:schemeClr val="accent1"/>
+          </a:effectRef>
+          <a:fontRef idx="minor">
+            <a:schemeClr val="lt1"/>
+          </a:fontRef>
+        </p:style>
+        <p:txBody>
+          <a:bodyPr rtlCol="0" anchor="ctr"/>
+          <a:lstStyle/>
+          <a:p>
+            <a:pPr algn="ctr"/>
+            <a:r>
+              <a:rPr kumimoji="1" lang="ja-JP" altLang="en-US" sz="1400" dirty="0">
+                <a:latin typeface="メイリオ" panose="020B0604030504040204" pitchFamily="50" charset="-128"/>
+                <a:ea typeface="メイリオ" panose="020B0604030504040204" pitchFamily="50" charset="-128"/>
+                <a:cs typeface="メイリオ" panose="020B0604030504040204" pitchFamily="50" charset="-128"/>
+              </a:rPr>
+              <a:t>リスク管理</a:t>
+            </a:r>
+            <a:endParaRPr kumimoji="1" lang="en-US" altLang="ja-JP" sz="1400" dirty="0">
+              <a:latin typeface="メイリオ" panose="020B0604030504040204" pitchFamily="50" charset="-128"/>
+              <a:ea typeface="メイリオ" panose="020B0604030504040204" pitchFamily="50" charset="-128"/>
+              <a:cs typeface="メイリオ" panose="020B0604030504040204" pitchFamily="50" charset="-128"/>
+            </a:endParaRPr>
+          </a:p>
+        </p:txBody>
+      </p:sp>
+      <mc:AlternateContent xmlns:mc="http://schemas.openxmlformats.org/markup-compatibility/2006">
+        <mc:Choice xmlns:a14="http://schemas.microsoft.com/office/drawing/2010/main" Requires="a14">
+          <p:sp>
+            <p:nvSpPr>
+              <p:cNvPr id="5" name="正方形/長方形 4">
+                <a:extLst>
+                  <a:ext uri="{FF2B5EF4-FFF2-40B4-BE49-F238E27FC236}">
+                    <a16:creationId xmlns:a16="http://schemas.microsoft.com/office/drawing/2014/main" id="{BAF5C210-3CEA-415B-BE5D-6AAA1BF119D5}"/>
+                  </a:ext>
+                </a:extLst>
+              </p:cNvPr>
+              <p:cNvSpPr/>
+              <p:nvPr/>
+            </p:nvSpPr>
+            <p:spPr>
+              <a:xfrm>
+                <a:off x="3365200" y="5087904"/>
+                <a:ext cx="5220000" cy="756000"/>
+              </a:xfrm>
+              <a:prstGeom prst="rect">
+                <a:avLst/>
+              </a:prstGeom>
+              <a:noFill/>
+              <a:ln>
+                <a:solidFill>
+                  <a:schemeClr val="accent1"/>
+                </a:solidFill>
+              </a:ln>
+            </p:spPr>
+            <p:style>
+              <a:lnRef idx="2">
+                <a:schemeClr val="accent1">
+                  <a:shade val="50000"/>
+                </a:schemeClr>
+              </a:lnRef>
+              <a:fillRef idx="1">
+                <a:schemeClr val="accent1"/>
+              </a:fillRef>
+              <a:effectRef idx="0">
+                <a:schemeClr val="accent1"/>
+              </a:effectRef>
+              <a:fontRef idx="minor">
+                <a:schemeClr val="lt1"/>
+              </a:fontRef>
+            </p:style>
+            <p:txBody>
+              <a:bodyPr rtlCol="0" anchor="ctr"/>
+              <a:lstStyle/>
+              <a:p>
+                <a:pPr marL="171450" indent="-171450">
+                  <a:lnSpc>
+                    <a:spcPts val="1800"/>
+                  </a:lnSpc>
+                  <a:buFont typeface="Wingdings" panose="05000000000000000000" pitchFamily="2" charset="2"/>
+                  <a:buChar char="n"/>
+                </a:pPr>
+                <a:r>
+                  <a:rPr kumimoji="1" lang="ja-JP" altLang="en-US" sz="1050" dirty="0">
+                    <a:solidFill>
+                      <a:schemeClr val="tx1"/>
+                    </a:solidFill>
+                    <a:latin typeface="メイリオ" panose="020B0604030504040204" pitchFamily="50" charset="-128"/>
+                    <a:ea typeface="メイリオ" panose="020B0604030504040204" pitchFamily="50" charset="-128"/>
+                    <a:cs typeface="メイリオ" panose="020B0604030504040204" pitchFamily="50" charset="-128"/>
+                  </a:rPr>
+                  <a:t>保有ポートフォリオのファクターベースでのリスク管理ツール</a:t>
+                </a:r>
+                <a:endParaRPr kumimoji="1" lang="en-US" altLang="ja-JP" sz="1050" dirty="0">
+                  <a:solidFill>
+                    <a:schemeClr val="tx1"/>
+                  </a:solidFill>
+                  <a:latin typeface="メイリオ" panose="020B0604030504040204" pitchFamily="50" charset="-128"/>
+                  <a:ea typeface="メイリオ" panose="020B0604030504040204" pitchFamily="50" charset="-128"/>
+                  <a:cs typeface="メイリオ" panose="020B0604030504040204" pitchFamily="50" charset="-128"/>
+                </a:endParaRPr>
+              </a:p>
+              <a:p>
+                <a:pPr marL="171450" indent="-171450">
+                  <a:lnSpc>
+                    <a:spcPts val="1800"/>
+                  </a:lnSpc>
+                  <a:buFont typeface="Wingdings" panose="05000000000000000000" pitchFamily="2" charset="2"/>
+                  <a:buChar char="n"/>
+                </a:pPr>
+                <a:r>
+                  <a:rPr kumimoji="1" lang="ja-JP" altLang="en-US" sz="1050" b="0" dirty="0">
+                    <a:solidFill>
+                      <a:schemeClr val="tx1"/>
+                    </a:solidFill>
+                    <a:ea typeface="メイリオ" panose="020B0604030504040204" pitchFamily="50" charset="-128"/>
+                    <a:cs typeface="メイリオ" panose="020B0604030504040204" pitchFamily="50" charset="-128"/>
+                  </a:rPr>
+                  <a:t>市場</a:t>
+                </a:r>
+                <a14:m>
+                  <m:oMath xmlns:m="http://schemas.openxmlformats.org/officeDocument/2006/math">
+                    <m:r>
+                      <a:rPr kumimoji="1" lang="en-US" altLang="ja-JP" sz="1050" b="0" i="1" smtClean="0">
+                        <a:solidFill>
+                          <a:schemeClr val="tx1"/>
+                        </a:solidFill>
+                        <a:latin typeface="Cambria Math" panose="02040503050406030204" pitchFamily="18" charset="0"/>
+                        <a:ea typeface="メイリオ" panose="020B0604030504040204" pitchFamily="50" charset="-128"/>
+                        <a:cs typeface="メイリオ" panose="020B0604030504040204" pitchFamily="50" charset="-128"/>
+                      </a:rPr>
+                      <m:t>𝛽</m:t>
+                    </m:r>
+                  </m:oMath>
+                </a14:m>
+                <a:r>
+                  <a:rPr kumimoji="1" lang="ja-JP" altLang="en-US" sz="1050" dirty="0">
+                    <a:solidFill>
+                      <a:schemeClr val="tx1"/>
+                    </a:solidFill>
+                    <a:latin typeface="メイリオ" panose="020B0604030504040204" pitchFamily="50" charset="-128"/>
+                    <a:ea typeface="メイリオ" panose="020B0604030504040204" pitchFamily="50" charset="-128"/>
+                    <a:cs typeface="メイリオ" panose="020B0604030504040204" pitchFamily="50" charset="-128"/>
+                  </a:rPr>
+                  <a:t>とリスクプレミアを併用した収益源泉の観点でのリスクモニタリング</a:t>
+                </a:r>
+                <a:endParaRPr kumimoji="1" lang="en-US" altLang="ja-JP" sz="1050" dirty="0">
+                  <a:solidFill>
+                    <a:schemeClr val="tx1"/>
+                  </a:solidFill>
+                  <a:latin typeface="メイリオ" panose="020B0604030504040204" pitchFamily="50" charset="-128"/>
+                  <a:ea typeface="メイリオ" panose="020B0604030504040204" pitchFamily="50" charset="-128"/>
+                  <a:cs typeface="メイリオ" panose="020B0604030504040204" pitchFamily="50" charset="-128"/>
+                </a:endParaRPr>
+              </a:p>
+            </p:txBody>
+          </p:sp>
+        </mc:Choice>
+        <mc:Fallback>
+          <p:sp>
+            <p:nvSpPr>
+              <p:cNvPr id="5" name="正方形/長方形 4">
+                <a:extLst>
+                  <a:ext uri="{FF2B5EF4-FFF2-40B4-BE49-F238E27FC236}">
+                    <a16:creationId xmlns:a16="http://schemas.microsoft.com/office/drawing/2014/main" id="{BAF5C210-3CEA-415B-BE5D-6AAA1BF119D5}"/>
+                  </a:ext>
+                </a:extLst>
+              </p:cNvPr>
+              <p:cNvSpPr>
+                <a:spLocks noRot="1" noChangeAspect="1" noMove="1" noResize="1" noEditPoints="1" noAdjustHandles="1" noChangeArrowheads="1" noChangeShapeType="1" noTextEdit="1"/>
+              </p:cNvSpPr>
+              <p:nvPr/>
+            </p:nvSpPr>
+            <p:spPr>
+              <a:xfrm>
+                <a:off x="3365200" y="5087904"/>
+                <a:ext cx="5220000" cy="756000"/>
+              </a:xfrm>
+              <a:prstGeom prst="rect">
+                <a:avLst/>
+              </a:prstGeom>
+              <a:blipFill>
+                <a:blip r:embed="rId2"/>
+                <a:stretch>
+                  <a:fillRect/>
+                </a:stretch>
+              </a:blipFill>
+              <a:ln>
+                <a:solidFill>
+                  <a:schemeClr val="accent1"/>
+                </a:solidFill>
+              </a:ln>
+            </p:spPr>
+            <p:txBody>
+              <a:bodyPr/>
+              <a:lstStyle/>
+              <a:p>
+                <a:r>
+                  <a:rPr lang="ja-JP" altLang="en-US">
+                    <a:noFill/>
+                  </a:rPr>
+                  <a:t> </a:t>
+                </a:r>
+              </a:p>
+            </p:txBody>
+          </p:sp>
+        </mc:Fallback>
+      </mc:AlternateContent>
+      <p:sp>
+        <p:nvSpPr>
+          <p:cNvPr id="6" name="正方形/長方形 5">
+            <a:extLst>
+              <a:ext uri="{FF2B5EF4-FFF2-40B4-BE49-F238E27FC236}">
+                <a16:creationId xmlns:a16="http://schemas.microsoft.com/office/drawing/2014/main" id="{F5F1280D-2133-4067-B911-554C1D4155EF}"/>
+              </a:ext>
+            </a:extLst>
+          </p:cNvPr>
+          <p:cNvSpPr/>
+          <p:nvPr/>
+        </p:nvSpPr>
+        <p:spPr>
+          <a:xfrm>
+            <a:off x="1612900" y="1816100"/>
+            <a:ext cx="1676400" cy="756000"/>
+          </a:xfrm>
+          <a:prstGeom prst="rect">
+            <a:avLst/>
+          </a:prstGeom>
+          <a:solidFill>
+            <a:schemeClr val="accent1">
+              <a:lumMod val="60000"/>
+              <a:lumOff val="40000"/>
+            </a:schemeClr>
+          </a:solidFill>
+          <a:ln>
+            <a:noFill/>
+          </a:ln>
+        </p:spPr>
+        <p:style>
+          <a:lnRef idx="2">
+            <a:schemeClr val="accent1">
+              <a:shade val="50000"/>
+            </a:schemeClr>
+          </a:lnRef>
+          <a:fillRef idx="1">
+            <a:schemeClr val="accent1"/>
+          </a:fillRef>
+          <a:effectRef idx="0">
+            <a:schemeClr val="accent1"/>
+          </a:effectRef>
+          <a:fontRef idx="minor">
+            <a:schemeClr val="lt1"/>
+          </a:fontRef>
+        </p:style>
+        <p:txBody>
+          <a:bodyPr rtlCol="0" anchor="ctr"/>
+          <a:lstStyle/>
+          <a:p>
+            <a:pPr algn="ctr"/>
+            <a:r>
+              <a:rPr kumimoji="1" lang="ja-JP" altLang="en-US" sz="1200" dirty="0">
+                <a:solidFill>
+                  <a:schemeClr val="tx1"/>
+                </a:solidFill>
+                <a:latin typeface="メイリオ" panose="020B0604030504040204" pitchFamily="50" charset="-128"/>
+                <a:ea typeface="メイリオ" panose="020B0604030504040204" pitchFamily="50" charset="-128"/>
+                <a:cs typeface="メイリオ" panose="020B0604030504040204" pitchFamily="50" charset="-128"/>
+              </a:rPr>
+              <a:t>絶対収益戦略</a:t>
+            </a:r>
+          </a:p>
+        </p:txBody>
+      </p:sp>
+      <p:sp>
+        <p:nvSpPr>
+          <p:cNvPr id="7" name="正方形/長方形 6">
+            <a:extLst>
+              <a:ext uri="{FF2B5EF4-FFF2-40B4-BE49-F238E27FC236}">
+                <a16:creationId xmlns:a16="http://schemas.microsoft.com/office/drawing/2014/main" id="{7DAEC2CA-BAA7-48FB-8318-CD93CBB07F7B}"/>
+              </a:ext>
+            </a:extLst>
+          </p:cNvPr>
+          <p:cNvSpPr/>
+          <p:nvPr/>
+        </p:nvSpPr>
+        <p:spPr>
+          <a:xfrm>
+            <a:off x="3378200" y="1816100"/>
+            <a:ext cx="5220000" cy="756000"/>
+          </a:xfrm>
+          <a:prstGeom prst="rect">
+            <a:avLst/>
+          </a:prstGeom>
+          <a:noFill/>
+          <a:ln>
+            <a:solidFill>
+              <a:schemeClr val="accent1"/>
+            </a:solidFill>
+          </a:ln>
+        </p:spPr>
+        <p:style>
+          <a:lnRef idx="2">
+            <a:schemeClr val="accent1">
+              <a:shade val="50000"/>
+            </a:schemeClr>
+          </a:lnRef>
+          <a:fillRef idx="1">
+            <a:schemeClr val="accent1"/>
+          </a:fillRef>
+          <a:effectRef idx="0">
+            <a:schemeClr val="accent1"/>
+          </a:effectRef>
+          <a:fontRef idx="minor">
+            <a:schemeClr val="lt1"/>
+          </a:fontRef>
+        </p:style>
+        <p:txBody>
+          <a:bodyPr rtlCol="0" anchor="ctr"/>
+          <a:lstStyle/>
+          <a:p>
+            <a:pPr marL="171450" indent="-171450">
+              <a:lnSpc>
+                <a:spcPts val="1800"/>
+              </a:lnSpc>
+              <a:buFont typeface="Wingdings" panose="05000000000000000000" pitchFamily="2" charset="2"/>
+              <a:buChar char="n"/>
+            </a:pPr>
+            <a:r>
+              <a:rPr kumimoji="1" lang="ja-JP" altLang="en-US" sz="1050" dirty="0">
+                <a:solidFill>
+                  <a:schemeClr val="tx1"/>
+                </a:solidFill>
+                <a:latin typeface="メイリオ" panose="020B0604030504040204" pitchFamily="50" charset="-128"/>
+                <a:ea typeface="メイリオ" panose="020B0604030504040204" pitchFamily="50" charset="-128"/>
+                <a:cs typeface="メイリオ" panose="020B0604030504040204" pitchFamily="50" charset="-128"/>
+              </a:rPr>
+              <a:t>アセット・スタイル横断的に幅広い収益源泉</a:t>
+            </a:r>
+            <a:r>
+              <a:rPr kumimoji="1" lang="en-US" altLang="ja-JP" sz="1050" dirty="0">
+                <a:solidFill>
+                  <a:schemeClr val="tx1"/>
+                </a:solidFill>
+                <a:latin typeface="メイリオ" panose="020B0604030504040204" pitchFamily="50" charset="-128"/>
+                <a:ea typeface="メイリオ" panose="020B0604030504040204" pitchFamily="50" charset="-128"/>
+                <a:cs typeface="メイリオ" panose="020B0604030504040204" pitchFamily="50" charset="-128"/>
+              </a:rPr>
+              <a:t>(</a:t>
+            </a:r>
+            <a:r>
+              <a:rPr kumimoji="1" lang="ja-JP" altLang="en-US" sz="1050" dirty="0">
+                <a:solidFill>
+                  <a:schemeClr val="tx1"/>
+                </a:solidFill>
+                <a:latin typeface="メイリオ" panose="020B0604030504040204" pitchFamily="50" charset="-128"/>
+                <a:ea typeface="メイリオ" panose="020B0604030504040204" pitchFamily="50" charset="-128"/>
+                <a:cs typeface="メイリオ" panose="020B0604030504040204" pitchFamily="50" charset="-128"/>
+              </a:rPr>
+              <a:t>リスクプレミアム</a:t>
+            </a:r>
+            <a:r>
+              <a:rPr kumimoji="1" lang="en-US" altLang="ja-JP" sz="1050" dirty="0">
+                <a:solidFill>
+                  <a:schemeClr val="tx1"/>
+                </a:solidFill>
+                <a:latin typeface="メイリオ" panose="020B0604030504040204" pitchFamily="50" charset="-128"/>
+                <a:ea typeface="メイリオ" panose="020B0604030504040204" pitchFamily="50" charset="-128"/>
+                <a:cs typeface="メイリオ" panose="020B0604030504040204" pitchFamily="50" charset="-128"/>
+              </a:rPr>
+              <a:t>)</a:t>
+            </a:r>
+            <a:r>
+              <a:rPr kumimoji="1" lang="ja-JP" altLang="en-US" sz="1050" dirty="0">
+                <a:solidFill>
+                  <a:schemeClr val="tx1"/>
+                </a:solidFill>
+                <a:latin typeface="メイリオ" panose="020B0604030504040204" pitchFamily="50" charset="-128"/>
+                <a:ea typeface="メイリオ" panose="020B0604030504040204" pitchFamily="50" charset="-128"/>
+                <a:cs typeface="メイリオ" panose="020B0604030504040204" pitchFamily="50" charset="-128"/>
+              </a:rPr>
+              <a:t>に投資</a:t>
+            </a:r>
+            <a:endParaRPr kumimoji="1" lang="en-US" altLang="ja-JP" sz="1050" dirty="0">
+              <a:solidFill>
+                <a:schemeClr val="tx1"/>
+              </a:solidFill>
+              <a:latin typeface="メイリオ" panose="020B0604030504040204" pitchFamily="50" charset="-128"/>
+              <a:ea typeface="メイリオ" panose="020B0604030504040204" pitchFamily="50" charset="-128"/>
+              <a:cs typeface="メイリオ" panose="020B0604030504040204" pitchFamily="50" charset="-128"/>
+            </a:endParaRPr>
+          </a:p>
+          <a:p>
+            <a:pPr marL="171450" indent="-171450">
+              <a:lnSpc>
+                <a:spcPts val="1800"/>
+              </a:lnSpc>
+              <a:buFont typeface="Wingdings" panose="05000000000000000000" pitchFamily="2" charset="2"/>
+              <a:buChar char="n"/>
+            </a:pPr>
+            <a:r>
+              <a:rPr kumimoji="1" lang="ja-JP" altLang="en-US" sz="1050" dirty="0">
+                <a:solidFill>
+                  <a:schemeClr val="tx1"/>
+                </a:solidFill>
+                <a:latin typeface="メイリオ" panose="020B0604030504040204" pitchFamily="50" charset="-128"/>
+                <a:ea typeface="メイリオ" panose="020B0604030504040204" pitchFamily="50" charset="-128"/>
+                <a:cs typeface="メイリオ" panose="020B0604030504040204" pitchFamily="50" charset="-128"/>
+              </a:rPr>
+              <a:t>分散効果を最大限に活かし、絶対収益を目指す</a:t>
+            </a:r>
+          </a:p>
+        </p:txBody>
+      </p:sp>
+      <p:sp>
+        <p:nvSpPr>
+          <p:cNvPr id="8" name="正方形/長方形 7">
+            <a:extLst>
+              <a:ext uri="{FF2B5EF4-FFF2-40B4-BE49-F238E27FC236}">
+                <a16:creationId xmlns:a16="http://schemas.microsoft.com/office/drawing/2014/main" id="{6831E9EB-3B3E-4FDF-8E9C-B7EB9C2FBECC}"/>
+              </a:ext>
+            </a:extLst>
+          </p:cNvPr>
+          <p:cNvSpPr/>
+          <p:nvPr/>
+        </p:nvSpPr>
+        <p:spPr>
+          <a:xfrm>
+            <a:off x="1612900" y="2639000"/>
+            <a:ext cx="1676400" cy="756000"/>
+          </a:xfrm>
+          <a:prstGeom prst="rect">
+            <a:avLst/>
+          </a:prstGeom>
+          <a:solidFill>
+            <a:schemeClr val="accent1">
+              <a:lumMod val="60000"/>
+              <a:lumOff val="40000"/>
+            </a:schemeClr>
+          </a:solidFill>
+          <a:ln>
+            <a:noFill/>
+          </a:ln>
+        </p:spPr>
+        <p:style>
+          <a:lnRef idx="2">
+            <a:schemeClr val="accent1">
+              <a:shade val="50000"/>
+            </a:schemeClr>
+          </a:lnRef>
+          <a:fillRef idx="1">
+            <a:schemeClr val="accent1"/>
+          </a:fillRef>
+          <a:effectRef idx="0">
+            <a:schemeClr val="accent1"/>
+          </a:effectRef>
+          <a:fontRef idx="minor">
+            <a:schemeClr val="lt1"/>
+          </a:fontRef>
+        </p:style>
+        <p:txBody>
+          <a:bodyPr rtlCol="0" anchor="ctr"/>
+          <a:lstStyle/>
+          <a:p>
+            <a:pPr algn="ctr"/>
+            <a:r>
+              <a:rPr kumimoji="1" lang="ja-JP" altLang="en-US" sz="1200" dirty="0">
+                <a:solidFill>
+                  <a:schemeClr val="tx1"/>
+                </a:solidFill>
+                <a:latin typeface="メイリオ" panose="020B0604030504040204" pitchFamily="50" charset="-128"/>
+                <a:ea typeface="メイリオ" panose="020B0604030504040204" pitchFamily="50" charset="-128"/>
+                <a:cs typeface="メイリオ" panose="020B0604030504040204" pitchFamily="50" charset="-128"/>
+              </a:rPr>
+              <a:t>アウトカム</a:t>
+            </a:r>
+            <a:br>
+              <a:rPr kumimoji="1" lang="en-US" altLang="ja-JP" sz="1200" dirty="0">
+                <a:solidFill>
+                  <a:schemeClr val="tx1"/>
+                </a:solidFill>
+                <a:latin typeface="メイリオ" panose="020B0604030504040204" pitchFamily="50" charset="-128"/>
+                <a:ea typeface="メイリオ" panose="020B0604030504040204" pitchFamily="50" charset="-128"/>
+                <a:cs typeface="メイリオ" panose="020B0604030504040204" pitchFamily="50" charset="-128"/>
+              </a:rPr>
+            </a:br>
+            <a:r>
+              <a:rPr kumimoji="1" lang="ja-JP" altLang="en-US" sz="1200" dirty="0">
+                <a:solidFill>
+                  <a:schemeClr val="tx1"/>
+                </a:solidFill>
+                <a:latin typeface="メイリオ" panose="020B0604030504040204" pitchFamily="50" charset="-128"/>
+                <a:ea typeface="メイリオ" panose="020B0604030504040204" pitchFamily="50" charset="-128"/>
+                <a:cs typeface="メイリオ" panose="020B0604030504040204" pitchFamily="50" charset="-128"/>
+              </a:rPr>
+              <a:t>オリエンテッド</a:t>
+            </a:r>
+          </a:p>
+        </p:txBody>
+      </p:sp>
+      <p:sp>
+        <p:nvSpPr>
+          <p:cNvPr id="9" name="正方形/長方形 8">
+            <a:extLst>
+              <a:ext uri="{FF2B5EF4-FFF2-40B4-BE49-F238E27FC236}">
+                <a16:creationId xmlns:a16="http://schemas.microsoft.com/office/drawing/2014/main" id="{66713A14-065F-422D-91D9-E6ACA1E95A1B}"/>
+              </a:ext>
+            </a:extLst>
+          </p:cNvPr>
+          <p:cNvSpPr/>
+          <p:nvPr/>
+        </p:nvSpPr>
+        <p:spPr>
+          <a:xfrm>
+            <a:off x="3378200" y="2639000"/>
+            <a:ext cx="5220000" cy="756000"/>
+          </a:xfrm>
+          <a:prstGeom prst="rect">
+            <a:avLst/>
+          </a:prstGeom>
+          <a:noFill/>
+          <a:ln>
+            <a:solidFill>
+              <a:schemeClr val="accent1"/>
+            </a:solidFill>
+          </a:ln>
+        </p:spPr>
+        <p:style>
+          <a:lnRef idx="2">
+            <a:schemeClr val="accent1">
+              <a:shade val="50000"/>
+            </a:schemeClr>
+          </a:lnRef>
+          <a:fillRef idx="1">
+            <a:schemeClr val="accent1"/>
+          </a:fillRef>
+          <a:effectRef idx="0">
+            <a:schemeClr val="accent1"/>
+          </a:effectRef>
+          <a:fontRef idx="minor">
+            <a:schemeClr val="lt1"/>
+          </a:fontRef>
+        </p:style>
+        <p:txBody>
+          <a:bodyPr rtlCol="0" anchor="ctr"/>
+          <a:lstStyle/>
+          <a:p>
+            <a:pPr marL="171450" indent="-171450">
+              <a:lnSpc>
+                <a:spcPts val="1800"/>
+              </a:lnSpc>
+              <a:buFont typeface="Wingdings" panose="05000000000000000000" pitchFamily="2" charset="2"/>
+              <a:buChar char="n"/>
+            </a:pPr>
+            <a:r>
+              <a:rPr kumimoji="1" lang="ja-JP" altLang="en-US" sz="1050" dirty="0">
+                <a:solidFill>
+                  <a:schemeClr val="tx1"/>
+                </a:solidFill>
+                <a:latin typeface="メイリオ" panose="020B0604030504040204" pitchFamily="50" charset="-128"/>
+                <a:ea typeface="メイリオ" panose="020B0604030504040204" pitchFamily="50" charset="-128"/>
+                <a:cs typeface="メイリオ" panose="020B0604030504040204" pitchFamily="50" charset="-128"/>
+              </a:rPr>
+              <a:t>目的を特定した形でのリスクプレミア投資</a:t>
+            </a:r>
+            <a:br>
+              <a:rPr kumimoji="1" lang="en-US" altLang="ja-JP" sz="1050" dirty="0">
+                <a:solidFill>
+                  <a:schemeClr val="tx1"/>
+                </a:solidFill>
+                <a:latin typeface="メイリオ" panose="020B0604030504040204" pitchFamily="50" charset="-128"/>
+                <a:ea typeface="メイリオ" panose="020B0604030504040204" pitchFamily="50" charset="-128"/>
+                <a:cs typeface="メイリオ" panose="020B0604030504040204" pitchFamily="50" charset="-128"/>
+              </a:rPr>
+            </a:br>
+            <a:r>
+              <a:rPr kumimoji="1" lang="ja-JP" altLang="en-US" sz="1050" dirty="0">
+                <a:solidFill>
+                  <a:schemeClr val="tx1"/>
+                </a:solidFill>
+                <a:latin typeface="メイリオ" panose="020B0604030504040204" pitchFamily="50" charset="-128"/>
+                <a:ea typeface="メイリオ" panose="020B0604030504040204" pitchFamily="50" charset="-128"/>
+                <a:cs typeface="メイリオ" panose="020B0604030504040204" pitchFamily="50" charset="-128"/>
+              </a:rPr>
+              <a:t>例</a:t>
+            </a:r>
+            <a:r>
+              <a:rPr kumimoji="1" lang="en-US" altLang="ja-JP" sz="1050" dirty="0">
+                <a:solidFill>
+                  <a:schemeClr val="tx1"/>
+                </a:solidFill>
+                <a:latin typeface="メイリオ" panose="020B0604030504040204" pitchFamily="50" charset="-128"/>
+                <a:ea typeface="メイリオ" panose="020B0604030504040204" pitchFamily="50" charset="-128"/>
+                <a:cs typeface="メイリオ" panose="020B0604030504040204" pitchFamily="50" charset="-128"/>
+              </a:rPr>
+              <a:t>1)</a:t>
+            </a:r>
+            <a:r>
+              <a:rPr kumimoji="1" lang="ja-JP" altLang="en-US" sz="1050" dirty="0">
+                <a:solidFill>
+                  <a:schemeClr val="tx1"/>
+                </a:solidFill>
+                <a:latin typeface="メイリオ" panose="020B0604030504040204" pitchFamily="50" charset="-128"/>
+                <a:ea typeface="メイリオ" panose="020B0604030504040204" pitchFamily="50" charset="-128"/>
+                <a:cs typeface="メイリオ" panose="020B0604030504040204" pitchFamily="50" charset="-128"/>
+              </a:rPr>
+              <a:t> テールリスクヘッジ：保有ポートフォリオのリスクヘッジの観点での投資</a:t>
+            </a:r>
+            <a:br>
+              <a:rPr kumimoji="1" lang="en-US" altLang="ja-JP" sz="1050" dirty="0">
+                <a:solidFill>
+                  <a:schemeClr val="tx1"/>
+                </a:solidFill>
+                <a:latin typeface="メイリオ" panose="020B0604030504040204" pitchFamily="50" charset="-128"/>
+                <a:ea typeface="メイリオ" panose="020B0604030504040204" pitchFamily="50" charset="-128"/>
+                <a:cs typeface="メイリオ" panose="020B0604030504040204" pitchFamily="50" charset="-128"/>
+              </a:rPr>
+            </a:br>
+            <a:r>
+              <a:rPr kumimoji="1" lang="ja-JP" altLang="en-US" sz="1050" dirty="0">
+                <a:solidFill>
+                  <a:schemeClr val="tx1"/>
+                </a:solidFill>
+                <a:latin typeface="メイリオ" panose="020B0604030504040204" pitchFamily="50" charset="-128"/>
+                <a:ea typeface="メイリオ" panose="020B0604030504040204" pitchFamily="50" charset="-128"/>
+                <a:cs typeface="メイリオ" panose="020B0604030504040204" pitchFamily="50" charset="-128"/>
+              </a:rPr>
+              <a:t>例</a:t>
+            </a:r>
+            <a:r>
+              <a:rPr kumimoji="1" lang="en-US" altLang="ja-JP" sz="1050" dirty="0">
+                <a:solidFill>
+                  <a:schemeClr val="tx1"/>
+                </a:solidFill>
+                <a:latin typeface="メイリオ" panose="020B0604030504040204" pitchFamily="50" charset="-128"/>
+                <a:ea typeface="メイリオ" panose="020B0604030504040204" pitchFamily="50" charset="-128"/>
+                <a:cs typeface="メイリオ" panose="020B0604030504040204" pitchFamily="50" charset="-128"/>
+              </a:rPr>
+              <a:t>2) </a:t>
+            </a:r>
+            <a:r>
+              <a:rPr kumimoji="1" lang="ja-JP" altLang="en-US" sz="1050" dirty="0">
+                <a:solidFill>
+                  <a:schemeClr val="tx1"/>
+                </a:solidFill>
+                <a:latin typeface="メイリオ" panose="020B0604030504040204" pitchFamily="50" charset="-128"/>
+                <a:ea typeface="メイリオ" panose="020B0604030504040204" pitchFamily="50" charset="-128"/>
+                <a:cs typeface="メイリオ" panose="020B0604030504040204" pitchFamily="50" charset="-128"/>
+              </a:rPr>
+              <a:t>インカム：保有ポートフォリオのインカム収益の底上げの観点での投資</a:t>
+            </a:r>
+            <a:endParaRPr kumimoji="1" lang="en-US" altLang="ja-JP" sz="1050" dirty="0">
+              <a:solidFill>
+                <a:schemeClr val="tx1"/>
+              </a:solidFill>
+              <a:latin typeface="メイリオ" panose="020B0604030504040204" pitchFamily="50" charset="-128"/>
+              <a:ea typeface="メイリオ" panose="020B0604030504040204" pitchFamily="50" charset="-128"/>
+              <a:cs typeface="メイリオ" panose="020B0604030504040204" pitchFamily="50" charset="-128"/>
+            </a:endParaRPr>
+          </a:p>
+        </p:txBody>
+      </p:sp>
+      <p:sp>
+        <p:nvSpPr>
+          <p:cNvPr id="10" name="正方形/長方形 9">
+            <a:extLst>
+              <a:ext uri="{FF2B5EF4-FFF2-40B4-BE49-F238E27FC236}">
+                <a16:creationId xmlns:a16="http://schemas.microsoft.com/office/drawing/2014/main" id="{815854DA-E589-431B-B36C-D2B77ADE92D9}"/>
+              </a:ext>
+            </a:extLst>
+          </p:cNvPr>
+          <p:cNvSpPr/>
+          <p:nvPr/>
+        </p:nvSpPr>
+        <p:spPr>
+          <a:xfrm>
+            <a:off x="1612900" y="3461900"/>
+            <a:ext cx="1676400" cy="756000"/>
+          </a:xfrm>
+          <a:prstGeom prst="rect">
+            <a:avLst/>
+          </a:prstGeom>
+          <a:solidFill>
+            <a:schemeClr val="accent1">
+              <a:lumMod val="60000"/>
+              <a:lumOff val="40000"/>
+            </a:schemeClr>
+          </a:solidFill>
+          <a:ln>
+            <a:noFill/>
+          </a:ln>
+        </p:spPr>
+        <p:style>
+          <a:lnRef idx="2">
+            <a:schemeClr val="accent1">
+              <a:shade val="50000"/>
+            </a:schemeClr>
+          </a:lnRef>
+          <a:fillRef idx="1">
+            <a:schemeClr val="accent1"/>
+          </a:fillRef>
+          <a:effectRef idx="0">
+            <a:schemeClr val="accent1"/>
+          </a:effectRef>
+          <a:fontRef idx="minor">
+            <a:schemeClr val="lt1"/>
+          </a:fontRef>
+        </p:style>
+        <p:txBody>
+          <a:bodyPr rtlCol="0" anchor="ctr"/>
+          <a:lstStyle/>
+          <a:p>
+            <a:pPr algn="ctr"/>
+            <a:r>
+              <a:rPr kumimoji="1" lang="ja-JP" altLang="en-US" sz="1200" dirty="0">
+                <a:solidFill>
+                  <a:schemeClr val="tx1"/>
+                </a:solidFill>
+                <a:latin typeface="メイリオ" panose="020B0604030504040204" pitchFamily="50" charset="-128"/>
+                <a:ea typeface="メイリオ" panose="020B0604030504040204" pitchFamily="50" charset="-128"/>
+                <a:cs typeface="メイリオ" panose="020B0604030504040204" pitchFamily="50" charset="-128"/>
+              </a:rPr>
+              <a:t>ヘッジファンド代替</a:t>
+            </a:r>
+          </a:p>
+        </p:txBody>
+      </p:sp>
+      <p:sp>
+        <p:nvSpPr>
+          <p:cNvPr id="11" name="正方形/長方形 10">
+            <a:extLst>
+              <a:ext uri="{FF2B5EF4-FFF2-40B4-BE49-F238E27FC236}">
+                <a16:creationId xmlns:a16="http://schemas.microsoft.com/office/drawing/2014/main" id="{DBA442E2-1F97-4339-B3C5-98689B9A6E16}"/>
+              </a:ext>
+            </a:extLst>
+          </p:cNvPr>
+          <p:cNvSpPr/>
+          <p:nvPr/>
+        </p:nvSpPr>
+        <p:spPr>
+          <a:xfrm>
+            <a:off x="3378200" y="3461900"/>
+            <a:ext cx="5220000" cy="756000"/>
+          </a:xfrm>
+          <a:prstGeom prst="rect">
+            <a:avLst/>
+          </a:prstGeom>
+          <a:noFill/>
+          <a:ln>
+            <a:solidFill>
+              <a:schemeClr val="accent1"/>
+            </a:solidFill>
+          </a:ln>
+        </p:spPr>
+        <p:style>
+          <a:lnRef idx="2">
+            <a:schemeClr val="accent1">
+              <a:shade val="50000"/>
+            </a:schemeClr>
+          </a:lnRef>
+          <a:fillRef idx="1">
+            <a:schemeClr val="accent1"/>
+          </a:fillRef>
+          <a:effectRef idx="0">
+            <a:schemeClr val="accent1"/>
+          </a:effectRef>
+          <a:fontRef idx="minor">
+            <a:schemeClr val="lt1"/>
+          </a:fontRef>
+        </p:style>
+        <p:txBody>
+          <a:bodyPr rtlCol="0" anchor="ctr"/>
+          <a:lstStyle/>
+          <a:p>
+            <a:pPr marL="171450" indent="-171450">
+              <a:lnSpc>
+                <a:spcPts val="1800"/>
+              </a:lnSpc>
+              <a:buFont typeface="Wingdings" panose="05000000000000000000" pitchFamily="2" charset="2"/>
+              <a:buChar char="n"/>
+            </a:pPr>
+            <a:r>
+              <a:rPr kumimoji="1" lang="ja-JP" altLang="en-US" sz="1050" dirty="0">
+                <a:solidFill>
+                  <a:schemeClr val="tx1"/>
+                </a:solidFill>
+                <a:latin typeface="メイリオ" panose="020B0604030504040204" pitchFamily="50" charset="-128"/>
+                <a:ea typeface="メイリオ" panose="020B0604030504040204" pitchFamily="50" charset="-128"/>
+                <a:cs typeface="メイリオ" panose="020B0604030504040204" pitchFamily="50" charset="-128"/>
+              </a:rPr>
+              <a:t>ヘッジファンド投資に比べコストおよび流動性に優れていることから、ヘッジファンド投資をリスクプレミア投資で代替する</a:t>
+            </a:r>
+          </a:p>
+        </p:txBody>
+      </p:sp>
+      <p:sp>
+        <p:nvSpPr>
+          <p:cNvPr id="12" name="正方形/長方形 11">
+            <a:extLst>
+              <a:ext uri="{FF2B5EF4-FFF2-40B4-BE49-F238E27FC236}">
+                <a16:creationId xmlns:a16="http://schemas.microsoft.com/office/drawing/2014/main" id="{8DB9CBB1-4D6D-4131-A2D8-D84F3DC3FEDB}"/>
+              </a:ext>
+            </a:extLst>
+          </p:cNvPr>
+          <p:cNvSpPr/>
+          <p:nvPr/>
+        </p:nvSpPr>
+        <p:spPr>
+          <a:xfrm>
+            <a:off x="1612900" y="4274902"/>
+            <a:ext cx="1676400" cy="756000"/>
+          </a:xfrm>
+          <a:prstGeom prst="rect">
+            <a:avLst/>
+          </a:prstGeom>
+          <a:solidFill>
+            <a:schemeClr val="accent1">
+              <a:lumMod val="60000"/>
+              <a:lumOff val="40000"/>
+            </a:schemeClr>
+          </a:solidFill>
+          <a:ln>
+            <a:noFill/>
+          </a:ln>
+        </p:spPr>
+        <p:style>
+          <a:lnRef idx="2">
+            <a:schemeClr val="accent1">
+              <a:shade val="50000"/>
+            </a:schemeClr>
+          </a:lnRef>
+          <a:fillRef idx="1">
+            <a:schemeClr val="accent1"/>
+          </a:fillRef>
+          <a:effectRef idx="0">
+            <a:schemeClr val="accent1"/>
+          </a:effectRef>
+          <a:fontRef idx="minor">
+            <a:schemeClr val="lt1"/>
+          </a:fontRef>
+        </p:style>
+        <p:txBody>
+          <a:bodyPr rtlCol="0" anchor="ctr"/>
+          <a:lstStyle/>
+          <a:p>
+            <a:pPr algn="ctr"/>
+            <a:r>
+              <a:rPr kumimoji="1" lang="ja-JP" altLang="en-US" sz="1200" dirty="0">
+                <a:solidFill>
+                  <a:schemeClr val="tx1"/>
+                </a:solidFill>
+                <a:latin typeface="メイリオ" panose="020B0604030504040204" pitchFamily="50" charset="-128"/>
+                <a:ea typeface="メイリオ" panose="020B0604030504040204" pitchFamily="50" charset="-128"/>
+                <a:cs typeface="メイリオ" panose="020B0604030504040204" pitchFamily="50" charset="-128"/>
+              </a:rPr>
+              <a:t>ポートフォリオ</a:t>
+            </a:r>
+            <a:br>
+              <a:rPr kumimoji="1" lang="en-US" altLang="ja-JP" sz="1200" dirty="0">
+                <a:solidFill>
+                  <a:schemeClr val="tx1"/>
+                </a:solidFill>
+                <a:latin typeface="メイリオ" panose="020B0604030504040204" pitchFamily="50" charset="-128"/>
+                <a:ea typeface="メイリオ" panose="020B0604030504040204" pitchFamily="50" charset="-128"/>
+                <a:cs typeface="メイリオ" panose="020B0604030504040204" pitchFamily="50" charset="-128"/>
+              </a:rPr>
+            </a:br>
+            <a:r>
+              <a:rPr kumimoji="1" lang="ja-JP" altLang="en-US" sz="1200" dirty="0">
+                <a:solidFill>
+                  <a:schemeClr val="tx1"/>
+                </a:solidFill>
+                <a:latin typeface="メイリオ" panose="020B0604030504040204" pitchFamily="50" charset="-128"/>
+                <a:ea typeface="メイリオ" panose="020B0604030504040204" pitchFamily="50" charset="-128"/>
+                <a:cs typeface="メイリオ" panose="020B0604030504040204" pitchFamily="50" charset="-128"/>
+              </a:rPr>
+              <a:t>コンプリーション</a:t>
+            </a:r>
+          </a:p>
+        </p:txBody>
+      </p:sp>
+      <p:sp>
+        <p:nvSpPr>
+          <p:cNvPr id="13" name="正方形/長方形 12">
+            <a:extLst>
+              <a:ext uri="{FF2B5EF4-FFF2-40B4-BE49-F238E27FC236}">
+                <a16:creationId xmlns:a16="http://schemas.microsoft.com/office/drawing/2014/main" id="{198E0049-8A11-4039-AD79-47B59D2A90A4}"/>
+              </a:ext>
+            </a:extLst>
+          </p:cNvPr>
+          <p:cNvSpPr/>
+          <p:nvPr/>
+        </p:nvSpPr>
+        <p:spPr>
+          <a:xfrm>
+            <a:off x="3378200" y="4274902"/>
+            <a:ext cx="5220000" cy="756000"/>
+          </a:xfrm>
+          <a:prstGeom prst="rect">
+            <a:avLst/>
+          </a:prstGeom>
+          <a:noFill/>
+          <a:ln>
+            <a:solidFill>
+              <a:schemeClr val="accent1"/>
+            </a:solidFill>
+          </a:ln>
+        </p:spPr>
+        <p:style>
+          <a:lnRef idx="2">
+            <a:schemeClr val="accent1">
+              <a:shade val="50000"/>
+            </a:schemeClr>
+          </a:lnRef>
+          <a:fillRef idx="1">
+            <a:schemeClr val="accent1"/>
+          </a:fillRef>
+          <a:effectRef idx="0">
+            <a:schemeClr val="accent1"/>
+          </a:effectRef>
+          <a:fontRef idx="minor">
+            <a:schemeClr val="lt1"/>
+          </a:fontRef>
+        </p:style>
+        <p:txBody>
+          <a:bodyPr rtlCol="0" anchor="ctr"/>
+          <a:lstStyle/>
+          <a:p>
+            <a:pPr marL="171450" indent="-171450">
+              <a:lnSpc>
+                <a:spcPts val="1800"/>
+              </a:lnSpc>
+              <a:buFont typeface="Wingdings" panose="05000000000000000000" pitchFamily="2" charset="2"/>
+              <a:buChar char="n"/>
+            </a:pPr>
+            <a:r>
+              <a:rPr kumimoji="1" lang="ja-JP" altLang="en-US" sz="1050" dirty="0">
+                <a:solidFill>
+                  <a:schemeClr val="tx1"/>
+                </a:solidFill>
+                <a:latin typeface="メイリオ" panose="020B0604030504040204" pitchFamily="50" charset="-128"/>
+                <a:ea typeface="メイリオ" panose="020B0604030504040204" pitchFamily="50" charset="-128"/>
+                <a:cs typeface="メイリオ" panose="020B0604030504040204" pitchFamily="50" charset="-128"/>
+              </a:rPr>
+              <a:t>ファクターベースで特定の偏りがある場合に、保有するポートフォリオのリスク分散の観点から未保有のファクターをリスクプレミア投資で補う</a:t>
+            </a:r>
+          </a:p>
+        </p:txBody>
+      </p:sp>
+      <p:sp>
+        <p:nvSpPr>
+          <p:cNvPr id="17" name="正方形/長方形 16">
+            <a:extLst>
+              <a:ext uri="{FF2B5EF4-FFF2-40B4-BE49-F238E27FC236}">
+                <a16:creationId xmlns:a16="http://schemas.microsoft.com/office/drawing/2014/main" id="{5164B3E4-EA84-4EDB-B947-855C1E7DAFC2}"/>
+              </a:ext>
+            </a:extLst>
+          </p:cNvPr>
+          <p:cNvSpPr/>
+          <p:nvPr/>
+        </p:nvSpPr>
+        <p:spPr>
+          <a:xfrm>
+            <a:off x="609600" y="1816100"/>
+            <a:ext cx="901700" cy="3214802"/>
+          </a:xfrm>
+          <a:prstGeom prst="rect">
+            <a:avLst/>
+          </a:prstGeom>
+          <a:solidFill>
+            <a:schemeClr val="accent1">
+              <a:lumMod val="75000"/>
+            </a:schemeClr>
+          </a:solidFill>
+          <a:ln>
+            <a:noFill/>
+          </a:ln>
+        </p:spPr>
+        <p:style>
+          <a:lnRef idx="2">
+            <a:schemeClr val="accent1">
+              <a:shade val="50000"/>
+            </a:schemeClr>
+          </a:lnRef>
+          <a:fillRef idx="1">
+            <a:schemeClr val="accent1"/>
+          </a:fillRef>
+          <a:effectRef idx="0">
+            <a:schemeClr val="accent1"/>
+          </a:effectRef>
+          <a:fontRef idx="minor">
+            <a:schemeClr val="lt1"/>
+          </a:fontRef>
+        </p:style>
+        <p:txBody>
+          <a:bodyPr rtlCol="0" anchor="ctr"/>
+          <a:lstStyle/>
+          <a:p>
+            <a:pPr algn="ctr"/>
+            <a:r>
+              <a:rPr kumimoji="1" lang="ja-JP" altLang="en-US" sz="1400" dirty="0">
+                <a:latin typeface="メイリオ" panose="020B0604030504040204" pitchFamily="50" charset="-128"/>
+                <a:ea typeface="メイリオ" panose="020B0604030504040204" pitchFamily="50" charset="-128"/>
+                <a:cs typeface="メイリオ" panose="020B0604030504040204" pitchFamily="50" charset="-128"/>
+              </a:rPr>
+              <a:t>運用戦略</a:t>
+            </a:r>
+            <a:endParaRPr kumimoji="1" lang="en-US" altLang="ja-JP" sz="1400" dirty="0">
+              <a:latin typeface="メイリオ" panose="020B0604030504040204" pitchFamily="50" charset="-128"/>
+              <a:ea typeface="メイリオ" panose="020B0604030504040204" pitchFamily="50" charset="-128"/>
+              <a:cs typeface="メイリオ" panose="020B0604030504040204" pitchFamily="50" charset="-128"/>
+            </a:endParaRPr>
+          </a:p>
+        </p:txBody>
+      </p:sp>
+    </p:spTree>
+    <p:extLst>
+      <p:ext uri="{BB962C8B-B14F-4D97-AF65-F5344CB8AC3E}">
+        <p14:creationId xmlns:p14="http://schemas.microsoft.com/office/powerpoint/2010/main" val="2891730576"/>
+      </p:ext>
+    </p:extLst>
+  </p:cSld>
+  <p:clrMapOvr>
+    <a:masterClrMapping/>
+  </p:clrMapOvr>
+</p:sld>
+</file>
+
+<file path=ppt/slides/slide5.xml><?xml version="1.0" encoding="utf-8"?>
+<p:sld xmlns:a="http://schemas.openxmlformats.org/drawingml/2006/main" xmlns:r="http://schemas.openxmlformats.org/officeDocument/2006/relationships" xmlns:p="http://schemas.openxmlformats.org/presentationml/2006/main">
+  <p:cSld>
+    <p:spTree>
+      <p:nvGrpSpPr>
+        <p:cNvPr id="1" name=""/>
+        <p:cNvGrpSpPr/>
+        <p:nvPr/>
+      </p:nvGrpSpPr>
+      <p:grpSpPr>
+        <a:xfrm>
+          <a:off x="0" y="0"/>
+          <a:ext cx="0" cy="0"/>
+          <a:chOff x="0" y="0"/>
+          <a:chExt cx="0" cy="0"/>
+        </a:xfrm>
+      </p:grpSpPr>
+      <p:sp>
+        <p:nvSpPr>
+          <p:cNvPr id="4" name="正方形/長方形 3">
+            <a:extLst>
+              <a:ext uri="{FF2B5EF4-FFF2-40B4-BE49-F238E27FC236}">
+                <a16:creationId xmlns:a16="http://schemas.microsoft.com/office/drawing/2014/main" id="{B221FA6F-FC75-496B-A569-B4A9862D927D}"/>
+              </a:ext>
+            </a:extLst>
+          </p:cNvPr>
+          <p:cNvSpPr/>
+          <p:nvPr/>
+        </p:nvSpPr>
+        <p:spPr>
+          <a:xfrm>
+            <a:off x="228300" y="2461224"/>
+            <a:ext cx="2235800" cy="4084050"/>
+          </a:xfrm>
+          <a:prstGeom prst="rect">
+            <a:avLst/>
+          </a:prstGeom>
+          <a:solidFill>
+            <a:schemeClr val="accent1">
+              <a:lumMod val="75000"/>
+            </a:schemeClr>
+          </a:solidFill>
+          <a:ln>
+            <a:noFill/>
+          </a:ln>
+        </p:spPr>
+        <p:style>
+          <a:lnRef idx="2">
+            <a:schemeClr val="accent1">
+              <a:shade val="50000"/>
+            </a:schemeClr>
+          </a:lnRef>
+          <a:fillRef idx="1">
+            <a:schemeClr val="accent1"/>
+          </a:fillRef>
+          <a:effectRef idx="0">
+            <a:schemeClr val="accent1"/>
+          </a:effectRef>
+          <a:fontRef idx="minor">
+            <a:schemeClr val="lt1"/>
+          </a:fontRef>
+        </p:style>
+        <p:txBody>
+          <a:bodyPr rtlCol="0" anchor="ctr"/>
+          <a:lstStyle/>
+          <a:p>
+            <a:pPr algn="ctr"/>
+            <a:r>
+              <a:rPr kumimoji="1" lang="ja-JP" altLang="en-US" sz="1200" b="1" dirty="0">
+                <a:latin typeface="メイリオ" panose="020B0604030504040204" pitchFamily="50" charset="-128"/>
+                <a:ea typeface="メイリオ" panose="020B0604030504040204" pitchFamily="50" charset="-128"/>
+                <a:cs typeface="メイリオ" panose="020B0604030504040204" pitchFamily="50" charset="-128"/>
+              </a:rPr>
+              <a:t>スタイルファクター</a:t>
+            </a:r>
+            <a:endParaRPr kumimoji="1" lang="en-US" altLang="ja-JP" sz="1200" b="1" dirty="0">
+              <a:latin typeface="メイリオ" panose="020B0604030504040204" pitchFamily="50" charset="-128"/>
+              <a:ea typeface="メイリオ" panose="020B0604030504040204" pitchFamily="50" charset="-128"/>
+              <a:cs typeface="メイリオ" panose="020B0604030504040204" pitchFamily="50" charset="-128"/>
+            </a:endParaRPr>
+          </a:p>
+          <a:p>
+            <a:pPr algn="ctr"/>
+            <a:r>
+              <a:rPr kumimoji="1" lang="en-US" altLang="ja-JP" sz="1200" b="1" dirty="0">
+                <a:latin typeface="メイリオ" panose="020B0604030504040204" pitchFamily="50" charset="-128"/>
+                <a:ea typeface="メイリオ" panose="020B0604030504040204" pitchFamily="50" charset="-128"/>
+                <a:cs typeface="メイリオ" panose="020B0604030504040204" pitchFamily="50" charset="-128"/>
+              </a:rPr>
+              <a:t>(</a:t>
+            </a:r>
+            <a:r>
+              <a:rPr kumimoji="1" lang="ja-JP" altLang="en-US" sz="1200" b="1" dirty="0">
+                <a:latin typeface="メイリオ" panose="020B0604030504040204" pitchFamily="50" charset="-128"/>
+                <a:ea typeface="メイリオ" panose="020B0604030504040204" pitchFamily="50" charset="-128"/>
+                <a:cs typeface="メイリオ" panose="020B0604030504040204" pitchFamily="50" charset="-128"/>
+              </a:rPr>
+              <a:t>リスクプレミア</a:t>
+            </a:r>
+            <a:r>
+              <a:rPr kumimoji="1" lang="en-US" altLang="ja-JP" sz="1200" b="1" dirty="0">
+                <a:latin typeface="メイリオ" panose="020B0604030504040204" pitchFamily="50" charset="-128"/>
+                <a:ea typeface="メイリオ" panose="020B0604030504040204" pitchFamily="50" charset="-128"/>
+                <a:cs typeface="メイリオ" panose="020B0604030504040204" pitchFamily="50" charset="-128"/>
+              </a:rPr>
+              <a:t>)</a:t>
+            </a:r>
+          </a:p>
+          <a:p>
+            <a:pPr algn="ctr"/>
+            <a:endParaRPr kumimoji="1" lang="en-US" altLang="ja-JP" sz="1200" dirty="0">
+              <a:latin typeface="メイリオ" panose="020B0604030504040204" pitchFamily="50" charset="-128"/>
+              <a:ea typeface="メイリオ" panose="020B0604030504040204" pitchFamily="50" charset="-128"/>
+              <a:cs typeface="メイリオ" panose="020B0604030504040204" pitchFamily="50" charset="-128"/>
+            </a:endParaRPr>
+          </a:p>
+          <a:p>
+            <a:pPr algn="ctr"/>
+            <a:endParaRPr kumimoji="1" lang="en-US" altLang="ja-JP" sz="1200" dirty="0">
+              <a:latin typeface="メイリオ" panose="020B0604030504040204" pitchFamily="50" charset="-128"/>
+              <a:ea typeface="メイリオ" panose="020B0604030504040204" pitchFamily="50" charset="-128"/>
+              <a:cs typeface="メイリオ" panose="020B0604030504040204" pitchFamily="50" charset="-128"/>
+            </a:endParaRPr>
+          </a:p>
+          <a:p>
+            <a:pPr algn="ctr"/>
+            <a:endParaRPr kumimoji="1" lang="en-US" altLang="ja-JP" sz="1200" dirty="0">
+              <a:latin typeface="メイリオ" panose="020B0604030504040204" pitchFamily="50" charset="-128"/>
+              <a:ea typeface="メイリオ" panose="020B0604030504040204" pitchFamily="50" charset="-128"/>
+              <a:cs typeface="メイリオ" panose="020B0604030504040204" pitchFamily="50" charset="-128"/>
+            </a:endParaRPr>
+          </a:p>
+          <a:p>
+            <a:pPr algn="ctr"/>
+            <a:endParaRPr kumimoji="1" lang="en-US" altLang="ja-JP" sz="1200" dirty="0">
+              <a:latin typeface="メイリオ" panose="020B0604030504040204" pitchFamily="50" charset="-128"/>
+              <a:ea typeface="メイリオ" panose="020B0604030504040204" pitchFamily="50" charset="-128"/>
+              <a:cs typeface="メイリオ" panose="020B0604030504040204" pitchFamily="50" charset="-128"/>
+            </a:endParaRPr>
+          </a:p>
+          <a:p>
+            <a:pPr algn="ctr"/>
+            <a:endParaRPr kumimoji="1" lang="en-US" altLang="ja-JP" sz="1200" dirty="0">
+              <a:latin typeface="メイリオ" panose="020B0604030504040204" pitchFamily="50" charset="-128"/>
+              <a:ea typeface="メイリオ" panose="020B0604030504040204" pitchFamily="50" charset="-128"/>
+              <a:cs typeface="メイリオ" panose="020B0604030504040204" pitchFamily="50" charset="-128"/>
+            </a:endParaRPr>
+          </a:p>
+          <a:p>
+            <a:pPr algn="ctr"/>
+            <a:endParaRPr kumimoji="1" lang="en-US" altLang="ja-JP" sz="1200" dirty="0">
+              <a:latin typeface="メイリオ" panose="020B0604030504040204" pitchFamily="50" charset="-128"/>
+              <a:ea typeface="メイリオ" panose="020B0604030504040204" pitchFamily="50" charset="-128"/>
+              <a:cs typeface="メイリオ" panose="020B0604030504040204" pitchFamily="50" charset="-128"/>
+            </a:endParaRPr>
+          </a:p>
+          <a:p>
+            <a:pPr algn="ctr"/>
+            <a:endParaRPr kumimoji="1" lang="en-US" altLang="ja-JP" sz="1200" dirty="0">
+              <a:latin typeface="メイリオ" panose="020B0604030504040204" pitchFamily="50" charset="-128"/>
+              <a:ea typeface="メイリオ" panose="020B0604030504040204" pitchFamily="50" charset="-128"/>
+              <a:cs typeface="メイリオ" panose="020B0604030504040204" pitchFamily="50" charset="-128"/>
+            </a:endParaRPr>
+          </a:p>
+        </p:txBody>
+      </p:sp>
+      <p:sp>
+        <p:nvSpPr>
+          <p:cNvPr id="5" name="正方形/長方形 4">
+            <a:extLst>
+              <a:ext uri="{FF2B5EF4-FFF2-40B4-BE49-F238E27FC236}">
+                <a16:creationId xmlns:a16="http://schemas.microsoft.com/office/drawing/2014/main" id="{24309808-A0B8-4AD1-8C50-C2EE842ED568}"/>
+              </a:ext>
+            </a:extLst>
+          </p:cNvPr>
+          <p:cNvSpPr/>
+          <p:nvPr/>
+        </p:nvSpPr>
+        <p:spPr>
+          <a:xfrm>
+            <a:off x="1308100" y="815299"/>
+            <a:ext cx="1156000" cy="756000"/>
+          </a:xfrm>
+          <a:prstGeom prst="rect">
+            <a:avLst/>
+          </a:prstGeom>
+          <a:solidFill>
+            <a:schemeClr val="accent1">
+              <a:lumMod val="60000"/>
+              <a:lumOff val="40000"/>
+            </a:schemeClr>
+          </a:solidFill>
+          <a:ln>
+            <a:noFill/>
+          </a:ln>
+        </p:spPr>
+        <p:style>
+          <a:lnRef idx="2">
+            <a:schemeClr val="accent1">
+              <a:shade val="50000"/>
+            </a:schemeClr>
+          </a:lnRef>
+          <a:fillRef idx="1">
+            <a:schemeClr val="accent1"/>
+          </a:fillRef>
+          <a:effectRef idx="0">
+            <a:schemeClr val="accent1"/>
+          </a:effectRef>
+          <a:fontRef idx="minor">
+            <a:schemeClr val="lt1"/>
+          </a:fontRef>
+        </p:style>
+        <p:txBody>
+          <a:bodyPr rtlCol="0" anchor="ctr"/>
+          <a:lstStyle/>
+          <a:p>
+            <a:pPr algn="ctr"/>
+            <a:r>
+              <a:rPr kumimoji="1" lang="ja-JP" altLang="en-US" sz="1050" b="1" dirty="0">
+                <a:solidFill>
+                  <a:schemeClr val="tx1"/>
+                </a:solidFill>
+                <a:latin typeface="メイリオ" panose="020B0604030504040204" pitchFamily="50" charset="-128"/>
+                <a:ea typeface="メイリオ" panose="020B0604030504040204" pitchFamily="50" charset="-128"/>
+                <a:cs typeface="メイリオ" panose="020B0604030504040204" pitchFamily="50" charset="-128"/>
+              </a:rPr>
+              <a:t>外生的手法</a:t>
+            </a:r>
+            <a:endParaRPr kumimoji="1" lang="en-US" altLang="ja-JP" sz="1050" b="1" dirty="0">
+              <a:solidFill>
+                <a:schemeClr val="tx1"/>
+              </a:solidFill>
+              <a:latin typeface="メイリオ" panose="020B0604030504040204" pitchFamily="50" charset="-128"/>
+              <a:ea typeface="メイリオ" panose="020B0604030504040204" pitchFamily="50" charset="-128"/>
+              <a:cs typeface="メイリオ" panose="020B0604030504040204" pitchFamily="50" charset="-128"/>
+            </a:endParaRPr>
+          </a:p>
+          <a:p>
+            <a:pPr algn="ctr"/>
+            <a:endParaRPr kumimoji="1" lang="ja-JP" altLang="en-US" sz="1000" dirty="0">
+              <a:solidFill>
+                <a:schemeClr val="tx1"/>
+              </a:solidFill>
+              <a:latin typeface="メイリオ" panose="020B0604030504040204" pitchFamily="50" charset="-128"/>
+              <a:ea typeface="メイリオ" panose="020B0604030504040204" pitchFamily="50" charset="-128"/>
+              <a:cs typeface="メイリオ" panose="020B0604030504040204" pitchFamily="50" charset="-128"/>
+            </a:endParaRPr>
+          </a:p>
+        </p:txBody>
+      </p:sp>
+      <p:sp>
+        <p:nvSpPr>
+          <p:cNvPr id="6" name="正方形/長方形 5">
+            <a:extLst>
+              <a:ext uri="{FF2B5EF4-FFF2-40B4-BE49-F238E27FC236}">
+                <a16:creationId xmlns:a16="http://schemas.microsoft.com/office/drawing/2014/main" id="{32616ADA-9C2E-43D0-AA0D-A648A028B6BB}"/>
+              </a:ext>
+            </a:extLst>
+          </p:cNvPr>
+          <p:cNvSpPr/>
+          <p:nvPr/>
+        </p:nvSpPr>
+        <p:spPr>
+          <a:xfrm>
+            <a:off x="1308100" y="1636549"/>
+            <a:ext cx="1156000" cy="756000"/>
+          </a:xfrm>
+          <a:prstGeom prst="rect">
+            <a:avLst/>
+          </a:prstGeom>
+          <a:solidFill>
+            <a:schemeClr val="accent1">
+              <a:lumMod val="60000"/>
+              <a:lumOff val="40000"/>
+            </a:schemeClr>
+          </a:solidFill>
+          <a:ln>
+            <a:noFill/>
+          </a:ln>
+        </p:spPr>
+        <p:style>
+          <a:lnRef idx="2">
+            <a:schemeClr val="accent1">
+              <a:shade val="50000"/>
+            </a:schemeClr>
+          </a:lnRef>
+          <a:fillRef idx="1">
+            <a:schemeClr val="accent1"/>
+          </a:fillRef>
+          <a:effectRef idx="0">
+            <a:schemeClr val="accent1"/>
+          </a:effectRef>
+          <a:fontRef idx="minor">
+            <a:schemeClr val="lt1"/>
+          </a:fontRef>
+        </p:style>
+        <p:txBody>
+          <a:bodyPr rtlCol="0" anchor="ctr"/>
+          <a:lstStyle/>
+          <a:p>
+            <a:pPr algn="ctr"/>
+            <a:r>
+              <a:rPr kumimoji="1" lang="ja-JP" altLang="en-US" sz="1050" b="1" dirty="0">
+                <a:solidFill>
+                  <a:schemeClr val="tx1"/>
+                </a:solidFill>
+                <a:latin typeface="メイリオ" panose="020B0604030504040204" pitchFamily="50" charset="-128"/>
+                <a:ea typeface="メイリオ" panose="020B0604030504040204" pitchFamily="50" charset="-128"/>
+                <a:cs typeface="メイリオ" panose="020B0604030504040204" pitchFamily="50" charset="-128"/>
+              </a:rPr>
+              <a:t>内生的手法</a:t>
+            </a:r>
+            <a:endParaRPr kumimoji="1" lang="en-US" altLang="ja-JP" sz="1050" b="1" dirty="0">
+              <a:solidFill>
+                <a:schemeClr val="tx1"/>
+              </a:solidFill>
+              <a:latin typeface="メイリオ" panose="020B0604030504040204" pitchFamily="50" charset="-128"/>
+              <a:ea typeface="メイリオ" panose="020B0604030504040204" pitchFamily="50" charset="-128"/>
+              <a:cs typeface="メイリオ" panose="020B0604030504040204" pitchFamily="50" charset="-128"/>
+            </a:endParaRPr>
+          </a:p>
+          <a:p>
+            <a:pPr algn="ctr"/>
+            <a:endParaRPr kumimoji="1" lang="ja-JP" altLang="en-US" sz="1000" dirty="0">
+              <a:solidFill>
+                <a:schemeClr val="tx1"/>
+              </a:solidFill>
+              <a:latin typeface="メイリオ" panose="020B0604030504040204" pitchFamily="50" charset="-128"/>
+              <a:ea typeface="メイリオ" panose="020B0604030504040204" pitchFamily="50" charset="-128"/>
+              <a:cs typeface="メイリオ" panose="020B0604030504040204" pitchFamily="50" charset="-128"/>
+            </a:endParaRPr>
+          </a:p>
+        </p:txBody>
+      </p:sp>
+      <p:sp>
+        <p:nvSpPr>
+          <p:cNvPr id="9" name="正方形/長方形 8">
+            <a:extLst>
+              <a:ext uri="{FF2B5EF4-FFF2-40B4-BE49-F238E27FC236}">
+                <a16:creationId xmlns:a16="http://schemas.microsoft.com/office/drawing/2014/main" id="{BD1EE78E-B346-4D87-AB23-55428218B39D}"/>
+              </a:ext>
+            </a:extLst>
+          </p:cNvPr>
+          <p:cNvSpPr/>
+          <p:nvPr/>
+        </p:nvSpPr>
+        <p:spPr>
+          <a:xfrm>
+            <a:off x="228300" y="815300"/>
+            <a:ext cx="1016300" cy="1577250"/>
+          </a:xfrm>
+          <a:prstGeom prst="rect">
+            <a:avLst/>
+          </a:prstGeom>
+          <a:solidFill>
+            <a:schemeClr val="accent1">
+              <a:lumMod val="75000"/>
+            </a:schemeClr>
+          </a:solidFill>
+          <a:ln>
+            <a:noFill/>
+          </a:ln>
+        </p:spPr>
+        <p:style>
+          <a:lnRef idx="2">
+            <a:schemeClr val="accent1">
+              <a:shade val="50000"/>
+            </a:schemeClr>
+          </a:lnRef>
+          <a:fillRef idx="1">
+            <a:schemeClr val="accent1"/>
+          </a:fillRef>
+          <a:effectRef idx="0">
+            <a:schemeClr val="accent1"/>
+          </a:effectRef>
+          <a:fontRef idx="minor">
+            <a:schemeClr val="lt1"/>
+          </a:fontRef>
+        </p:style>
+        <p:txBody>
+          <a:bodyPr rtlCol="0" anchor="ctr"/>
+          <a:lstStyle/>
+          <a:p>
+            <a:pPr algn="ctr"/>
+            <a:r>
+              <a:rPr kumimoji="1" lang="ja-JP" altLang="en-US" sz="1200" b="1" dirty="0">
+                <a:latin typeface="メイリオ" panose="020B0604030504040204" pitchFamily="50" charset="-128"/>
+                <a:ea typeface="メイリオ" panose="020B0604030504040204" pitchFamily="50" charset="-128"/>
+                <a:cs typeface="メイリオ" panose="020B0604030504040204" pitchFamily="50" charset="-128"/>
+              </a:rPr>
+              <a:t>マクロ</a:t>
+            </a:r>
+            <a:endParaRPr kumimoji="1" lang="en-US" altLang="ja-JP" sz="1200" b="1" dirty="0">
+              <a:latin typeface="メイリオ" panose="020B0604030504040204" pitchFamily="50" charset="-128"/>
+              <a:ea typeface="メイリオ" panose="020B0604030504040204" pitchFamily="50" charset="-128"/>
+              <a:cs typeface="メイリオ" panose="020B0604030504040204" pitchFamily="50" charset="-128"/>
+            </a:endParaRPr>
+          </a:p>
+          <a:p>
+            <a:pPr algn="ctr"/>
+            <a:r>
+              <a:rPr kumimoji="1" lang="ja-JP" altLang="en-US" sz="1200" b="1" dirty="0">
+                <a:latin typeface="メイリオ" panose="020B0604030504040204" pitchFamily="50" charset="-128"/>
+                <a:ea typeface="メイリオ" panose="020B0604030504040204" pitchFamily="50" charset="-128"/>
+                <a:cs typeface="メイリオ" panose="020B0604030504040204" pitchFamily="50" charset="-128"/>
+              </a:rPr>
+              <a:t>ファクター</a:t>
+            </a:r>
+            <a:endParaRPr kumimoji="1" lang="en-US" altLang="ja-JP" sz="1200" b="1" dirty="0">
+              <a:latin typeface="メイリオ" panose="020B0604030504040204" pitchFamily="50" charset="-128"/>
+              <a:ea typeface="メイリオ" panose="020B0604030504040204" pitchFamily="50" charset="-128"/>
+              <a:cs typeface="メイリオ" panose="020B0604030504040204" pitchFamily="50" charset="-128"/>
+            </a:endParaRPr>
+          </a:p>
+          <a:p>
+            <a:pPr algn="ctr"/>
+            <a:endParaRPr kumimoji="1" lang="en-US" altLang="ja-JP" sz="1200" dirty="0">
+              <a:latin typeface="メイリオ" panose="020B0604030504040204" pitchFamily="50" charset="-128"/>
+              <a:ea typeface="メイリオ" panose="020B0604030504040204" pitchFamily="50" charset="-128"/>
+              <a:cs typeface="メイリオ" panose="020B0604030504040204" pitchFamily="50" charset="-128"/>
+            </a:endParaRPr>
+          </a:p>
+        </p:txBody>
+      </p:sp>
+      <p:sp>
+        <p:nvSpPr>
+          <p:cNvPr id="10" name="正方形/長方形 9">
+            <a:extLst>
+              <a:ext uri="{FF2B5EF4-FFF2-40B4-BE49-F238E27FC236}">
+                <a16:creationId xmlns:a16="http://schemas.microsoft.com/office/drawing/2014/main" id="{F310E7FA-C61A-4B2F-B4CD-E1C3EAB43154}"/>
+              </a:ext>
+            </a:extLst>
+          </p:cNvPr>
+          <p:cNvSpPr/>
+          <p:nvPr/>
+        </p:nvSpPr>
+        <p:spPr>
+          <a:xfrm>
+            <a:off x="2527600" y="815299"/>
+            <a:ext cx="2285700" cy="756000"/>
+          </a:xfrm>
+          <a:prstGeom prst="rect">
+            <a:avLst/>
+          </a:prstGeom>
+          <a:solidFill>
+            <a:schemeClr val="bg1">
+              <a:lumMod val="85000"/>
+              <a:alpha val="70000"/>
+            </a:schemeClr>
+          </a:solidFill>
+          <a:ln>
+            <a:noFill/>
+          </a:ln>
+        </p:spPr>
+        <p:style>
+          <a:lnRef idx="2">
+            <a:schemeClr val="accent1">
+              <a:shade val="50000"/>
+            </a:schemeClr>
+          </a:lnRef>
+          <a:fillRef idx="1">
+            <a:schemeClr val="accent1"/>
+          </a:fillRef>
+          <a:effectRef idx="0">
+            <a:schemeClr val="accent1"/>
+          </a:effectRef>
+          <a:fontRef idx="minor">
+            <a:schemeClr val="lt1"/>
+          </a:fontRef>
+        </p:style>
+        <p:txBody>
+          <a:bodyPr rtlCol="0" anchor="ctr"/>
+          <a:lstStyle/>
+          <a:p>
+            <a:pPr marL="177800" indent="-177800">
+              <a:buFont typeface="Wingdings" panose="05000000000000000000" pitchFamily="2" charset="2"/>
+              <a:buChar char="n"/>
+            </a:pPr>
+            <a:r>
+              <a:rPr kumimoji="1" lang="ja-JP" altLang="en-US" sz="900" dirty="0">
+                <a:solidFill>
+                  <a:schemeClr val="tx1"/>
+                </a:solidFill>
+                <a:latin typeface="メイリオ" panose="020B0604030504040204" pitchFamily="50" charset="-128"/>
+                <a:ea typeface="メイリオ" panose="020B0604030504040204" pitchFamily="50" charset="-128"/>
+                <a:cs typeface="メイリオ" panose="020B0604030504040204" pitchFamily="50" charset="-128"/>
+              </a:rPr>
+              <a:t>経済的観点から直観的にポートフォリオがもつリスクを把握可能</a:t>
+            </a:r>
+            <a:endParaRPr kumimoji="1" lang="en-US" altLang="ja-JP" sz="900" dirty="0">
+              <a:solidFill>
+                <a:schemeClr val="tx1"/>
+              </a:solidFill>
+              <a:latin typeface="メイリオ" panose="020B0604030504040204" pitchFamily="50" charset="-128"/>
+              <a:ea typeface="メイリオ" panose="020B0604030504040204" pitchFamily="50" charset="-128"/>
+              <a:cs typeface="メイリオ" panose="020B0604030504040204" pitchFamily="50" charset="-128"/>
+            </a:endParaRPr>
+          </a:p>
+          <a:p>
+            <a:pPr marL="177800" indent="-177800">
+              <a:buFont typeface="Wingdings" panose="05000000000000000000" pitchFamily="2" charset="2"/>
+              <a:buChar char="n"/>
+            </a:pPr>
+            <a:r>
+              <a:rPr kumimoji="1" lang="ja-JP" altLang="en-US" sz="900" dirty="0">
+                <a:solidFill>
+                  <a:schemeClr val="tx1"/>
+                </a:solidFill>
+                <a:latin typeface="メイリオ" panose="020B0604030504040204" pitchFamily="50" charset="-128"/>
+                <a:ea typeface="メイリオ" panose="020B0604030504040204" pitchFamily="50" charset="-128"/>
+                <a:cs typeface="メイリオ" panose="020B0604030504040204" pitchFamily="50" charset="-128"/>
+              </a:rPr>
+              <a:t>モデルの説明力が高くない</a:t>
+            </a:r>
+            <a:endParaRPr kumimoji="1" lang="en-US" altLang="ja-JP" sz="900" dirty="0">
+              <a:solidFill>
+                <a:schemeClr val="tx1"/>
+              </a:solidFill>
+              <a:latin typeface="メイリオ" panose="020B0604030504040204" pitchFamily="50" charset="-128"/>
+              <a:ea typeface="メイリオ" panose="020B0604030504040204" pitchFamily="50" charset="-128"/>
+              <a:cs typeface="メイリオ" panose="020B0604030504040204" pitchFamily="50" charset="-128"/>
+            </a:endParaRPr>
+          </a:p>
+          <a:p>
+            <a:pPr marL="177800" indent="-177800">
+              <a:buFont typeface="Wingdings" panose="05000000000000000000" pitchFamily="2" charset="2"/>
+              <a:buChar char="n"/>
+            </a:pPr>
+            <a:r>
+              <a:rPr kumimoji="1" lang="ja-JP" altLang="en-US" sz="900" dirty="0">
+                <a:solidFill>
+                  <a:schemeClr val="tx1"/>
+                </a:solidFill>
+                <a:latin typeface="メイリオ" panose="020B0604030504040204" pitchFamily="50" charset="-128"/>
+                <a:ea typeface="メイリオ" panose="020B0604030504040204" pitchFamily="50" charset="-128"/>
+                <a:cs typeface="メイリオ" panose="020B0604030504040204" pitchFamily="50" charset="-128"/>
+              </a:rPr>
+              <a:t>資産ベースでの配分調整が必要</a:t>
+            </a:r>
+          </a:p>
+        </p:txBody>
+      </p:sp>
+      <p:sp>
+        <p:nvSpPr>
+          <p:cNvPr id="11" name="正方形/長方形 10">
+            <a:extLst>
+              <a:ext uri="{FF2B5EF4-FFF2-40B4-BE49-F238E27FC236}">
+                <a16:creationId xmlns:a16="http://schemas.microsoft.com/office/drawing/2014/main" id="{D4A18836-343D-40E9-90AC-75B6E892AFDE}"/>
+              </a:ext>
+            </a:extLst>
+          </p:cNvPr>
+          <p:cNvSpPr/>
+          <p:nvPr/>
+        </p:nvSpPr>
+        <p:spPr>
+          <a:xfrm>
+            <a:off x="2527600" y="1636549"/>
+            <a:ext cx="2285700" cy="756000"/>
+          </a:xfrm>
+          <a:prstGeom prst="rect">
+            <a:avLst/>
+          </a:prstGeom>
+          <a:solidFill>
+            <a:schemeClr val="bg1">
+              <a:lumMod val="85000"/>
+              <a:alpha val="70000"/>
+            </a:schemeClr>
+          </a:solidFill>
+          <a:ln>
+            <a:noFill/>
+          </a:ln>
+        </p:spPr>
+        <p:style>
+          <a:lnRef idx="2">
+            <a:schemeClr val="accent1">
+              <a:shade val="50000"/>
+            </a:schemeClr>
+          </a:lnRef>
+          <a:fillRef idx="1">
+            <a:schemeClr val="accent1"/>
+          </a:fillRef>
+          <a:effectRef idx="0">
+            <a:schemeClr val="accent1"/>
+          </a:effectRef>
+          <a:fontRef idx="minor">
+            <a:schemeClr val="lt1"/>
+          </a:fontRef>
+        </p:style>
+        <p:txBody>
+          <a:bodyPr rtlCol="0" anchor="ctr"/>
+          <a:lstStyle/>
+          <a:p>
+            <a:pPr marL="177800" indent="-177800">
+              <a:buFont typeface="Wingdings" panose="05000000000000000000" pitchFamily="2" charset="2"/>
+              <a:buChar char="n"/>
+            </a:pPr>
+            <a:r>
+              <a:rPr kumimoji="1" lang="ja-JP" altLang="en-US" sz="900" dirty="0">
+                <a:solidFill>
+                  <a:schemeClr val="tx1"/>
+                </a:solidFill>
+                <a:latin typeface="メイリオ" panose="020B0604030504040204" pitchFamily="50" charset="-128"/>
+                <a:ea typeface="メイリオ" panose="020B0604030504040204" pitchFamily="50" charset="-128"/>
+                <a:cs typeface="メイリオ" panose="020B0604030504040204" pitchFamily="50" charset="-128"/>
+              </a:rPr>
+              <a:t>相関が独立なファクターを作成可能</a:t>
+            </a:r>
+            <a:endParaRPr kumimoji="1" lang="en-US" altLang="ja-JP" sz="900" dirty="0">
+              <a:solidFill>
+                <a:schemeClr val="tx1"/>
+              </a:solidFill>
+              <a:latin typeface="メイリオ" panose="020B0604030504040204" pitchFamily="50" charset="-128"/>
+              <a:ea typeface="メイリオ" panose="020B0604030504040204" pitchFamily="50" charset="-128"/>
+              <a:cs typeface="メイリオ" panose="020B0604030504040204" pitchFamily="50" charset="-128"/>
+            </a:endParaRPr>
+          </a:p>
+          <a:p>
+            <a:pPr marL="177800" indent="-177800">
+              <a:buFont typeface="Wingdings" panose="05000000000000000000" pitchFamily="2" charset="2"/>
+              <a:buChar char="n"/>
+            </a:pPr>
+            <a:r>
+              <a:rPr kumimoji="1" lang="ja-JP" altLang="en-US" sz="900" dirty="0">
+                <a:solidFill>
+                  <a:schemeClr val="tx1"/>
+                </a:solidFill>
+                <a:latin typeface="メイリオ" panose="020B0604030504040204" pitchFamily="50" charset="-128"/>
+                <a:ea typeface="メイリオ" panose="020B0604030504040204" pitchFamily="50" charset="-128"/>
+                <a:cs typeface="メイリオ" panose="020B0604030504040204" pitchFamily="50" charset="-128"/>
+              </a:rPr>
+              <a:t>必ずしも経済学的解釈が可能なファクターが生成されるとは限らない</a:t>
+            </a:r>
+          </a:p>
+        </p:txBody>
+      </p:sp>
+      <p:sp>
+        <p:nvSpPr>
+          <p:cNvPr id="12" name="正方形/長方形 11">
+            <a:extLst>
+              <a:ext uri="{FF2B5EF4-FFF2-40B4-BE49-F238E27FC236}">
+                <a16:creationId xmlns:a16="http://schemas.microsoft.com/office/drawing/2014/main" id="{53429FC6-F809-4381-94D4-690F22AB8368}"/>
+              </a:ext>
+            </a:extLst>
+          </p:cNvPr>
+          <p:cNvSpPr/>
+          <p:nvPr/>
+        </p:nvSpPr>
+        <p:spPr>
+          <a:xfrm>
+            <a:off x="2527600" y="2461224"/>
+            <a:ext cx="2285700" cy="4084050"/>
+          </a:xfrm>
+          <a:prstGeom prst="rect">
+            <a:avLst/>
+          </a:prstGeom>
+          <a:solidFill>
+            <a:schemeClr val="bg1">
+              <a:lumMod val="85000"/>
+              <a:alpha val="70000"/>
+            </a:schemeClr>
+          </a:solidFill>
+          <a:ln>
+            <a:noFill/>
+          </a:ln>
+        </p:spPr>
+        <p:style>
+          <a:lnRef idx="2">
+            <a:schemeClr val="accent1">
+              <a:shade val="50000"/>
+            </a:schemeClr>
+          </a:lnRef>
+          <a:fillRef idx="1">
+            <a:schemeClr val="accent1"/>
+          </a:fillRef>
+          <a:effectRef idx="0">
+            <a:schemeClr val="accent1"/>
+          </a:effectRef>
+          <a:fontRef idx="minor">
+            <a:schemeClr val="lt1"/>
+          </a:fontRef>
+        </p:style>
+        <p:txBody>
+          <a:bodyPr rtlCol="0" anchor="ctr"/>
+          <a:lstStyle/>
+          <a:p>
+            <a:pPr>
+              <a:lnSpc>
+                <a:spcPts val="1600"/>
+              </a:lnSpc>
+            </a:pPr>
+            <a:r>
+              <a:rPr kumimoji="1" lang="en-US" altLang="ja-JP" sz="1000" dirty="0">
+                <a:solidFill>
+                  <a:schemeClr val="tx1"/>
+                </a:solidFill>
+                <a:latin typeface="メイリオ" panose="020B0604030504040204" pitchFamily="50" charset="-128"/>
+                <a:ea typeface="メイリオ" panose="020B0604030504040204" pitchFamily="50" charset="-128"/>
+                <a:cs typeface="メイリオ" panose="020B0604030504040204" pitchFamily="50" charset="-128"/>
+              </a:rPr>
+              <a:t>[</a:t>
+            </a:r>
+            <a:r>
+              <a:rPr kumimoji="1" lang="ja-JP" altLang="en-US" sz="1000" dirty="0">
+                <a:solidFill>
+                  <a:schemeClr val="tx1"/>
+                </a:solidFill>
+                <a:latin typeface="メイリオ" panose="020B0604030504040204" pitchFamily="50" charset="-128"/>
+                <a:ea typeface="メイリオ" panose="020B0604030504040204" pitchFamily="50" charset="-128"/>
+                <a:cs typeface="メイリオ" panose="020B0604030504040204" pitchFamily="50" charset="-128"/>
+              </a:rPr>
+              <a:t>リスクプレミア投資の意義</a:t>
+            </a:r>
+            <a:r>
+              <a:rPr kumimoji="1" lang="en-US" altLang="ja-JP" sz="1000" dirty="0">
+                <a:solidFill>
+                  <a:schemeClr val="tx1"/>
+                </a:solidFill>
+                <a:latin typeface="メイリオ" panose="020B0604030504040204" pitchFamily="50" charset="-128"/>
+                <a:ea typeface="メイリオ" panose="020B0604030504040204" pitchFamily="50" charset="-128"/>
+                <a:cs typeface="メイリオ" panose="020B0604030504040204" pitchFamily="50" charset="-128"/>
+              </a:rPr>
+              <a:t>]</a:t>
+            </a:r>
+          </a:p>
+          <a:p>
+            <a:pPr marL="177800" indent="-177800">
+              <a:lnSpc>
+                <a:spcPts val="1600"/>
+              </a:lnSpc>
+              <a:buFont typeface="Wingdings" panose="05000000000000000000" pitchFamily="2" charset="2"/>
+              <a:buChar char="n"/>
+            </a:pPr>
+            <a:r>
+              <a:rPr kumimoji="1" lang="ja-JP" altLang="en-US" sz="1000" dirty="0">
+                <a:solidFill>
+                  <a:schemeClr val="tx1"/>
+                </a:solidFill>
+                <a:latin typeface="メイリオ" panose="020B0604030504040204" pitchFamily="50" charset="-128"/>
+                <a:ea typeface="メイリオ" panose="020B0604030504040204" pitchFamily="50" charset="-128"/>
+                <a:cs typeface="メイリオ" panose="020B0604030504040204" pitchFamily="50" charset="-128"/>
+              </a:rPr>
+              <a:t>収益源泉に対する直接的アクセス</a:t>
+            </a:r>
+            <a:br>
+              <a:rPr kumimoji="1" lang="en-US" altLang="ja-JP" sz="1000" dirty="0">
+                <a:solidFill>
+                  <a:schemeClr val="tx1"/>
+                </a:solidFill>
+                <a:latin typeface="メイリオ" panose="020B0604030504040204" pitchFamily="50" charset="-128"/>
+                <a:ea typeface="メイリオ" panose="020B0604030504040204" pitchFamily="50" charset="-128"/>
+                <a:cs typeface="メイリオ" panose="020B0604030504040204" pitchFamily="50" charset="-128"/>
+              </a:rPr>
+            </a:br>
+            <a:r>
+              <a:rPr kumimoji="1" lang="en-US" altLang="ja-JP" sz="1000" dirty="0">
+                <a:solidFill>
+                  <a:schemeClr val="tx1"/>
+                </a:solidFill>
+                <a:latin typeface="メイリオ" panose="020B0604030504040204" pitchFamily="50" charset="-128"/>
+                <a:ea typeface="メイリオ" panose="020B0604030504040204" pitchFamily="50" charset="-128"/>
+                <a:cs typeface="メイリオ" panose="020B0604030504040204" pitchFamily="50" charset="-128"/>
+              </a:rPr>
+              <a:t>(</a:t>
+            </a:r>
+            <a:r>
+              <a:rPr kumimoji="1" lang="ja-JP" altLang="en-US" sz="1000" dirty="0">
+                <a:solidFill>
+                  <a:schemeClr val="tx1"/>
+                </a:solidFill>
+                <a:latin typeface="メイリオ" panose="020B0604030504040204" pitchFamily="50" charset="-128"/>
+                <a:ea typeface="メイリオ" panose="020B0604030504040204" pitchFamily="50" charset="-128"/>
+                <a:cs typeface="メイリオ" panose="020B0604030504040204" pitchFamily="50" charset="-128"/>
+              </a:rPr>
+              <a:t>投資可能なファクター</a:t>
+            </a:r>
+            <a:r>
+              <a:rPr kumimoji="1" lang="en-US" altLang="ja-JP" sz="1000" dirty="0">
+                <a:solidFill>
+                  <a:schemeClr val="tx1"/>
+                </a:solidFill>
+                <a:latin typeface="メイリオ" panose="020B0604030504040204" pitchFamily="50" charset="-128"/>
+                <a:ea typeface="メイリオ" panose="020B0604030504040204" pitchFamily="50" charset="-128"/>
+                <a:cs typeface="メイリオ" panose="020B0604030504040204" pitchFamily="50" charset="-128"/>
+              </a:rPr>
+              <a:t>)</a:t>
+            </a:r>
+          </a:p>
+          <a:p>
+            <a:pPr marL="177800" indent="-177800">
+              <a:lnSpc>
+                <a:spcPts val="1600"/>
+              </a:lnSpc>
+              <a:buFont typeface="Wingdings" panose="05000000000000000000" pitchFamily="2" charset="2"/>
+              <a:buChar char="n"/>
+            </a:pPr>
+            <a:r>
+              <a:rPr kumimoji="1" lang="ja-JP" altLang="en-US" sz="1000" dirty="0">
+                <a:solidFill>
+                  <a:schemeClr val="tx1"/>
+                </a:solidFill>
+                <a:latin typeface="メイリオ" panose="020B0604030504040204" pitchFamily="50" charset="-128"/>
+                <a:ea typeface="メイリオ" panose="020B0604030504040204" pitchFamily="50" charset="-128"/>
+                <a:cs typeface="メイリオ" panose="020B0604030504040204" pitchFamily="50" charset="-128"/>
+              </a:rPr>
+              <a:t>ファクター配分を直接調整可能</a:t>
+            </a:r>
+            <a:endParaRPr kumimoji="1" lang="en-US" altLang="ja-JP" sz="1000" dirty="0">
+              <a:solidFill>
+                <a:schemeClr val="tx1"/>
+              </a:solidFill>
+              <a:latin typeface="メイリオ" panose="020B0604030504040204" pitchFamily="50" charset="-128"/>
+              <a:ea typeface="メイリオ" panose="020B0604030504040204" pitchFamily="50" charset="-128"/>
+              <a:cs typeface="メイリオ" panose="020B0604030504040204" pitchFamily="50" charset="-128"/>
+            </a:endParaRPr>
+          </a:p>
+          <a:p>
+            <a:pPr marL="177800" indent="-177800">
+              <a:lnSpc>
+                <a:spcPts val="1600"/>
+              </a:lnSpc>
+              <a:buFont typeface="Wingdings" panose="05000000000000000000" pitchFamily="2" charset="2"/>
+              <a:buChar char="n"/>
+            </a:pPr>
+            <a:r>
+              <a:rPr kumimoji="1" lang="ja-JP" altLang="en-US" sz="1000" dirty="0">
+                <a:solidFill>
+                  <a:schemeClr val="tx1"/>
+                </a:solidFill>
+                <a:latin typeface="メイリオ" panose="020B0604030504040204" pitchFamily="50" charset="-128"/>
+                <a:ea typeface="メイリオ" panose="020B0604030504040204" pitchFamily="50" charset="-128"/>
+                <a:cs typeface="メイリオ" panose="020B0604030504040204" pitchFamily="50" charset="-128"/>
+              </a:rPr>
+              <a:t>効果的かつ効率的な超過収益</a:t>
+            </a:r>
+            <a:br>
+              <a:rPr kumimoji="1" lang="en-US" altLang="ja-JP" sz="1000" dirty="0">
+                <a:solidFill>
+                  <a:schemeClr val="tx1"/>
+                </a:solidFill>
+                <a:latin typeface="メイリオ" panose="020B0604030504040204" pitchFamily="50" charset="-128"/>
+                <a:ea typeface="メイリオ" panose="020B0604030504040204" pitchFamily="50" charset="-128"/>
+                <a:cs typeface="メイリオ" panose="020B0604030504040204" pitchFamily="50" charset="-128"/>
+              </a:rPr>
+            </a:br>
+            <a:r>
+              <a:rPr kumimoji="1" lang="en-US" altLang="ja-JP" sz="1000" dirty="0">
+                <a:solidFill>
+                  <a:schemeClr val="tx1"/>
+                </a:solidFill>
+                <a:latin typeface="メイリオ" panose="020B0604030504040204" pitchFamily="50" charset="-128"/>
+                <a:ea typeface="メイリオ" panose="020B0604030504040204" pitchFamily="50" charset="-128"/>
+                <a:cs typeface="メイリオ" panose="020B0604030504040204" pitchFamily="50" charset="-128"/>
+              </a:rPr>
+              <a:t>(</a:t>
+            </a:r>
+            <a:r>
+              <a:rPr kumimoji="1" lang="ja-JP" altLang="en-US" sz="1000" dirty="0">
+                <a:solidFill>
+                  <a:schemeClr val="tx1"/>
+                </a:solidFill>
+                <a:latin typeface="メイリオ" panose="020B0604030504040204" pitchFamily="50" charset="-128"/>
+                <a:ea typeface="メイリオ" panose="020B0604030504040204" pitchFamily="50" charset="-128"/>
+                <a:cs typeface="メイリオ" panose="020B0604030504040204" pitchFamily="50" charset="-128"/>
+              </a:rPr>
+              <a:t>リスクプレミアム</a:t>
+            </a:r>
+            <a:r>
+              <a:rPr kumimoji="1" lang="en-US" altLang="ja-JP" sz="1000" dirty="0">
+                <a:solidFill>
+                  <a:schemeClr val="tx1"/>
+                </a:solidFill>
+                <a:latin typeface="メイリオ" panose="020B0604030504040204" pitchFamily="50" charset="-128"/>
+                <a:ea typeface="メイリオ" panose="020B0604030504040204" pitchFamily="50" charset="-128"/>
+                <a:cs typeface="メイリオ" panose="020B0604030504040204" pitchFamily="50" charset="-128"/>
+              </a:rPr>
+              <a:t>)</a:t>
+            </a:r>
+            <a:r>
+              <a:rPr kumimoji="1" lang="ja-JP" altLang="en-US" sz="1000" dirty="0">
+                <a:solidFill>
+                  <a:schemeClr val="tx1"/>
+                </a:solidFill>
+                <a:latin typeface="メイリオ" panose="020B0604030504040204" pitchFamily="50" charset="-128"/>
+                <a:ea typeface="メイリオ" panose="020B0604030504040204" pitchFamily="50" charset="-128"/>
+                <a:cs typeface="メイリオ" panose="020B0604030504040204" pitchFamily="50" charset="-128"/>
+              </a:rPr>
+              <a:t>の獲得</a:t>
+            </a:r>
+            <a:endParaRPr kumimoji="1" lang="en-US" altLang="ja-JP" sz="1000" dirty="0">
+              <a:solidFill>
+                <a:schemeClr val="tx1"/>
+              </a:solidFill>
+              <a:latin typeface="メイリオ" panose="020B0604030504040204" pitchFamily="50" charset="-128"/>
+              <a:ea typeface="メイリオ" panose="020B0604030504040204" pitchFamily="50" charset="-128"/>
+              <a:cs typeface="メイリオ" panose="020B0604030504040204" pitchFamily="50" charset="-128"/>
+            </a:endParaRPr>
+          </a:p>
+          <a:p>
+            <a:pPr>
+              <a:lnSpc>
+                <a:spcPts val="1600"/>
+              </a:lnSpc>
+            </a:pPr>
+            <a:endParaRPr kumimoji="1" lang="en-US" altLang="ja-JP" sz="1000" dirty="0">
+              <a:solidFill>
+                <a:schemeClr val="tx1"/>
+              </a:solidFill>
+              <a:latin typeface="メイリオ" panose="020B0604030504040204" pitchFamily="50" charset="-128"/>
+              <a:ea typeface="メイリオ" panose="020B0604030504040204" pitchFamily="50" charset="-128"/>
+              <a:cs typeface="メイリオ" panose="020B0604030504040204" pitchFamily="50" charset="-128"/>
+            </a:endParaRPr>
+          </a:p>
+          <a:p>
+            <a:pPr>
+              <a:lnSpc>
+                <a:spcPts val="1600"/>
+              </a:lnSpc>
+            </a:pPr>
+            <a:r>
+              <a:rPr kumimoji="1" lang="en-US" altLang="ja-JP" sz="1000" dirty="0">
+                <a:solidFill>
+                  <a:schemeClr val="tx1"/>
+                </a:solidFill>
+                <a:latin typeface="メイリオ" panose="020B0604030504040204" pitchFamily="50" charset="-128"/>
+                <a:ea typeface="メイリオ" panose="020B0604030504040204" pitchFamily="50" charset="-128"/>
+                <a:cs typeface="メイリオ" panose="020B0604030504040204" pitchFamily="50" charset="-128"/>
+              </a:rPr>
+              <a:t>[</a:t>
+            </a:r>
+            <a:r>
+              <a:rPr kumimoji="1" lang="ja-JP" altLang="en-US" sz="1000" dirty="0">
+                <a:solidFill>
+                  <a:schemeClr val="tx1"/>
+                </a:solidFill>
+                <a:latin typeface="メイリオ" panose="020B0604030504040204" pitchFamily="50" charset="-128"/>
+                <a:ea typeface="メイリオ" panose="020B0604030504040204" pitchFamily="50" charset="-128"/>
+                <a:cs typeface="メイリオ" panose="020B0604030504040204" pitchFamily="50" charset="-128"/>
+              </a:rPr>
+              <a:t>投資戦略の側面での特徴</a:t>
+            </a:r>
+            <a:r>
+              <a:rPr kumimoji="1" lang="en-US" altLang="ja-JP" sz="1000" dirty="0">
+                <a:solidFill>
+                  <a:schemeClr val="tx1"/>
+                </a:solidFill>
+                <a:latin typeface="メイリオ" panose="020B0604030504040204" pitchFamily="50" charset="-128"/>
+                <a:ea typeface="メイリオ" panose="020B0604030504040204" pitchFamily="50" charset="-128"/>
+                <a:cs typeface="メイリオ" panose="020B0604030504040204" pitchFamily="50" charset="-128"/>
+              </a:rPr>
+              <a:t>]</a:t>
+            </a:r>
+          </a:p>
+          <a:p>
+            <a:pPr marL="177800" indent="-177800">
+              <a:lnSpc>
+                <a:spcPts val="1600"/>
+              </a:lnSpc>
+              <a:buFont typeface="Wingdings" panose="05000000000000000000" pitchFamily="2" charset="2"/>
+              <a:buChar char="n"/>
+            </a:pPr>
+            <a:r>
+              <a:rPr kumimoji="1" lang="ja-JP" altLang="en-US" sz="1000" dirty="0">
+                <a:solidFill>
+                  <a:schemeClr val="tx1"/>
+                </a:solidFill>
+                <a:latin typeface="メイリオ" panose="020B0604030504040204" pitchFamily="50" charset="-128"/>
+                <a:ea typeface="メイリオ" panose="020B0604030504040204" pitchFamily="50" charset="-128"/>
+                <a:cs typeface="メイリオ" panose="020B0604030504040204" pitchFamily="50" charset="-128"/>
+              </a:rPr>
+              <a:t>中長期的に正の収益</a:t>
+            </a:r>
+            <a:endParaRPr kumimoji="1" lang="en-US" altLang="ja-JP" sz="1000" dirty="0">
+              <a:solidFill>
+                <a:schemeClr val="tx1"/>
+              </a:solidFill>
+              <a:latin typeface="メイリオ" panose="020B0604030504040204" pitchFamily="50" charset="-128"/>
+              <a:ea typeface="メイリオ" panose="020B0604030504040204" pitchFamily="50" charset="-128"/>
+              <a:cs typeface="メイリオ" panose="020B0604030504040204" pitchFamily="50" charset="-128"/>
+            </a:endParaRPr>
+          </a:p>
+          <a:p>
+            <a:pPr marL="177800" indent="-177800">
+              <a:lnSpc>
+                <a:spcPts val="1600"/>
+              </a:lnSpc>
+              <a:buFont typeface="Wingdings" panose="05000000000000000000" pitchFamily="2" charset="2"/>
+              <a:buChar char="n"/>
+            </a:pPr>
+            <a:r>
+              <a:rPr kumimoji="1" lang="ja-JP" altLang="en-US" sz="1000" dirty="0">
+                <a:solidFill>
+                  <a:schemeClr val="tx1"/>
+                </a:solidFill>
+                <a:latin typeface="メイリオ" panose="020B0604030504040204" pitchFamily="50" charset="-128"/>
+                <a:ea typeface="メイリオ" panose="020B0604030504040204" pitchFamily="50" charset="-128"/>
+                <a:cs typeface="メイリオ" panose="020B0604030504040204" pitchFamily="50" charset="-128"/>
+              </a:rPr>
+              <a:t>ファクター間の低相関性</a:t>
+            </a:r>
+            <a:endParaRPr kumimoji="1" lang="en-US" altLang="ja-JP" sz="1000" dirty="0">
+              <a:solidFill>
+                <a:schemeClr val="tx1"/>
+              </a:solidFill>
+              <a:latin typeface="メイリオ" panose="020B0604030504040204" pitchFamily="50" charset="-128"/>
+              <a:ea typeface="メイリオ" panose="020B0604030504040204" pitchFamily="50" charset="-128"/>
+              <a:cs typeface="メイリオ" panose="020B0604030504040204" pitchFamily="50" charset="-128"/>
+            </a:endParaRPr>
+          </a:p>
+          <a:p>
+            <a:pPr marL="177800" indent="-177800">
+              <a:lnSpc>
+                <a:spcPts val="1600"/>
+              </a:lnSpc>
+              <a:buFont typeface="Wingdings" panose="05000000000000000000" pitchFamily="2" charset="2"/>
+              <a:buChar char="n"/>
+            </a:pPr>
+            <a:r>
+              <a:rPr kumimoji="1" lang="ja-JP" altLang="en-US" sz="1000" dirty="0">
+                <a:solidFill>
+                  <a:schemeClr val="tx1"/>
+                </a:solidFill>
+                <a:latin typeface="メイリオ" panose="020B0604030504040204" pitchFamily="50" charset="-128"/>
+                <a:ea typeface="メイリオ" panose="020B0604030504040204" pitchFamily="50" charset="-128"/>
+                <a:cs typeface="メイリオ" panose="020B0604030504040204" pitchFamily="50" charset="-128"/>
+              </a:rPr>
+              <a:t>低コスト、高流動性、透明性</a:t>
+            </a:r>
+            <a:endParaRPr kumimoji="1" lang="en-US" altLang="ja-JP" sz="1000" dirty="0">
+              <a:solidFill>
+                <a:schemeClr val="tx1"/>
+              </a:solidFill>
+              <a:latin typeface="メイリオ" panose="020B0604030504040204" pitchFamily="50" charset="-128"/>
+              <a:ea typeface="メイリオ" panose="020B0604030504040204" pitchFamily="50" charset="-128"/>
+              <a:cs typeface="メイリオ" panose="020B0604030504040204" pitchFamily="50" charset="-128"/>
+            </a:endParaRPr>
+          </a:p>
+          <a:p>
+            <a:pPr>
+              <a:lnSpc>
+                <a:spcPts val="1600"/>
+              </a:lnSpc>
+            </a:pPr>
+            <a:endParaRPr kumimoji="1" lang="en-US" altLang="ja-JP" sz="1000" dirty="0">
+              <a:solidFill>
+                <a:schemeClr val="tx1"/>
+              </a:solidFill>
+              <a:latin typeface="メイリオ" panose="020B0604030504040204" pitchFamily="50" charset="-128"/>
+              <a:ea typeface="メイリオ" panose="020B0604030504040204" pitchFamily="50" charset="-128"/>
+              <a:cs typeface="メイリオ" panose="020B0604030504040204" pitchFamily="50" charset="-128"/>
+            </a:endParaRPr>
+          </a:p>
+          <a:p>
+            <a:pPr>
+              <a:lnSpc>
+                <a:spcPts val="1600"/>
+              </a:lnSpc>
+            </a:pPr>
+            <a:r>
+              <a:rPr kumimoji="1" lang="en-US" altLang="ja-JP" sz="1000" dirty="0">
+                <a:solidFill>
+                  <a:schemeClr val="tx1"/>
+                </a:solidFill>
+                <a:latin typeface="メイリオ" panose="020B0604030504040204" pitchFamily="50" charset="-128"/>
+                <a:ea typeface="メイリオ" panose="020B0604030504040204" pitchFamily="50" charset="-128"/>
+                <a:cs typeface="メイリオ" panose="020B0604030504040204" pitchFamily="50" charset="-128"/>
+              </a:rPr>
+              <a:t>[</a:t>
+            </a:r>
+            <a:r>
+              <a:rPr kumimoji="1" lang="ja-JP" altLang="en-US" sz="1000" dirty="0">
+                <a:solidFill>
+                  <a:schemeClr val="tx1"/>
+                </a:solidFill>
+                <a:latin typeface="メイリオ" panose="020B0604030504040204" pitchFamily="50" charset="-128"/>
+                <a:ea typeface="メイリオ" panose="020B0604030504040204" pitchFamily="50" charset="-128"/>
+                <a:cs typeface="メイリオ" panose="020B0604030504040204" pitchFamily="50" charset="-128"/>
+              </a:rPr>
+              <a:t>リスク管理の側面</a:t>
+            </a:r>
+            <a:r>
+              <a:rPr kumimoji="1" lang="en-US" altLang="ja-JP" sz="1000" dirty="0">
+                <a:solidFill>
+                  <a:schemeClr val="tx1"/>
+                </a:solidFill>
+                <a:latin typeface="メイリオ" panose="020B0604030504040204" pitchFamily="50" charset="-128"/>
+                <a:ea typeface="メイリオ" panose="020B0604030504040204" pitchFamily="50" charset="-128"/>
+                <a:cs typeface="メイリオ" panose="020B0604030504040204" pitchFamily="50" charset="-128"/>
+              </a:rPr>
+              <a:t>]</a:t>
+            </a:r>
+          </a:p>
+          <a:p>
+            <a:pPr marL="177800" indent="-177800">
+              <a:lnSpc>
+                <a:spcPts val="1600"/>
+              </a:lnSpc>
+              <a:buFont typeface="Wingdings" panose="05000000000000000000" pitchFamily="2" charset="2"/>
+              <a:buChar char="n"/>
+            </a:pPr>
+            <a:r>
+              <a:rPr kumimoji="1" lang="ja-JP" altLang="en-US" sz="1000" dirty="0">
+                <a:solidFill>
+                  <a:schemeClr val="tx1"/>
+                </a:solidFill>
+                <a:latin typeface="メイリオ" panose="020B0604030504040204" pitchFamily="50" charset="-128"/>
+                <a:ea typeface="メイリオ" panose="020B0604030504040204" pitchFamily="50" charset="-128"/>
+                <a:cs typeface="メイリオ" panose="020B0604030504040204" pitchFamily="50" charset="-128"/>
+              </a:rPr>
+              <a:t>収益源泉のモニタリング</a:t>
+            </a:r>
+            <a:endParaRPr kumimoji="1" lang="en-US" altLang="ja-JP" sz="1000" dirty="0">
+              <a:solidFill>
+                <a:schemeClr val="tx1"/>
+              </a:solidFill>
+              <a:latin typeface="メイリオ" panose="020B0604030504040204" pitchFamily="50" charset="-128"/>
+              <a:ea typeface="メイリオ" panose="020B0604030504040204" pitchFamily="50" charset="-128"/>
+              <a:cs typeface="メイリオ" panose="020B0604030504040204" pitchFamily="50" charset="-128"/>
+            </a:endParaRPr>
+          </a:p>
+          <a:p>
+            <a:pPr marL="177800" indent="-177800">
+              <a:lnSpc>
+                <a:spcPts val="1600"/>
+              </a:lnSpc>
+              <a:buFont typeface="Wingdings" panose="05000000000000000000" pitchFamily="2" charset="2"/>
+              <a:buChar char="n"/>
+            </a:pPr>
+            <a:r>
+              <a:rPr kumimoji="1" lang="ja-JP" altLang="en-US" sz="1000" dirty="0">
+                <a:solidFill>
+                  <a:schemeClr val="tx1"/>
+                </a:solidFill>
+                <a:latin typeface="メイリオ" panose="020B0604030504040204" pitchFamily="50" charset="-128"/>
+                <a:ea typeface="メイリオ" panose="020B0604030504040204" pitchFamily="50" charset="-128"/>
+                <a:cs typeface="メイリオ" panose="020B0604030504040204" pitchFamily="50" charset="-128"/>
+              </a:rPr>
+              <a:t>収益源泉の分散による収益安定化</a:t>
+            </a:r>
+          </a:p>
+        </p:txBody>
+      </p:sp>
+      <p:sp>
+        <p:nvSpPr>
+          <p:cNvPr id="13" name="正方形/長方形 12">
+            <a:extLst>
+              <a:ext uri="{FF2B5EF4-FFF2-40B4-BE49-F238E27FC236}">
+                <a16:creationId xmlns:a16="http://schemas.microsoft.com/office/drawing/2014/main" id="{240D2040-0A6C-40F7-BE3D-DF6E2FA8821F}"/>
+              </a:ext>
+            </a:extLst>
+          </p:cNvPr>
+          <p:cNvSpPr/>
+          <p:nvPr/>
+        </p:nvSpPr>
+        <p:spPr>
+          <a:xfrm>
+            <a:off x="5434500" y="2467094"/>
+            <a:ext cx="1728000" cy="756000"/>
+          </a:xfrm>
+          <a:prstGeom prst="rect">
+            <a:avLst/>
+          </a:prstGeom>
+          <a:solidFill>
+            <a:schemeClr val="accent1">
+              <a:lumMod val="60000"/>
+              <a:lumOff val="40000"/>
+              <a:alpha val="70000"/>
+            </a:schemeClr>
+          </a:solidFill>
+          <a:ln>
+            <a:noFill/>
+          </a:ln>
+        </p:spPr>
+        <p:style>
+          <a:lnRef idx="2">
+            <a:schemeClr val="accent1">
+              <a:shade val="50000"/>
+            </a:schemeClr>
+          </a:lnRef>
+          <a:fillRef idx="1">
+            <a:schemeClr val="accent1"/>
+          </a:fillRef>
+          <a:effectRef idx="0">
+            <a:schemeClr val="accent1"/>
+          </a:effectRef>
+          <a:fontRef idx="minor">
+            <a:schemeClr val="lt1"/>
+          </a:fontRef>
+        </p:style>
+        <p:txBody>
+          <a:bodyPr rtlCol="0" anchor="ctr"/>
+          <a:lstStyle/>
+          <a:p>
+            <a:pPr algn="ctr"/>
+            <a:r>
+              <a:rPr kumimoji="1" lang="ja-JP" altLang="en-US" sz="1050" b="1" dirty="0">
+                <a:solidFill>
+                  <a:schemeClr val="tx1"/>
+                </a:solidFill>
+                <a:latin typeface="メイリオ" panose="020B0604030504040204" pitchFamily="50" charset="-128"/>
+                <a:ea typeface="メイリオ" panose="020B0604030504040204" pitchFamily="50" charset="-128"/>
+                <a:cs typeface="メイリオ" panose="020B0604030504040204" pitchFamily="50" charset="-128"/>
+              </a:rPr>
+              <a:t>絶対収益</a:t>
+            </a:r>
+          </a:p>
+        </p:txBody>
+      </p:sp>
+      <p:sp>
+        <p:nvSpPr>
+          <p:cNvPr id="14" name="正方形/長方形 13">
+            <a:extLst>
+              <a:ext uri="{FF2B5EF4-FFF2-40B4-BE49-F238E27FC236}">
+                <a16:creationId xmlns:a16="http://schemas.microsoft.com/office/drawing/2014/main" id="{8B1FA1D0-E996-4A24-8A8D-D6B1D9EDE80B}"/>
+              </a:ext>
+            </a:extLst>
+          </p:cNvPr>
+          <p:cNvSpPr/>
+          <p:nvPr/>
+        </p:nvSpPr>
+        <p:spPr>
+          <a:xfrm>
+            <a:off x="5434500" y="4128184"/>
+            <a:ext cx="1728000" cy="756000"/>
+          </a:xfrm>
+          <a:prstGeom prst="rect">
+            <a:avLst/>
+          </a:prstGeom>
+          <a:solidFill>
+            <a:schemeClr val="accent1">
+              <a:lumMod val="60000"/>
+              <a:lumOff val="40000"/>
+              <a:alpha val="70000"/>
+            </a:schemeClr>
+          </a:solidFill>
+          <a:ln>
+            <a:noFill/>
+          </a:ln>
+        </p:spPr>
+        <p:style>
+          <a:lnRef idx="2">
+            <a:schemeClr val="accent1">
+              <a:shade val="50000"/>
+            </a:schemeClr>
+          </a:lnRef>
+          <a:fillRef idx="1">
+            <a:schemeClr val="accent1"/>
+          </a:fillRef>
+          <a:effectRef idx="0">
+            <a:schemeClr val="accent1"/>
+          </a:effectRef>
+          <a:fontRef idx="minor">
+            <a:schemeClr val="lt1"/>
+          </a:fontRef>
+        </p:style>
+        <p:txBody>
+          <a:bodyPr rtlCol="0" anchor="ctr"/>
+          <a:lstStyle/>
+          <a:p>
+            <a:pPr algn="ctr"/>
+            <a:r>
+              <a:rPr kumimoji="1" lang="ja-JP" altLang="en-US" sz="1050" b="1" dirty="0">
+                <a:solidFill>
+                  <a:schemeClr val="tx1"/>
+                </a:solidFill>
+                <a:latin typeface="メイリオ" panose="020B0604030504040204" pitchFamily="50" charset="-128"/>
+                <a:ea typeface="メイリオ" panose="020B0604030504040204" pitchFamily="50" charset="-128"/>
+                <a:cs typeface="メイリオ" panose="020B0604030504040204" pitchFamily="50" charset="-128"/>
+              </a:rPr>
+              <a:t>ヘッジファンド代替</a:t>
+            </a:r>
+          </a:p>
+        </p:txBody>
+      </p:sp>
+      <p:sp>
+        <p:nvSpPr>
+          <p:cNvPr id="15" name="正方形/長方形 14">
+            <a:extLst>
+              <a:ext uri="{FF2B5EF4-FFF2-40B4-BE49-F238E27FC236}">
+                <a16:creationId xmlns:a16="http://schemas.microsoft.com/office/drawing/2014/main" id="{3D4B71DE-D235-4071-AD67-0DBB10533D65}"/>
+              </a:ext>
+            </a:extLst>
+          </p:cNvPr>
+          <p:cNvSpPr/>
+          <p:nvPr/>
+        </p:nvSpPr>
+        <p:spPr>
+          <a:xfrm>
+            <a:off x="5434500" y="3297639"/>
+            <a:ext cx="1728000" cy="756000"/>
+          </a:xfrm>
+          <a:prstGeom prst="rect">
+            <a:avLst/>
+          </a:prstGeom>
+          <a:solidFill>
+            <a:schemeClr val="accent1">
+              <a:lumMod val="60000"/>
+              <a:lumOff val="40000"/>
+              <a:alpha val="70000"/>
+            </a:schemeClr>
+          </a:solidFill>
+          <a:ln>
+            <a:noFill/>
+          </a:ln>
+        </p:spPr>
+        <p:style>
+          <a:lnRef idx="2">
+            <a:schemeClr val="accent1">
+              <a:shade val="50000"/>
+            </a:schemeClr>
+          </a:lnRef>
+          <a:fillRef idx="1">
+            <a:schemeClr val="accent1"/>
+          </a:fillRef>
+          <a:effectRef idx="0">
+            <a:schemeClr val="accent1"/>
+          </a:effectRef>
+          <a:fontRef idx="minor">
+            <a:schemeClr val="lt1"/>
+          </a:fontRef>
+        </p:style>
+        <p:txBody>
+          <a:bodyPr rtlCol="0" anchor="ctr"/>
+          <a:lstStyle/>
+          <a:p>
+            <a:pPr algn="ctr"/>
+            <a:r>
+              <a:rPr kumimoji="1" lang="ja-JP" altLang="en-US" sz="1050" b="1" dirty="0">
+                <a:solidFill>
+                  <a:schemeClr val="tx1"/>
+                </a:solidFill>
+                <a:latin typeface="メイリオ" panose="020B0604030504040204" pitchFamily="50" charset="-128"/>
+                <a:ea typeface="メイリオ" panose="020B0604030504040204" pitchFamily="50" charset="-128"/>
+                <a:cs typeface="メイリオ" panose="020B0604030504040204" pitchFamily="50" charset="-128"/>
+              </a:rPr>
+              <a:t>アウトカム</a:t>
+            </a:r>
+            <a:endParaRPr kumimoji="1" lang="en-US" altLang="ja-JP" sz="1050" b="1" dirty="0">
+              <a:solidFill>
+                <a:schemeClr val="tx1"/>
+              </a:solidFill>
+              <a:latin typeface="メイリオ" panose="020B0604030504040204" pitchFamily="50" charset="-128"/>
+              <a:ea typeface="メイリオ" panose="020B0604030504040204" pitchFamily="50" charset="-128"/>
+              <a:cs typeface="メイリオ" panose="020B0604030504040204" pitchFamily="50" charset="-128"/>
+            </a:endParaRPr>
+          </a:p>
+          <a:p>
+            <a:pPr algn="ctr"/>
+            <a:r>
+              <a:rPr kumimoji="1" lang="ja-JP" altLang="en-US" sz="1050" b="1" dirty="0">
+                <a:solidFill>
+                  <a:schemeClr val="tx1"/>
+                </a:solidFill>
+                <a:latin typeface="メイリオ" panose="020B0604030504040204" pitchFamily="50" charset="-128"/>
+                <a:ea typeface="メイリオ" panose="020B0604030504040204" pitchFamily="50" charset="-128"/>
+                <a:cs typeface="メイリオ" panose="020B0604030504040204" pitchFamily="50" charset="-128"/>
+              </a:rPr>
+              <a:t>オリエンテッド</a:t>
+            </a:r>
+          </a:p>
+        </p:txBody>
+      </p:sp>
+      <p:sp>
+        <p:nvSpPr>
+          <p:cNvPr id="16" name="正方形/長方形 15">
+            <a:extLst>
+              <a:ext uri="{FF2B5EF4-FFF2-40B4-BE49-F238E27FC236}">
+                <a16:creationId xmlns:a16="http://schemas.microsoft.com/office/drawing/2014/main" id="{3BAF345F-A657-4DE4-972F-11C1EA6BACCB}"/>
+              </a:ext>
+            </a:extLst>
+          </p:cNvPr>
+          <p:cNvSpPr/>
+          <p:nvPr/>
+        </p:nvSpPr>
+        <p:spPr>
+          <a:xfrm>
+            <a:off x="5434500" y="4958729"/>
+            <a:ext cx="1728000" cy="756000"/>
+          </a:xfrm>
+          <a:prstGeom prst="rect">
+            <a:avLst/>
+          </a:prstGeom>
+          <a:solidFill>
+            <a:schemeClr val="accent1">
+              <a:lumMod val="60000"/>
+              <a:lumOff val="40000"/>
+              <a:alpha val="70000"/>
+            </a:schemeClr>
+          </a:solidFill>
+          <a:ln>
+            <a:noFill/>
+          </a:ln>
+        </p:spPr>
+        <p:style>
+          <a:lnRef idx="2">
+            <a:schemeClr val="accent1">
+              <a:shade val="50000"/>
+            </a:schemeClr>
+          </a:lnRef>
+          <a:fillRef idx="1">
+            <a:schemeClr val="accent1"/>
+          </a:fillRef>
+          <a:effectRef idx="0">
+            <a:schemeClr val="accent1"/>
+          </a:effectRef>
+          <a:fontRef idx="minor">
+            <a:schemeClr val="lt1"/>
+          </a:fontRef>
+        </p:style>
+        <p:txBody>
+          <a:bodyPr rtlCol="0" anchor="ctr"/>
+          <a:lstStyle/>
+          <a:p>
+            <a:pPr algn="ctr"/>
+            <a:r>
+              <a:rPr kumimoji="1" lang="ja-JP" altLang="en-US" sz="1050" b="1" dirty="0">
+                <a:solidFill>
+                  <a:schemeClr val="tx1"/>
+                </a:solidFill>
+                <a:latin typeface="メイリオ" panose="020B0604030504040204" pitchFamily="50" charset="-128"/>
+                <a:ea typeface="メイリオ" panose="020B0604030504040204" pitchFamily="50" charset="-128"/>
+                <a:cs typeface="メイリオ" panose="020B0604030504040204" pitchFamily="50" charset="-128"/>
+              </a:rPr>
+              <a:t>ポートフォリオ</a:t>
+            </a:r>
+            <a:endParaRPr kumimoji="1" lang="en-US" altLang="ja-JP" sz="1050" b="1" dirty="0">
+              <a:solidFill>
+                <a:schemeClr val="tx1"/>
+              </a:solidFill>
+              <a:latin typeface="メイリオ" panose="020B0604030504040204" pitchFamily="50" charset="-128"/>
+              <a:ea typeface="メイリオ" panose="020B0604030504040204" pitchFamily="50" charset="-128"/>
+              <a:cs typeface="メイリオ" panose="020B0604030504040204" pitchFamily="50" charset="-128"/>
+            </a:endParaRPr>
+          </a:p>
+          <a:p>
+            <a:pPr algn="ctr"/>
+            <a:r>
+              <a:rPr kumimoji="1" lang="ja-JP" altLang="en-US" sz="1050" b="1" dirty="0">
+                <a:solidFill>
+                  <a:schemeClr val="tx1"/>
+                </a:solidFill>
+                <a:latin typeface="メイリオ" panose="020B0604030504040204" pitchFamily="50" charset="-128"/>
+                <a:ea typeface="メイリオ" panose="020B0604030504040204" pitchFamily="50" charset="-128"/>
+                <a:cs typeface="メイリオ" panose="020B0604030504040204" pitchFamily="50" charset="-128"/>
+              </a:rPr>
+              <a:t>コンプリーション</a:t>
+            </a:r>
+          </a:p>
+        </p:txBody>
+      </p:sp>
+      <p:sp>
+        <p:nvSpPr>
+          <p:cNvPr id="17" name="正方形/長方形 16">
+            <a:extLst>
+              <a:ext uri="{FF2B5EF4-FFF2-40B4-BE49-F238E27FC236}">
+                <a16:creationId xmlns:a16="http://schemas.microsoft.com/office/drawing/2014/main" id="{5F652272-9979-4DE0-BCB5-9E1E75274391}"/>
+              </a:ext>
+            </a:extLst>
+          </p:cNvPr>
+          <p:cNvSpPr/>
+          <p:nvPr/>
+        </p:nvSpPr>
+        <p:spPr>
+          <a:xfrm>
+            <a:off x="4876800" y="815299"/>
+            <a:ext cx="2285700" cy="756000"/>
+          </a:xfrm>
+          <a:prstGeom prst="rect">
+            <a:avLst/>
+          </a:prstGeom>
+          <a:solidFill>
+            <a:schemeClr val="bg1">
+              <a:lumMod val="85000"/>
+              <a:alpha val="70000"/>
+            </a:schemeClr>
+          </a:solidFill>
+          <a:ln>
+            <a:noFill/>
+          </a:ln>
+        </p:spPr>
+        <p:style>
+          <a:lnRef idx="2">
+            <a:schemeClr val="accent1">
+              <a:shade val="50000"/>
+            </a:schemeClr>
+          </a:lnRef>
+          <a:fillRef idx="1">
+            <a:schemeClr val="accent1"/>
+          </a:fillRef>
+          <a:effectRef idx="0">
+            <a:schemeClr val="accent1"/>
+          </a:effectRef>
+          <a:fontRef idx="minor">
+            <a:schemeClr val="lt1"/>
+          </a:fontRef>
+        </p:style>
+        <p:txBody>
+          <a:bodyPr rtlCol="0" anchor="ctr"/>
+          <a:lstStyle/>
+          <a:p>
+            <a:pPr algn="ctr"/>
+            <a:r>
+              <a:rPr kumimoji="1" lang="ja-JP" altLang="en-US" sz="1000" dirty="0">
+                <a:solidFill>
+                  <a:schemeClr val="tx1"/>
+                </a:solidFill>
+                <a:latin typeface="メイリオ" panose="020B0604030504040204" pitchFamily="50" charset="-128"/>
+                <a:ea typeface="メイリオ" panose="020B0604030504040204" pitchFamily="50" charset="-128"/>
+                <a:cs typeface="メイリオ" panose="020B0604030504040204" pitchFamily="50" charset="-128"/>
+              </a:rPr>
+              <a:t>戦略的</a:t>
+            </a:r>
+            <a:r>
+              <a:rPr kumimoji="1" lang="en-US" altLang="ja-JP" sz="1000" dirty="0">
+                <a:solidFill>
+                  <a:schemeClr val="tx1"/>
+                </a:solidFill>
+                <a:latin typeface="メイリオ" panose="020B0604030504040204" pitchFamily="50" charset="-128"/>
+                <a:ea typeface="メイリオ" panose="020B0604030504040204" pitchFamily="50" charset="-128"/>
+                <a:cs typeface="メイリオ" panose="020B0604030504040204" pitchFamily="50" charset="-128"/>
+              </a:rPr>
+              <a:t>AA</a:t>
+            </a:r>
+            <a:r>
+              <a:rPr kumimoji="1" lang="ja-JP" altLang="en-US" sz="1000" dirty="0">
+                <a:solidFill>
+                  <a:schemeClr val="tx1"/>
+                </a:solidFill>
+                <a:latin typeface="メイリオ" panose="020B0604030504040204" pitchFamily="50" charset="-128"/>
+                <a:ea typeface="メイリオ" panose="020B0604030504040204" pitchFamily="50" charset="-128"/>
+                <a:cs typeface="メイリオ" panose="020B0604030504040204" pitchFamily="50" charset="-128"/>
+              </a:rPr>
+              <a:t>等の中長期的資産配分</a:t>
+            </a:r>
+            <a:endParaRPr kumimoji="1" lang="en-US" altLang="ja-JP" sz="1000" dirty="0">
+              <a:solidFill>
+                <a:schemeClr val="tx1"/>
+              </a:solidFill>
+              <a:latin typeface="メイリオ" panose="020B0604030504040204" pitchFamily="50" charset="-128"/>
+              <a:ea typeface="メイリオ" panose="020B0604030504040204" pitchFamily="50" charset="-128"/>
+              <a:cs typeface="メイリオ" panose="020B0604030504040204" pitchFamily="50" charset="-128"/>
+            </a:endParaRPr>
+          </a:p>
+          <a:p>
+            <a:pPr algn="ctr"/>
+            <a:r>
+              <a:rPr kumimoji="1" lang="ja-JP" altLang="en-US" sz="1000" dirty="0">
+                <a:solidFill>
+                  <a:schemeClr val="tx1"/>
+                </a:solidFill>
+                <a:latin typeface="メイリオ" panose="020B0604030504040204" pitchFamily="50" charset="-128"/>
+                <a:ea typeface="メイリオ" panose="020B0604030504040204" pitchFamily="50" charset="-128"/>
+                <a:cs typeface="メイリオ" panose="020B0604030504040204" pitchFamily="50" charset="-128"/>
+              </a:rPr>
+              <a:t>マクロ経済的観点のリスク管理</a:t>
+            </a:r>
+          </a:p>
+        </p:txBody>
+      </p:sp>
+      <p:sp>
+        <p:nvSpPr>
+          <p:cNvPr id="18" name="正方形/長方形 17">
+            <a:extLst>
+              <a:ext uri="{FF2B5EF4-FFF2-40B4-BE49-F238E27FC236}">
+                <a16:creationId xmlns:a16="http://schemas.microsoft.com/office/drawing/2014/main" id="{D7BFFF78-3F3C-4256-9608-00951B5C1D33}"/>
+              </a:ext>
+            </a:extLst>
+          </p:cNvPr>
+          <p:cNvSpPr/>
+          <p:nvPr/>
+        </p:nvSpPr>
+        <p:spPr>
+          <a:xfrm>
+            <a:off x="4876800" y="1636549"/>
+            <a:ext cx="2285700" cy="756000"/>
+          </a:xfrm>
+          <a:prstGeom prst="rect">
+            <a:avLst/>
+          </a:prstGeom>
+          <a:solidFill>
+            <a:schemeClr val="bg1">
+              <a:lumMod val="85000"/>
+              <a:alpha val="70000"/>
+            </a:schemeClr>
+          </a:solidFill>
+          <a:ln>
+            <a:noFill/>
+          </a:ln>
+        </p:spPr>
+        <p:style>
+          <a:lnRef idx="2">
+            <a:schemeClr val="accent1">
+              <a:shade val="50000"/>
+            </a:schemeClr>
+          </a:lnRef>
+          <a:fillRef idx="1">
+            <a:schemeClr val="accent1"/>
+          </a:fillRef>
+          <a:effectRef idx="0">
+            <a:schemeClr val="accent1"/>
+          </a:effectRef>
+          <a:fontRef idx="minor">
+            <a:schemeClr val="lt1"/>
+          </a:fontRef>
+        </p:style>
+        <p:txBody>
+          <a:bodyPr rtlCol="0" anchor="ctr"/>
+          <a:lstStyle/>
+          <a:p>
+            <a:pPr algn="ctr"/>
+            <a:r>
+              <a:rPr kumimoji="1" lang="ja-JP" altLang="en-US" sz="1000" dirty="0">
+                <a:solidFill>
+                  <a:schemeClr val="tx1"/>
+                </a:solidFill>
+                <a:latin typeface="メイリオ" panose="020B0604030504040204" pitchFamily="50" charset="-128"/>
+                <a:ea typeface="メイリオ" panose="020B0604030504040204" pitchFamily="50" charset="-128"/>
+                <a:cs typeface="メイリオ" panose="020B0604030504040204" pitchFamily="50" charset="-128"/>
+              </a:rPr>
+              <a:t>絶対収益追求戦略の構築</a:t>
+            </a:r>
+          </a:p>
+        </p:txBody>
+      </p:sp>
+      <p:sp>
+        <p:nvSpPr>
+          <p:cNvPr id="19" name="正方形/長方形 18">
+            <a:extLst>
+              <a:ext uri="{FF2B5EF4-FFF2-40B4-BE49-F238E27FC236}">
+                <a16:creationId xmlns:a16="http://schemas.microsoft.com/office/drawing/2014/main" id="{63949A9B-6D5E-4148-ACE4-8685BE2E76C3}"/>
+              </a:ext>
+            </a:extLst>
+          </p:cNvPr>
+          <p:cNvSpPr/>
+          <p:nvPr/>
+        </p:nvSpPr>
+        <p:spPr>
+          <a:xfrm>
+            <a:off x="4876800" y="5789274"/>
+            <a:ext cx="2285700" cy="756000"/>
+          </a:xfrm>
+          <a:prstGeom prst="rect">
+            <a:avLst/>
+          </a:prstGeom>
+          <a:solidFill>
+            <a:schemeClr val="accent1">
+              <a:alpha val="70000"/>
+            </a:schemeClr>
+          </a:solidFill>
+          <a:ln>
+            <a:noFill/>
+          </a:ln>
+        </p:spPr>
+        <p:style>
+          <a:lnRef idx="2">
+            <a:schemeClr val="accent1">
+              <a:shade val="50000"/>
+            </a:schemeClr>
+          </a:lnRef>
+          <a:fillRef idx="1">
+            <a:schemeClr val="accent1"/>
+          </a:fillRef>
+          <a:effectRef idx="0">
+            <a:schemeClr val="accent1"/>
+          </a:effectRef>
+          <a:fontRef idx="minor">
+            <a:schemeClr val="lt1"/>
+          </a:fontRef>
+        </p:style>
+        <p:txBody>
+          <a:bodyPr rtlCol="0" anchor="ctr"/>
+          <a:lstStyle/>
+          <a:p>
+            <a:pPr algn="ctr"/>
+            <a:r>
+              <a:rPr kumimoji="1" lang="ja-JP" altLang="en-US" sz="1000" b="1" dirty="0">
+                <a:solidFill>
+                  <a:schemeClr val="tx1"/>
+                </a:solidFill>
+                <a:latin typeface="メイリオ" panose="020B0604030504040204" pitchFamily="50" charset="-128"/>
+                <a:ea typeface="メイリオ" panose="020B0604030504040204" pitchFamily="50" charset="-128"/>
+                <a:cs typeface="メイリオ" panose="020B0604030504040204" pitchFamily="50" charset="-128"/>
+              </a:rPr>
+              <a:t>リスク管理</a:t>
+            </a:r>
+          </a:p>
+        </p:txBody>
+      </p:sp>
+      <p:sp>
+        <p:nvSpPr>
+          <p:cNvPr id="20" name="正方形/長方形 19">
+            <a:extLst>
+              <a:ext uri="{FF2B5EF4-FFF2-40B4-BE49-F238E27FC236}">
+                <a16:creationId xmlns:a16="http://schemas.microsoft.com/office/drawing/2014/main" id="{91AD8EAA-7D55-45D3-9049-BDA537426B91}"/>
+              </a:ext>
+            </a:extLst>
+          </p:cNvPr>
+          <p:cNvSpPr/>
+          <p:nvPr/>
+        </p:nvSpPr>
+        <p:spPr>
+          <a:xfrm>
+            <a:off x="7226000" y="815299"/>
+            <a:ext cx="1587800" cy="756000"/>
+          </a:xfrm>
+          <a:prstGeom prst="rect">
+            <a:avLst/>
+          </a:prstGeom>
+          <a:solidFill>
+            <a:schemeClr val="bg1">
+              <a:lumMod val="85000"/>
+              <a:alpha val="70000"/>
+            </a:schemeClr>
+          </a:solidFill>
+          <a:ln>
+            <a:noFill/>
+          </a:ln>
+        </p:spPr>
+        <p:style>
+          <a:lnRef idx="2">
+            <a:schemeClr val="accent1">
+              <a:shade val="50000"/>
+            </a:schemeClr>
+          </a:lnRef>
+          <a:fillRef idx="1">
+            <a:schemeClr val="accent1"/>
+          </a:fillRef>
+          <a:effectRef idx="0">
+            <a:schemeClr val="accent1"/>
+          </a:effectRef>
+          <a:fontRef idx="minor">
+            <a:schemeClr val="lt1"/>
+          </a:fontRef>
+        </p:style>
+        <p:txBody>
+          <a:bodyPr rtlCol="0" anchor="ctr"/>
+          <a:lstStyle/>
+          <a:p>
+            <a:pPr algn="ctr"/>
+            <a:r>
+              <a:rPr kumimoji="1" lang="en-US" altLang="ja-JP" sz="1000" dirty="0">
+                <a:solidFill>
+                  <a:schemeClr val="tx1"/>
+                </a:solidFill>
+                <a:latin typeface="メイリオ" panose="020B0604030504040204" pitchFamily="50" charset="-128"/>
+                <a:ea typeface="メイリオ" panose="020B0604030504040204" pitchFamily="50" charset="-128"/>
+                <a:cs typeface="メイリオ" panose="020B0604030504040204" pitchFamily="50" charset="-128"/>
+              </a:rPr>
+              <a:t>(</a:t>
+            </a:r>
+            <a:r>
+              <a:rPr kumimoji="1" lang="ja-JP" altLang="en-US" sz="1000" dirty="0">
+                <a:solidFill>
+                  <a:schemeClr val="tx1"/>
+                </a:solidFill>
+                <a:latin typeface="メイリオ" panose="020B0604030504040204" pitchFamily="50" charset="-128"/>
+                <a:ea typeface="メイリオ" panose="020B0604030504040204" pitchFamily="50" charset="-128"/>
+                <a:cs typeface="メイリオ" panose="020B0604030504040204" pitchFamily="50" charset="-128"/>
+              </a:rPr>
+              <a:t>単年度</a:t>
+            </a:r>
+            <a:r>
+              <a:rPr kumimoji="1" lang="en-US" altLang="ja-JP" sz="1000" dirty="0">
+                <a:solidFill>
+                  <a:schemeClr val="tx1"/>
+                </a:solidFill>
+                <a:latin typeface="メイリオ" panose="020B0604030504040204" pitchFamily="50" charset="-128"/>
+                <a:ea typeface="メイリオ" panose="020B0604030504040204" pitchFamily="50" charset="-128"/>
+                <a:cs typeface="メイリオ" panose="020B0604030504040204" pitchFamily="50" charset="-128"/>
+              </a:rPr>
+              <a:t>AA</a:t>
+            </a:r>
+            <a:r>
+              <a:rPr kumimoji="1" lang="ja-JP" altLang="en-US" sz="1000" dirty="0">
+                <a:solidFill>
+                  <a:schemeClr val="tx1"/>
+                </a:solidFill>
+                <a:latin typeface="メイリオ" panose="020B0604030504040204" pitchFamily="50" charset="-128"/>
+                <a:ea typeface="メイリオ" panose="020B0604030504040204" pitchFamily="50" charset="-128"/>
+                <a:cs typeface="メイリオ" panose="020B0604030504040204" pitchFamily="50" charset="-128"/>
+              </a:rPr>
+              <a:t>策定に</a:t>
+            </a:r>
+            <a:endParaRPr kumimoji="1" lang="en-US" altLang="ja-JP" sz="1000" dirty="0">
+              <a:solidFill>
+                <a:schemeClr val="tx1"/>
+              </a:solidFill>
+              <a:latin typeface="メイリオ" panose="020B0604030504040204" pitchFamily="50" charset="-128"/>
+              <a:ea typeface="メイリオ" panose="020B0604030504040204" pitchFamily="50" charset="-128"/>
+              <a:cs typeface="メイリオ" panose="020B0604030504040204" pitchFamily="50" charset="-128"/>
+            </a:endParaRPr>
+          </a:p>
+          <a:p>
+            <a:pPr algn="ctr"/>
+            <a:r>
+              <a:rPr kumimoji="1" lang="ja-JP" altLang="en-US" sz="1000" dirty="0">
+                <a:solidFill>
+                  <a:schemeClr val="tx1"/>
+                </a:solidFill>
+                <a:latin typeface="メイリオ" panose="020B0604030504040204" pitchFamily="50" charset="-128"/>
+                <a:ea typeface="メイリオ" panose="020B0604030504040204" pitchFamily="50" charset="-128"/>
+                <a:cs typeface="メイリオ" panose="020B0604030504040204" pitchFamily="50" charset="-128"/>
+              </a:rPr>
+              <a:t>おける活用</a:t>
+            </a:r>
+            <a:r>
+              <a:rPr kumimoji="1" lang="en-US" altLang="ja-JP" sz="1000" dirty="0">
+                <a:solidFill>
+                  <a:schemeClr val="tx1"/>
+                </a:solidFill>
+                <a:latin typeface="メイリオ" panose="020B0604030504040204" pitchFamily="50" charset="-128"/>
+                <a:ea typeface="メイリオ" panose="020B0604030504040204" pitchFamily="50" charset="-128"/>
+                <a:cs typeface="メイリオ" panose="020B0604030504040204" pitchFamily="50" charset="-128"/>
+              </a:rPr>
+              <a:t>[4.4</a:t>
+            </a:r>
+            <a:r>
+              <a:rPr kumimoji="1" lang="ja-JP" altLang="en-US" sz="1000" dirty="0">
+                <a:solidFill>
+                  <a:schemeClr val="tx1"/>
+                </a:solidFill>
+                <a:latin typeface="メイリオ" panose="020B0604030504040204" pitchFamily="50" charset="-128"/>
+                <a:ea typeface="メイリオ" panose="020B0604030504040204" pitchFamily="50" charset="-128"/>
+                <a:cs typeface="メイリオ" panose="020B0604030504040204" pitchFamily="50" charset="-128"/>
+              </a:rPr>
+              <a:t>節</a:t>
+            </a:r>
+            <a:r>
+              <a:rPr kumimoji="1" lang="en-US" altLang="ja-JP" sz="1000" dirty="0">
+                <a:solidFill>
+                  <a:schemeClr val="tx1"/>
+                </a:solidFill>
+                <a:latin typeface="メイリオ" panose="020B0604030504040204" pitchFamily="50" charset="-128"/>
+                <a:ea typeface="メイリオ" panose="020B0604030504040204" pitchFamily="50" charset="-128"/>
+                <a:cs typeface="メイリオ" panose="020B0604030504040204" pitchFamily="50" charset="-128"/>
+              </a:rPr>
+              <a:t>])</a:t>
+            </a:r>
+            <a:endParaRPr kumimoji="1" lang="ja-JP" altLang="en-US" sz="1000" dirty="0">
+              <a:solidFill>
+                <a:schemeClr val="tx1"/>
+              </a:solidFill>
+              <a:latin typeface="メイリオ" panose="020B0604030504040204" pitchFamily="50" charset="-128"/>
+              <a:ea typeface="メイリオ" panose="020B0604030504040204" pitchFamily="50" charset="-128"/>
+              <a:cs typeface="メイリオ" panose="020B0604030504040204" pitchFamily="50" charset="-128"/>
+            </a:endParaRPr>
+          </a:p>
+        </p:txBody>
+      </p:sp>
+      <p:sp>
+        <p:nvSpPr>
+          <p:cNvPr id="21" name="正方形/長方形 20">
+            <a:extLst>
+              <a:ext uri="{FF2B5EF4-FFF2-40B4-BE49-F238E27FC236}">
+                <a16:creationId xmlns:a16="http://schemas.microsoft.com/office/drawing/2014/main" id="{9215CD6B-E247-4DD2-9AB9-C5B59876039C}"/>
+              </a:ext>
+            </a:extLst>
+          </p:cNvPr>
+          <p:cNvSpPr/>
+          <p:nvPr/>
+        </p:nvSpPr>
+        <p:spPr>
+          <a:xfrm>
+            <a:off x="7238700" y="1636549"/>
+            <a:ext cx="1587800" cy="756000"/>
+          </a:xfrm>
+          <a:prstGeom prst="rect">
+            <a:avLst/>
+          </a:prstGeom>
+          <a:solidFill>
+            <a:schemeClr val="bg1">
+              <a:lumMod val="85000"/>
+              <a:alpha val="70000"/>
+            </a:schemeClr>
+          </a:solidFill>
+          <a:ln>
+            <a:noFill/>
+          </a:ln>
+        </p:spPr>
+        <p:style>
+          <a:lnRef idx="2">
+            <a:schemeClr val="accent1">
+              <a:shade val="50000"/>
+            </a:schemeClr>
+          </a:lnRef>
+          <a:fillRef idx="1">
+            <a:schemeClr val="accent1"/>
+          </a:fillRef>
+          <a:effectRef idx="0">
+            <a:schemeClr val="accent1"/>
+          </a:effectRef>
+          <a:fontRef idx="minor">
+            <a:schemeClr val="lt1"/>
+          </a:fontRef>
+        </p:style>
+        <p:txBody>
+          <a:bodyPr rtlCol="0" anchor="ctr"/>
+          <a:lstStyle/>
+          <a:p>
+            <a:pPr algn="ctr"/>
+            <a:r>
+              <a:rPr kumimoji="1" lang="ja-JP" altLang="en-US" sz="1000" dirty="0">
+                <a:solidFill>
+                  <a:schemeClr val="tx1"/>
+                </a:solidFill>
+                <a:latin typeface="メイリオ" panose="020B0604030504040204" pitchFamily="50" charset="-128"/>
+                <a:ea typeface="メイリオ" panose="020B0604030504040204" pitchFamily="50" charset="-128"/>
+                <a:cs typeface="メイリオ" panose="020B0604030504040204" pitchFamily="50" charset="-128"/>
+              </a:rPr>
+              <a:t>特勘部：第二総合口</a:t>
+            </a:r>
+            <a:endParaRPr kumimoji="1" lang="en-US" altLang="ja-JP" sz="1000" dirty="0">
+              <a:solidFill>
+                <a:schemeClr val="tx1"/>
+              </a:solidFill>
+              <a:latin typeface="メイリオ" panose="020B0604030504040204" pitchFamily="50" charset="-128"/>
+              <a:ea typeface="メイリオ" panose="020B0604030504040204" pitchFamily="50" charset="-128"/>
+              <a:cs typeface="メイリオ" panose="020B0604030504040204" pitchFamily="50" charset="-128"/>
+            </a:endParaRPr>
+          </a:p>
+          <a:p>
+            <a:pPr algn="ctr"/>
+            <a:r>
+              <a:rPr kumimoji="1" lang="ja-JP" altLang="en-US" sz="1000" dirty="0">
+                <a:solidFill>
+                  <a:schemeClr val="tx1"/>
+                </a:solidFill>
+                <a:latin typeface="メイリオ" panose="020B0604030504040204" pitchFamily="50" charset="-128"/>
+                <a:ea typeface="メイリオ" panose="020B0604030504040204" pitchFamily="50" charset="-128"/>
+                <a:cs typeface="メイリオ" panose="020B0604030504040204" pitchFamily="50" charset="-128"/>
+              </a:rPr>
+              <a:t>株式部</a:t>
+            </a:r>
+            <a:r>
+              <a:rPr kumimoji="1" lang="en-US" altLang="ja-JP" sz="1000" dirty="0">
+                <a:solidFill>
+                  <a:schemeClr val="tx1"/>
+                </a:solidFill>
+                <a:latin typeface="メイリオ" panose="020B0604030504040204" pitchFamily="50" charset="-128"/>
+                <a:ea typeface="メイリオ" panose="020B0604030504040204" pitchFamily="50" charset="-128"/>
+                <a:cs typeface="メイリオ" panose="020B0604030504040204" pitchFamily="50" charset="-128"/>
+              </a:rPr>
+              <a:t>HF</a:t>
+            </a:r>
+            <a:r>
+              <a:rPr kumimoji="1" lang="ja-JP" altLang="en-US" sz="1000" dirty="0">
+                <a:solidFill>
+                  <a:schemeClr val="tx1"/>
+                </a:solidFill>
+                <a:latin typeface="メイリオ" panose="020B0604030504040204" pitchFamily="50" charset="-128"/>
+                <a:ea typeface="メイリオ" panose="020B0604030504040204" pitchFamily="50" charset="-128"/>
+                <a:cs typeface="メイリオ" panose="020B0604030504040204" pitchFamily="50" charset="-128"/>
+              </a:rPr>
+              <a:t>：</a:t>
+            </a:r>
+            <a:r>
+              <a:rPr kumimoji="1" lang="en-US" altLang="ja-JP" sz="1000" dirty="0" err="1">
+                <a:solidFill>
+                  <a:schemeClr val="tx1"/>
+                </a:solidFill>
+                <a:latin typeface="メイリオ" panose="020B0604030504040204" pitchFamily="50" charset="-128"/>
+                <a:ea typeface="メイリオ" panose="020B0604030504040204" pitchFamily="50" charset="-128"/>
+                <a:cs typeface="メイリオ" panose="020B0604030504040204" pitchFamily="50" charset="-128"/>
+              </a:rPr>
+              <a:t>GRiPS</a:t>
+            </a:r>
+            <a:r>
+              <a:rPr kumimoji="1" lang="ja-JP" altLang="en-US" sz="1000" dirty="0">
+                <a:solidFill>
+                  <a:schemeClr val="tx1"/>
+                </a:solidFill>
+                <a:latin typeface="メイリオ" panose="020B0604030504040204" pitchFamily="50" charset="-128"/>
+                <a:ea typeface="メイリオ" panose="020B0604030504040204" pitchFamily="50" charset="-128"/>
+                <a:cs typeface="メイリオ" panose="020B0604030504040204" pitchFamily="50" charset="-128"/>
+              </a:rPr>
+              <a:t>投資</a:t>
+            </a:r>
+            <a:endParaRPr kumimoji="1" lang="en-US" altLang="ja-JP" sz="1000" dirty="0">
+              <a:solidFill>
+                <a:schemeClr val="tx1"/>
+              </a:solidFill>
+              <a:latin typeface="メイリオ" panose="020B0604030504040204" pitchFamily="50" charset="-128"/>
+              <a:ea typeface="メイリオ" panose="020B0604030504040204" pitchFamily="50" charset="-128"/>
+              <a:cs typeface="メイリオ" panose="020B0604030504040204" pitchFamily="50" charset="-128"/>
+            </a:endParaRPr>
+          </a:p>
+        </p:txBody>
+      </p:sp>
+      <p:sp>
+        <p:nvSpPr>
+          <p:cNvPr id="22" name="正方形/長方形 21">
+            <a:extLst>
+              <a:ext uri="{FF2B5EF4-FFF2-40B4-BE49-F238E27FC236}">
+                <a16:creationId xmlns:a16="http://schemas.microsoft.com/office/drawing/2014/main" id="{10DB1175-F3FF-435F-A5D6-4D70ECC4218E}"/>
+              </a:ext>
+            </a:extLst>
+          </p:cNvPr>
+          <p:cNvSpPr/>
+          <p:nvPr/>
+        </p:nvSpPr>
+        <p:spPr>
+          <a:xfrm>
+            <a:off x="7238700" y="2467094"/>
+            <a:ext cx="1587800" cy="756000"/>
+          </a:xfrm>
+          <a:prstGeom prst="rect">
+            <a:avLst/>
+          </a:prstGeom>
+          <a:solidFill>
+            <a:schemeClr val="bg1">
+              <a:lumMod val="85000"/>
+              <a:alpha val="70000"/>
+            </a:schemeClr>
+          </a:solidFill>
+          <a:ln>
+            <a:noFill/>
+          </a:ln>
+        </p:spPr>
+        <p:style>
+          <a:lnRef idx="2">
+            <a:schemeClr val="accent1">
+              <a:shade val="50000"/>
+            </a:schemeClr>
+          </a:lnRef>
+          <a:fillRef idx="1">
+            <a:schemeClr val="accent1"/>
+          </a:fillRef>
+          <a:effectRef idx="0">
+            <a:schemeClr val="accent1"/>
+          </a:effectRef>
+          <a:fontRef idx="minor">
+            <a:schemeClr val="lt1"/>
+          </a:fontRef>
+        </p:style>
+        <p:txBody>
+          <a:bodyPr rtlCol="0" anchor="ctr"/>
+          <a:lstStyle/>
+          <a:p>
+            <a:pPr algn="ctr"/>
+            <a:r>
+              <a:rPr kumimoji="1" lang="ja-JP" altLang="en-US" sz="1000" dirty="0">
+                <a:solidFill>
+                  <a:schemeClr val="tx1"/>
+                </a:solidFill>
+                <a:latin typeface="メイリオ" panose="020B0604030504040204" pitchFamily="50" charset="-128"/>
+                <a:ea typeface="メイリオ" panose="020B0604030504040204" pitchFamily="50" charset="-128"/>
+                <a:cs typeface="メイリオ" panose="020B0604030504040204" pitchFamily="50" charset="-128"/>
+              </a:rPr>
+              <a:t>株式部</a:t>
+            </a:r>
+            <a:r>
+              <a:rPr kumimoji="1" lang="en-US" altLang="ja-JP" sz="1000" dirty="0">
+                <a:solidFill>
+                  <a:schemeClr val="tx1"/>
+                </a:solidFill>
+                <a:latin typeface="メイリオ" panose="020B0604030504040204" pitchFamily="50" charset="-128"/>
+                <a:ea typeface="メイリオ" panose="020B0604030504040204" pitchFamily="50" charset="-128"/>
+                <a:cs typeface="メイリオ" panose="020B0604030504040204" pitchFamily="50" charset="-128"/>
+              </a:rPr>
+              <a:t>HF</a:t>
+            </a:r>
+            <a:r>
+              <a:rPr kumimoji="1" lang="ja-JP" altLang="en-US" sz="1000" dirty="0">
+                <a:solidFill>
+                  <a:schemeClr val="tx1"/>
+                </a:solidFill>
+                <a:latin typeface="メイリオ" panose="020B0604030504040204" pitchFamily="50" charset="-128"/>
+                <a:ea typeface="メイリオ" panose="020B0604030504040204" pitchFamily="50" charset="-128"/>
+                <a:cs typeface="メイリオ" panose="020B0604030504040204" pitchFamily="50" charset="-128"/>
+              </a:rPr>
+              <a:t>：リスクプレミアファンド投資</a:t>
+            </a:r>
+            <a:endParaRPr kumimoji="1" lang="en-US" altLang="ja-JP" sz="1000" dirty="0">
+              <a:solidFill>
+                <a:schemeClr val="tx1"/>
+              </a:solidFill>
+              <a:latin typeface="メイリオ" panose="020B0604030504040204" pitchFamily="50" charset="-128"/>
+              <a:ea typeface="メイリオ" panose="020B0604030504040204" pitchFamily="50" charset="-128"/>
+              <a:cs typeface="メイリオ" panose="020B0604030504040204" pitchFamily="50" charset="-128"/>
+            </a:endParaRPr>
+          </a:p>
+          <a:p>
+            <a:pPr algn="ctr"/>
+            <a:r>
+              <a:rPr kumimoji="1" lang="ja-JP" altLang="en-US" sz="1000" dirty="0">
+                <a:solidFill>
+                  <a:schemeClr val="tx1"/>
+                </a:solidFill>
+                <a:latin typeface="メイリオ" panose="020B0604030504040204" pitchFamily="50" charset="-128"/>
+                <a:ea typeface="メイリオ" panose="020B0604030504040204" pitchFamily="50" charset="-128"/>
+                <a:cs typeface="メイリオ" panose="020B0604030504040204" pitchFamily="50" charset="-128"/>
+              </a:rPr>
+              <a:t>株式部欧州株：ファクターティルト戦略</a:t>
+            </a:r>
+          </a:p>
+        </p:txBody>
+      </p:sp>
+      <p:sp>
+        <p:nvSpPr>
+          <p:cNvPr id="23" name="正方形/長方形 22">
+            <a:extLst>
+              <a:ext uri="{FF2B5EF4-FFF2-40B4-BE49-F238E27FC236}">
+                <a16:creationId xmlns:a16="http://schemas.microsoft.com/office/drawing/2014/main" id="{36E645F6-B5D3-4670-9AAE-781D8AAD77EC}"/>
+              </a:ext>
+            </a:extLst>
+          </p:cNvPr>
+          <p:cNvSpPr/>
+          <p:nvPr/>
+        </p:nvSpPr>
+        <p:spPr>
+          <a:xfrm>
+            <a:off x="7226000" y="3297639"/>
+            <a:ext cx="1587800" cy="756000"/>
+          </a:xfrm>
+          <a:prstGeom prst="rect">
+            <a:avLst/>
+          </a:prstGeom>
+          <a:solidFill>
+            <a:schemeClr val="bg1">
+              <a:lumMod val="85000"/>
+              <a:alpha val="70000"/>
+            </a:schemeClr>
+          </a:solidFill>
+          <a:ln>
+            <a:noFill/>
+          </a:ln>
+        </p:spPr>
+        <p:style>
+          <a:lnRef idx="2">
+            <a:schemeClr val="accent1">
+              <a:shade val="50000"/>
+            </a:schemeClr>
+          </a:lnRef>
+          <a:fillRef idx="1">
+            <a:schemeClr val="accent1"/>
+          </a:fillRef>
+          <a:effectRef idx="0">
+            <a:schemeClr val="accent1"/>
+          </a:effectRef>
+          <a:fontRef idx="minor">
+            <a:schemeClr val="lt1"/>
+          </a:fontRef>
+        </p:style>
+        <p:txBody>
+          <a:bodyPr rtlCol="0" anchor="ctr"/>
+          <a:lstStyle/>
+          <a:p>
+            <a:pPr algn="ctr"/>
+            <a:r>
+              <a:rPr kumimoji="1" lang="ja-JP" altLang="en-US" sz="1000" dirty="0" err="1">
+                <a:solidFill>
+                  <a:schemeClr val="tx1"/>
+                </a:solidFill>
+                <a:latin typeface="メイリオ" panose="020B0604030504040204" pitchFamily="50" charset="-128"/>
+                <a:ea typeface="メイリオ" panose="020B0604030504040204" pitchFamily="50" charset="-128"/>
+                <a:cs typeface="メイリオ" panose="020B0604030504040204" pitchFamily="50" charset="-128"/>
+              </a:rPr>
+              <a:t>ー</a:t>
+            </a:r>
+            <a:endParaRPr kumimoji="1" lang="ja-JP" altLang="en-US" sz="1000" dirty="0">
+              <a:solidFill>
+                <a:schemeClr val="tx1"/>
+              </a:solidFill>
+              <a:latin typeface="メイリオ" panose="020B0604030504040204" pitchFamily="50" charset="-128"/>
+              <a:ea typeface="メイリオ" panose="020B0604030504040204" pitchFamily="50" charset="-128"/>
+              <a:cs typeface="メイリオ" panose="020B0604030504040204" pitchFamily="50" charset="-128"/>
+            </a:endParaRPr>
+          </a:p>
+        </p:txBody>
+      </p:sp>
+      <p:sp>
+        <p:nvSpPr>
+          <p:cNvPr id="24" name="正方形/長方形 23">
+            <a:extLst>
+              <a:ext uri="{FF2B5EF4-FFF2-40B4-BE49-F238E27FC236}">
+                <a16:creationId xmlns:a16="http://schemas.microsoft.com/office/drawing/2014/main" id="{AE01DA38-866E-49D2-959D-FB9DDA962EFD}"/>
+              </a:ext>
+            </a:extLst>
+          </p:cNvPr>
+          <p:cNvSpPr/>
+          <p:nvPr/>
+        </p:nvSpPr>
+        <p:spPr>
+          <a:xfrm>
+            <a:off x="7238700" y="4115852"/>
+            <a:ext cx="1587800" cy="756000"/>
+          </a:xfrm>
+          <a:prstGeom prst="rect">
+            <a:avLst/>
+          </a:prstGeom>
+          <a:solidFill>
+            <a:schemeClr val="bg1">
+              <a:lumMod val="85000"/>
+              <a:alpha val="70000"/>
+            </a:schemeClr>
+          </a:solidFill>
+          <a:ln>
+            <a:noFill/>
+          </a:ln>
+        </p:spPr>
+        <p:style>
+          <a:lnRef idx="2">
+            <a:schemeClr val="accent1">
+              <a:shade val="50000"/>
+            </a:schemeClr>
+          </a:lnRef>
+          <a:fillRef idx="1">
+            <a:schemeClr val="accent1"/>
+          </a:fillRef>
+          <a:effectRef idx="0">
+            <a:schemeClr val="accent1"/>
+          </a:effectRef>
+          <a:fontRef idx="minor">
+            <a:schemeClr val="lt1"/>
+          </a:fontRef>
+        </p:style>
+        <p:txBody>
+          <a:bodyPr rtlCol="0" anchor="ctr"/>
+          <a:lstStyle/>
+          <a:p>
+            <a:pPr algn="ctr"/>
+            <a:r>
+              <a:rPr kumimoji="1" lang="en-US" altLang="ja-JP" sz="1000" dirty="0">
+                <a:solidFill>
+                  <a:schemeClr val="tx1"/>
+                </a:solidFill>
+                <a:latin typeface="メイリオ" panose="020B0604030504040204" pitchFamily="50" charset="-128"/>
+                <a:ea typeface="メイリオ" panose="020B0604030504040204" pitchFamily="50" charset="-128"/>
+                <a:cs typeface="メイリオ" panose="020B0604030504040204" pitchFamily="50" charset="-128"/>
+              </a:rPr>
+              <a:t>(HFI</a:t>
+            </a:r>
+            <a:r>
+              <a:rPr kumimoji="1" lang="ja-JP" altLang="en-US" sz="1000" dirty="0">
+                <a:solidFill>
+                  <a:schemeClr val="tx1"/>
+                </a:solidFill>
+                <a:latin typeface="メイリオ" panose="020B0604030504040204" pitchFamily="50" charset="-128"/>
+                <a:ea typeface="メイリオ" panose="020B0604030504040204" pitchFamily="50" charset="-128"/>
+                <a:cs typeface="メイリオ" panose="020B0604030504040204" pitchFamily="50" charset="-128"/>
+              </a:rPr>
+              <a:t>のファクター分析 </a:t>
+            </a:r>
+            <a:r>
+              <a:rPr kumimoji="1" lang="en-US" altLang="ja-JP" sz="1000" dirty="0">
+                <a:solidFill>
+                  <a:schemeClr val="tx1"/>
+                </a:solidFill>
+                <a:latin typeface="メイリオ" panose="020B0604030504040204" pitchFamily="50" charset="-128"/>
+                <a:ea typeface="メイリオ" panose="020B0604030504040204" pitchFamily="50" charset="-128"/>
+                <a:cs typeface="メイリオ" panose="020B0604030504040204" pitchFamily="50" charset="-128"/>
+              </a:rPr>
+              <a:t>[4.2</a:t>
+            </a:r>
+            <a:r>
+              <a:rPr kumimoji="1" lang="ja-JP" altLang="en-US" sz="1000" dirty="0">
+                <a:solidFill>
+                  <a:schemeClr val="tx1"/>
+                </a:solidFill>
+                <a:latin typeface="メイリオ" panose="020B0604030504040204" pitchFamily="50" charset="-128"/>
+                <a:ea typeface="メイリオ" panose="020B0604030504040204" pitchFamily="50" charset="-128"/>
+                <a:cs typeface="メイリオ" panose="020B0604030504040204" pitchFamily="50" charset="-128"/>
+              </a:rPr>
+              <a:t>節</a:t>
+            </a:r>
+            <a:r>
+              <a:rPr kumimoji="1" lang="en-US" altLang="ja-JP" sz="1000" dirty="0">
+                <a:solidFill>
+                  <a:schemeClr val="tx1"/>
+                </a:solidFill>
+                <a:latin typeface="メイリオ" panose="020B0604030504040204" pitchFamily="50" charset="-128"/>
+                <a:ea typeface="メイリオ" panose="020B0604030504040204" pitchFamily="50" charset="-128"/>
+                <a:cs typeface="メイリオ" panose="020B0604030504040204" pitchFamily="50" charset="-128"/>
+              </a:rPr>
+              <a:t>])</a:t>
+            </a:r>
+            <a:endParaRPr kumimoji="1" lang="ja-JP" altLang="en-US" sz="1000" dirty="0">
+              <a:solidFill>
+                <a:schemeClr val="tx1"/>
+              </a:solidFill>
+              <a:latin typeface="メイリオ" panose="020B0604030504040204" pitchFamily="50" charset="-128"/>
+              <a:ea typeface="メイリオ" panose="020B0604030504040204" pitchFamily="50" charset="-128"/>
+              <a:cs typeface="メイリオ" panose="020B0604030504040204" pitchFamily="50" charset="-128"/>
+            </a:endParaRPr>
+          </a:p>
+        </p:txBody>
+      </p:sp>
+      <p:sp>
+        <p:nvSpPr>
+          <p:cNvPr id="25" name="正方形/長方形 24">
+            <a:extLst>
+              <a:ext uri="{FF2B5EF4-FFF2-40B4-BE49-F238E27FC236}">
+                <a16:creationId xmlns:a16="http://schemas.microsoft.com/office/drawing/2014/main" id="{83495E3A-4182-4C00-AC9B-2E6AF6A808BF}"/>
+              </a:ext>
+            </a:extLst>
+          </p:cNvPr>
+          <p:cNvSpPr/>
+          <p:nvPr/>
+        </p:nvSpPr>
+        <p:spPr>
+          <a:xfrm>
+            <a:off x="7226000" y="4958729"/>
+            <a:ext cx="1587800" cy="756000"/>
+          </a:xfrm>
+          <a:prstGeom prst="rect">
+            <a:avLst/>
+          </a:prstGeom>
+          <a:solidFill>
+            <a:schemeClr val="bg1">
+              <a:lumMod val="85000"/>
+              <a:alpha val="70000"/>
+            </a:schemeClr>
+          </a:solidFill>
+          <a:ln>
+            <a:noFill/>
+          </a:ln>
+        </p:spPr>
+        <p:style>
+          <a:lnRef idx="2">
+            <a:schemeClr val="accent1">
+              <a:shade val="50000"/>
+            </a:schemeClr>
+          </a:lnRef>
+          <a:fillRef idx="1">
+            <a:schemeClr val="accent1"/>
+          </a:fillRef>
+          <a:effectRef idx="0">
+            <a:schemeClr val="accent1"/>
+          </a:effectRef>
+          <a:fontRef idx="minor">
+            <a:schemeClr val="lt1"/>
+          </a:fontRef>
+        </p:style>
+        <p:txBody>
+          <a:bodyPr rtlCol="0" anchor="ctr"/>
+          <a:lstStyle/>
+          <a:p>
+            <a:pPr algn="ctr"/>
+            <a:r>
+              <a:rPr kumimoji="1" lang="ja-JP" altLang="en-US" sz="1000" dirty="0" err="1">
+                <a:solidFill>
+                  <a:schemeClr val="tx1"/>
+                </a:solidFill>
+                <a:latin typeface="メイリオ" panose="020B0604030504040204" pitchFamily="50" charset="-128"/>
+                <a:ea typeface="メイリオ" panose="020B0604030504040204" pitchFamily="50" charset="-128"/>
+                <a:cs typeface="メイリオ" panose="020B0604030504040204" pitchFamily="50" charset="-128"/>
+              </a:rPr>
+              <a:t>ー</a:t>
+            </a:r>
+            <a:endParaRPr kumimoji="1" lang="ja-JP" altLang="en-US" sz="1000" dirty="0">
+              <a:solidFill>
+                <a:schemeClr val="tx1"/>
+              </a:solidFill>
+              <a:latin typeface="メイリオ" panose="020B0604030504040204" pitchFamily="50" charset="-128"/>
+              <a:ea typeface="メイリオ" panose="020B0604030504040204" pitchFamily="50" charset="-128"/>
+              <a:cs typeface="メイリオ" panose="020B0604030504040204" pitchFamily="50" charset="-128"/>
+            </a:endParaRPr>
+          </a:p>
+        </p:txBody>
+      </p:sp>
+      <p:sp>
+        <p:nvSpPr>
+          <p:cNvPr id="26" name="正方形/長方形 25">
+            <a:extLst>
+              <a:ext uri="{FF2B5EF4-FFF2-40B4-BE49-F238E27FC236}">
+                <a16:creationId xmlns:a16="http://schemas.microsoft.com/office/drawing/2014/main" id="{8A4D83BC-4973-40D7-8F7C-124E1598D229}"/>
+              </a:ext>
+            </a:extLst>
+          </p:cNvPr>
+          <p:cNvSpPr/>
+          <p:nvPr/>
+        </p:nvSpPr>
+        <p:spPr>
+          <a:xfrm>
+            <a:off x="7226000" y="5789274"/>
+            <a:ext cx="1587800" cy="756000"/>
+          </a:xfrm>
+          <a:prstGeom prst="rect">
+            <a:avLst/>
+          </a:prstGeom>
+          <a:solidFill>
+            <a:schemeClr val="bg1">
+              <a:lumMod val="85000"/>
+              <a:alpha val="70000"/>
+            </a:schemeClr>
+          </a:solidFill>
+          <a:ln>
+            <a:noFill/>
+          </a:ln>
+        </p:spPr>
+        <p:style>
+          <a:lnRef idx="2">
+            <a:schemeClr val="accent1">
+              <a:shade val="50000"/>
+            </a:schemeClr>
+          </a:lnRef>
+          <a:fillRef idx="1">
+            <a:schemeClr val="accent1"/>
+          </a:fillRef>
+          <a:effectRef idx="0">
+            <a:schemeClr val="accent1"/>
+          </a:effectRef>
+          <a:fontRef idx="minor">
+            <a:schemeClr val="lt1"/>
+          </a:fontRef>
+        </p:style>
+        <p:txBody>
+          <a:bodyPr rtlCol="0" anchor="ctr"/>
+          <a:lstStyle/>
+          <a:p>
+            <a:pPr algn="ctr"/>
+            <a:r>
+              <a:rPr kumimoji="1" lang="en-US" altLang="ja-JP" sz="1000" dirty="0">
+                <a:solidFill>
+                  <a:schemeClr val="tx1"/>
+                </a:solidFill>
+                <a:latin typeface="メイリオ" panose="020B0604030504040204" pitchFamily="50" charset="-128"/>
+                <a:ea typeface="メイリオ" panose="020B0604030504040204" pitchFamily="50" charset="-128"/>
+                <a:cs typeface="メイリオ" panose="020B0604030504040204" pitchFamily="50" charset="-128"/>
+              </a:rPr>
+              <a:t>(</a:t>
+            </a:r>
+            <a:r>
+              <a:rPr kumimoji="1" lang="ja-JP" altLang="en-US" sz="1000" dirty="0">
+                <a:solidFill>
+                  <a:schemeClr val="tx1"/>
+                </a:solidFill>
+                <a:latin typeface="メイリオ" panose="020B0604030504040204" pitchFamily="50" charset="-128"/>
+                <a:ea typeface="メイリオ" panose="020B0604030504040204" pitchFamily="50" charset="-128"/>
+                <a:cs typeface="メイリオ" panose="020B0604030504040204" pitchFamily="50" charset="-128"/>
+              </a:rPr>
+              <a:t>単年度</a:t>
+            </a:r>
+            <a:r>
+              <a:rPr kumimoji="1" lang="en-US" altLang="ja-JP" sz="1000" dirty="0">
+                <a:solidFill>
+                  <a:schemeClr val="tx1"/>
+                </a:solidFill>
+                <a:latin typeface="メイリオ" panose="020B0604030504040204" pitchFamily="50" charset="-128"/>
+                <a:ea typeface="メイリオ" panose="020B0604030504040204" pitchFamily="50" charset="-128"/>
+                <a:cs typeface="メイリオ" panose="020B0604030504040204" pitchFamily="50" charset="-128"/>
+              </a:rPr>
+              <a:t>AA</a:t>
+            </a:r>
+            <a:r>
+              <a:rPr kumimoji="1" lang="ja-JP" altLang="en-US" sz="1000" dirty="0">
+                <a:solidFill>
+                  <a:schemeClr val="tx1"/>
+                </a:solidFill>
+                <a:latin typeface="メイリオ" panose="020B0604030504040204" pitchFamily="50" charset="-128"/>
+                <a:ea typeface="メイリオ" panose="020B0604030504040204" pitchFamily="50" charset="-128"/>
+                <a:cs typeface="メイリオ" panose="020B0604030504040204" pitchFamily="50" charset="-128"/>
+              </a:rPr>
+              <a:t>策定に</a:t>
+            </a:r>
+            <a:endParaRPr kumimoji="1" lang="en-US" altLang="ja-JP" sz="1000" dirty="0">
+              <a:solidFill>
+                <a:schemeClr val="tx1"/>
+              </a:solidFill>
+              <a:latin typeface="メイリオ" panose="020B0604030504040204" pitchFamily="50" charset="-128"/>
+              <a:ea typeface="メイリオ" panose="020B0604030504040204" pitchFamily="50" charset="-128"/>
+              <a:cs typeface="メイリオ" panose="020B0604030504040204" pitchFamily="50" charset="-128"/>
+            </a:endParaRPr>
+          </a:p>
+          <a:p>
+            <a:pPr algn="ctr"/>
+            <a:r>
+              <a:rPr kumimoji="1" lang="ja-JP" altLang="en-US" sz="1000" dirty="0">
+                <a:solidFill>
+                  <a:schemeClr val="tx1"/>
+                </a:solidFill>
+                <a:latin typeface="メイリオ" panose="020B0604030504040204" pitchFamily="50" charset="-128"/>
+                <a:ea typeface="メイリオ" panose="020B0604030504040204" pitchFamily="50" charset="-128"/>
+                <a:cs typeface="メイリオ" panose="020B0604030504040204" pitchFamily="50" charset="-128"/>
+              </a:rPr>
+              <a:t>おける活用</a:t>
+            </a:r>
+            <a:r>
+              <a:rPr kumimoji="1" lang="en-US" altLang="ja-JP" sz="1000" dirty="0">
+                <a:solidFill>
+                  <a:schemeClr val="tx1"/>
+                </a:solidFill>
+                <a:latin typeface="メイリオ" panose="020B0604030504040204" pitchFamily="50" charset="-128"/>
+                <a:ea typeface="メイリオ" panose="020B0604030504040204" pitchFamily="50" charset="-128"/>
+                <a:cs typeface="メイリオ" panose="020B0604030504040204" pitchFamily="50" charset="-128"/>
+              </a:rPr>
+              <a:t>[4.4</a:t>
+            </a:r>
+            <a:r>
+              <a:rPr kumimoji="1" lang="ja-JP" altLang="en-US" sz="1000" dirty="0">
+                <a:solidFill>
+                  <a:schemeClr val="tx1"/>
+                </a:solidFill>
+                <a:latin typeface="メイリオ" panose="020B0604030504040204" pitchFamily="50" charset="-128"/>
+                <a:ea typeface="メイリオ" panose="020B0604030504040204" pitchFamily="50" charset="-128"/>
+                <a:cs typeface="メイリオ" panose="020B0604030504040204" pitchFamily="50" charset="-128"/>
+              </a:rPr>
+              <a:t>節</a:t>
+            </a:r>
+            <a:r>
+              <a:rPr kumimoji="1" lang="en-US" altLang="ja-JP" sz="1000" dirty="0">
+                <a:solidFill>
+                  <a:schemeClr val="tx1"/>
+                </a:solidFill>
+                <a:latin typeface="メイリオ" panose="020B0604030504040204" pitchFamily="50" charset="-128"/>
+                <a:ea typeface="メイリオ" panose="020B0604030504040204" pitchFamily="50" charset="-128"/>
+                <a:cs typeface="メイリオ" panose="020B0604030504040204" pitchFamily="50" charset="-128"/>
+              </a:rPr>
+              <a:t>])</a:t>
+            </a:r>
+            <a:endParaRPr kumimoji="1" lang="ja-JP" altLang="en-US" sz="1000" dirty="0">
+              <a:solidFill>
+                <a:schemeClr val="tx1"/>
+              </a:solidFill>
+              <a:latin typeface="メイリオ" panose="020B0604030504040204" pitchFamily="50" charset="-128"/>
+              <a:ea typeface="メイリオ" panose="020B0604030504040204" pitchFamily="50" charset="-128"/>
+              <a:cs typeface="メイリオ" panose="020B0604030504040204" pitchFamily="50" charset="-128"/>
+            </a:endParaRPr>
+          </a:p>
+        </p:txBody>
+      </p:sp>
+      <p:sp>
+        <p:nvSpPr>
+          <p:cNvPr id="27" name="正方形/長方形 26">
+            <a:extLst>
+              <a:ext uri="{FF2B5EF4-FFF2-40B4-BE49-F238E27FC236}">
+                <a16:creationId xmlns:a16="http://schemas.microsoft.com/office/drawing/2014/main" id="{90DFEEE6-2313-4096-970E-783473C4CBEE}"/>
+              </a:ext>
+            </a:extLst>
+          </p:cNvPr>
+          <p:cNvSpPr/>
+          <p:nvPr/>
+        </p:nvSpPr>
+        <p:spPr>
+          <a:xfrm>
+            <a:off x="4876800" y="2457799"/>
+            <a:ext cx="481500" cy="3256930"/>
+          </a:xfrm>
+          <a:prstGeom prst="rect">
+            <a:avLst/>
+          </a:prstGeom>
+          <a:solidFill>
+            <a:schemeClr val="accent1">
+              <a:alpha val="70000"/>
+            </a:schemeClr>
+          </a:solidFill>
+          <a:ln>
+            <a:noFill/>
+          </a:ln>
+        </p:spPr>
+        <p:style>
+          <a:lnRef idx="2">
+            <a:schemeClr val="accent1">
+              <a:shade val="50000"/>
+            </a:schemeClr>
+          </a:lnRef>
+          <a:fillRef idx="1">
+            <a:schemeClr val="accent1"/>
+          </a:fillRef>
+          <a:effectRef idx="0">
+            <a:schemeClr val="accent1"/>
+          </a:effectRef>
+          <a:fontRef idx="minor">
+            <a:schemeClr val="lt1"/>
+          </a:fontRef>
+        </p:style>
+        <p:txBody>
+          <a:bodyPr rtlCol="0" anchor="ctr"/>
+          <a:lstStyle/>
+          <a:p>
+            <a:pPr algn="ctr"/>
+            <a:r>
+              <a:rPr kumimoji="1" lang="ja-JP" altLang="en-US" sz="1000" b="1" dirty="0">
+                <a:solidFill>
+                  <a:schemeClr val="tx1"/>
+                </a:solidFill>
+                <a:latin typeface="メイリオ" panose="020B0604030504040204" pitchFamily="50" charset="-128"/>
+                <a:ea typeface="メイリオ" panose="020B0604030504040204" pitchFamily="50" charset="-128"/>
+                <a:cs typeface="メイリオ" panose="020B0604030504040204" pitchFamily="50" charset="-128"/>
+              </a:rPr>
+              <a:t>運用</a:t>
+            </a:r>
+            <a:endParaRPr kumimoji="1" lang="en-US" altLang="ja-JP" sz="1000" b="1" dirty="0">
+              <a:solidFill>
+                <a:schemeClr val="tx1"/>
+              </a:solidFill>
+              <a:latin typeface="メイリオ" panose="020B0604030504040204" pitchFamily="50" charset="-128"/>
+              <a:ea typeface="メイリオ" panose="020B0604030504040204" pitchFamily="50" charset="-128"/>
+              <a:cs typeface="メイリオ" panose="020B0604030504040204" pitchFamily="50" charset="-128"/>
+            </a:endParaRPr>
+          </a:p>
+          <a:p>
+            <a:pPr algn="ctr"/>
+            <a:r>
+              <a:rPr kumimoji="1" lang="ja-JP" altLang="en-US" sz="1000" b="1" dirty="0">
+                <a:solidFill>
+                  <a:schemeClr val="tx1"/>
+                </a:solidFill>
+                <a:latin typeface="メイリオ" panose="020B0604030504040204" pitchFamily="50" charset="-128"/>
+                <a:ea typeface="メイリオ" panose="020B0604030504040204" pitchFamily="50" charset="-128"/>
+                <a:cs typeface="メイリオ" panose="020B0604030504040204" pitchFamily="50" charset="-128"/>
+              </a:rPr>
+              <a:t>戦略</a:t>
+            </a:r>
+          </a:p>
+        </p:txBody>
+      </p:sp>
+      <p:sp>
+        <p:nvSpPr>
+          <p:cNvPr id="28" name="正方形/長方形 27">
+            <a:extLst>
+              <a:ext uri="{FF2B5EF4-FFF2-40B4-BE49-F238E27FC236}">
+                <a16:creationId xmlns:a16="http://schemas.microsoft.com/office/drawing/2014/main" id="{7C5C50AB-E1CC-492C-8FF2-4745EB4EDCF2}"/>
+              </a:ext>
+            </a:extLst>
+          </p:cNvPr>
+          <p:cNvSpPr/>
+          <p:nvPr/>
+        </p:nvSpPr>
+        <p:spPr>
+          <a:xfrm>
+            <a:off x="228300" y="312726"/>
+            <a:ext cx="2235800" cy="433898"/>
+          </a:xfrm>
+          <a:prstGeom prst="rect">
+            <a:avLst/>
+          </a:prstGeom>
+          <a:solidFill>
+            <a:schemeClr val="tx1">
+              <a:lumMod val="75000"/>
+              <a:lumOff val="25000"/>
+            </a:schemeClr>
+          </a:solidFill>
+          <a:ln>
+            <a:noFill/>
+          </a:ln>
+        </p:spPr>
+        <p:style>
+          <a:lnRef idx="2">
+            <a:schemeClr val="accent1">
+              <a:shade val="50000"/>
+            </a:schemeClr>
+          </a:lnRef>
+          <a:fillRef idx="1">
+            <a:schemeClr val="accent1"/>
+          </a:fillRef>
+          <a:effectRef idx="0">
+            <a:schemeClr val="accent1"/>
+          </a:effectRef>
+          <a:fontRef idx="minor">
+            <a:schemeClr val="lt1"/>
+          </a:fontRef>
+        </p:style>
+        <p:txBody>
+          <a:bodyPr rtlCol="0" anchor="ctr"/>
+          <a:lstStyle/>
+          <a:p>
+            <a:pPr algn="ctr"/>
+            <a:r>
+              <a:rPr kumimoji="1" lang="ja-JP" altLang="en-US" sz="1000" b="1" dirty="0">
+                <a:latin typeface="メイリオ" panose="020B0604030504040204" pitchFamily="50" charset="-128"/>
+                <a:ea typeface="メイリオ" panose="020B0604030504040204" pitchFamily="50" charset="-128"/>
+                <a:cs typeface="メイリオ" panose="020B0604030504040204" pitchFamily="50" charset="-128"/>
+              </a:rPr>
+              <a:t>ファクター名称</a:t>
+            </a:r>
+            <a:endParaRPr kumimoji="1" lang="en-US" altLang="ja-JP" sz="1000" b="1" dirty="0">
+              <a:latin typeface="メイリオ" panose="020B0604030504040204" pitchFamily="50" charset="-128"/>
+              <a:ea typeface="メイリオ" panose="020B0604030504040204" pitchFamily="50" charset="-128"/>
+              <a:cs typeface="メイリオ" panose="020B0604030504040204" pitchFamily="50" charset="-128"/>
+            </a:endParaRPr>
+          </a:p>
+        </p:txBody>
+      </p:sp>
+      <p:sp>
+        <p:nvSpPr>
+          <p:cNvPr id="29" name="正方形/長方形 28">
+            <a:extLst>
+              <a:ext uri="{FF2B5EF4-FFF2-40B4-BE49-F238E27FC236}">
+                <a16:creationId xmlns:a16="http://schemas.microsoft.com/office/drawing/2014/main" id="{FFB12FE0-EC27-4B30-85B4-18F44FC721C1}"/>
+              </a:ext>
+            </a:extLst>
+          </p:cNvPr>
+          <p:cNvSpPr/>
+          <p:nvPr/>
+        </p:nvSpPr>
+        <p:spPr>
+          <a:xfrm>
+            <a:off x="2527600" y="312726"/>
+            <a:ext cx="2285700" cy="433898"/>
+          </a:xfrm>
+          <a:prstGeom prst="rect">
+            <a:avLst/>
+          </a:prstGeom>
+          <a:solidFill>
+            <a:schemeClr val="tx1">
+              <a:lumMod val="75000"/>
+              <a:lumOff val="25000"/>
+            </a:schemeClr>
+          </a:solidFill>
+          <a:ln>
+            <a:noFill/>
+          </a:ln>
+        </p:spPr>
+        <p:style>
+          <a:lnRef idx="2">
+            <a:schemeClr val="accent1">
+              <a:shade val="50000"/>
+            </a:schemeClr>
+          </a:lnRef>
+          <a:fillRef idx="1">
+            <a:schemeClr val="accent1"/>
+          </a:fillRef>
+          <a:effectRef idx="0">
+            <a:schemeClr val="accent1"/>
+          </a:effectRef>
+          <a:fontRef idx="minor">
+            <a:schemeClr val="lt1"/>
+          </a:fontRef>
+        </p:style>
+        <p:txBody>
+          <a:bodyPr rtlCol="0" anchor="ctr"/>
+          <a:lstStyle/>
+          <a:p>
+            <a:pPr algn="ctr"/>
+            <a:r>
+              <a:rPr kumimoji="1" lang="ja-JP" altLang="en-US" sz="1000" b="1" dirty="0">
+                <a:latin typeface="メイリオ" panose="020B0604030504040204" pitchFamily="50" charset="-128"/>
+                <a:ea typeface="メイリオ" panose="020B0604030504040204" pitchFamily="50" charset="-128"/>
+                <a:cs typeface="メイリオ" panose="020B0604030504040204" pitchFamily="50" charset="-128"/>
+              </a:rPr>
+              <a:t>資産運用への活用における</a:t>
+            </a:r>
+            <a:br>
+              <a:rPr kumimoji="1" lang="en-US" altLang="ja-JP" sz="1000" b="1" dirty="0">
+                <a:latin typeface="メイリオ" panose="020B0604030504040204" pitchFamily="50" charset="-128"/>
+                <a:ea typeface="メイリオ" panose="020B0604030504040204" pitchFamily="50" charset="-128"/>
+                <a:cs typeface="メイリオ" panose="020B0604030504040204" pitchFamily="50" charset="-128"/>
+              </a:rPr>
+            </a:br>
+            <a:r>
+              <a:rPr kumimoji="1" lang="ja-JP" altLang="en-US" sz="1000" b="1" dirty="0">
+                <a:latin typeface="メイリオ" panose="020B0604030504040204" pitchFamily="50" charset="-128"/>
+                <a:ea typeface="メイリオ" panose="020B0604030504040204" pitchFamily="50" charset="-128"/>
+                <a:cs typeface="メイリオ" panose="020B0604030504040204" pitchFamily="50" charset="-128"/>
+              </a:rPr>
+              <a:t>利点</a:t>
+            </a:r>
+            <a:r>
+              <a:rPr kumimoji="1" lang="en-US" altLang="ja-JP" sz="1000" b="1" dirty="0">
+                <a:latin typeface="メイリオ" panose="020B0604030504040204" pitchFamily="50" charset="-128"/>
+                <a:ea typeface="メイリオ" panose="020B0604030504040204" pitchFamily="50" charset="-128"/>
+                <a:cs typeface="メイリオ" panose="020B0604030504040204" pitchFamily="50" charset="-128"/>
+              </a:rPr>
+              <a:t>/</a:t>
+            </a:r>
+            <a:r>
+              <a:rPr kumimoji="1" lang="ja-JP" altLang="en-US" sz="1000" b="1" dirty="0">
+                <a:latin typeface="メイリオ" panose="020B0604030504040204" pitchFamily="50" charset="-128"/>
+                <a:ea typeface="メイリオ" panose="020B0604030504040204" pitchFamily="50" charset="-128"/>
+                <a:cs typeface="メイリオ" panose="020B0604030504040204" pitchFamily="50" charset="-128"/>
+              </a:rPr>
+              <a:t>欠点</a:t>
+            </a:r>
+            <a:endParaRPr kumimoji="1" lang="en-US" altLang="ja-JP" sz="1000" b="1" dirty="0">
+              <a:latin typeface="メイリオ" panose="020B0604030504040204" pitchFamily="50" charset="-128"/>
+              <a:ea typeface="メイリオ" panose="020B0604030504040204" pitchFamily="50" charset="-128"/>
+              <a:cs typeface="メイリオ" panose="020B0604030504040204" pitchFamily="50" charset="-128"/>
+            </a:endParaRPr>
+          </a:p>
+        </p:txBody>
+      </p:sp>
+      <p:sp>
+        <p:nvSpPr>
+          <p:cNvPr id="30" name="正方形/長方形 29">
+            <a:extLst>
+              <a:ext uri="{FF2B5EF4-FFF2-40B4-BE49-F238E27FC236}">
+                <a16:creationId xmlns:a16="http://schemas.microsoft.com/office/drawing/2014/main" id="{D127DBB6-0547-4930-9841-21B9106B538B}"/>
+              </a:ext>
+            </a:extLst>
+          </p:cNvPr>
+          <p:cNvSpPr/>
+          <p:nvPr/>
+        </p:nvSpPr>
+        <p:spPr>
+          <a:xfrm>
+            <a:off x="4876800" y="312726"/>
+            <a:ext cx="2285700" cy="433898"/>
+          </a:xfrm>
+          <a:prstGeom prst="rect">
+            <a:avLst/>
+          </a:prstGeom>
+          <a:solidFill>
+            <a:schemeClr val="tx1">
+              <a:lumMod val="75000"/>
+              <a:lumOff val="25000"/>
+            </a:schemeClr>
+          </a:solidFill>
+          <a:ln>
+            <a:noFill/>
+          </a:ln>
+        </p:spPr>
+        <p:style>
+          <a:lnRef idx="2">
+            <a:schemeClr val="accent1">
+              <a:shade val="50000"/>
+            </a:schemeClr>
+          </a:lnRef>
+          <a:fillRef idx="1">
+            <a:schemeClr val="accent1"/>
+          </a:fillRef>
+          <a:effectRef idx="0">
+            <a:schemeClr val="accent1"/>
+          </a:effectRef>
+          <a:fontRef idx="minor">
+            <a:schemeClr val="lt1"/>
+          </a:fontRef>
+        </p:style>
+        <p:txBody>
+          <a:bodyPr rtlCol="0" anchor="ctr"/>
+          <a:lstStyle/>
+          <a:p>
+            <a:pPr algn="ctr"/>
+            <a:r>
+              <a:rPr kumimoji="1" lang="ja-JP" altLang="en-US" sz="1100" b="1" dirty="0">
+                <a:latin typeface="メイリオ" panose="020B0604030504040204" pitchFamily="50" charset="-128"/>
+                <a:ea typeface="メイリオ" panose="020B0604030504040204" pitchFamily="50" charset="-128"/>
+                <a:cs typeface="メイリオ" panose="020B0604030504040204" pitchFamily="50" charset="-128"/>
+              </a:rPr>
+              <a:t>代表的用途</a:t>
+            </a:r>
+            <a:endParaRPr kumimoji="1" lang="en-US" altLang="ja-JP" sz="1100" b="1" dirty="0">
+              <a:latin typeface="メイリオ" panose="020B0604030504040204" pitchFamily="50" charset="-128"/>
+              <a:ea typeface="メイリオ" panose="020B0604030504040204" pitchFamily="50" charset="-128"/>
+              <a:cs typeface="メイリオ" panose="020B0604030504040204" pitchFamily="50" charset="-128"/>
+            </a:endParaRPr>
+          </a:p>
+        </p:txBody>
+      </p:sp>
+      <p:sp>
+        <p:nvSpPr>
+          <p:cNvPr id="31" name="正方形/長方形 30">
+            <a:extLst>
+              <a:ext uri="{FF2B5EF4-FFF2-40B4-BE49-F238E27FC236}">
+                <a16:creationId xmlns:a16="http://schemas.microsoft.com/office/drawing/2014/main" id="{8E37E653-85A2-4EDE-801C-8402AD7C48C4}"/>
+              </a:ext>
+            </a:extLst>
+          </p:cNvPr>
+          <p:cNvSpPr/>
+          <p:nvPr/>
+        </p:nvSpPr>
+        <p:spPr>
+          <a:xfrm>
+            <a:off x="7238700" y="312726"/>
+            <a:ext cx="1587800" cy="433898"/>
+          </a:xfrm>
+          <a:prstGeom prst="rect">
+            <a:avLst/>
+          </a:prstGeom>
+          <a:solidFill>
+            <a:schemeClr val="tx1">
+              <a:lumMod val="75000"/>
+              <a:lumOff val="25000"/>
+            </a:schemeClr>
+          </a:solidFill>
+          <a:ln>
+            <a:noFill/>
+          </a:ln>
+        </p:spPr>
+        <p:style>
+          <a:lnRef idx="2">
+            <a:schemeClr val="accent1">
+              <a:shade val="50000"/>
+            </a:schemeClr>
+          </a:lnRef>
+          <a:fillRef idx="1">
+            <a:schemeClr val="accent1"/>
+          </a:fillRef>
+          <a:effectRef idx="0">
+            <a:schemeClr val="accent1"/>
+          </a:effectRef>
+          <a:fontRef idx="minor">
+            <a:schemeClr val="lt1"/>
+          </a:fontRef>
+        </p:style>
+        <p:txBody>
+          <a:bodyPr rtlCol="0" anchor="ctr"/>
+          <a:lstStyle/>
+          <a:p>
+            <a:pPr algn="ctr"/>
+            <a:r>
+              <a:rPr kumimoji="1" lang="ja-JP" altLang="en-US" sz="1000" b="1" dirty="0">
+                <a:latin typeface="メイリオ" panose="020B0604030504040204" pitchFamily="50" charset="-128"/>
+                <a:ea typeface="メイリオ" panose="020B0604030504040204" pitchFamily="50" charset="-128"/>
+                <a:cs typeface="メイリオ" panose="020B0604030504040204" pitchFamily="50" charset="-128"/>
+              </a:rPr>
+              <a:t>当社取り組み </a:t>
+            </a:r>
+            <a:r>
+              <a:rPr kumimoji="1" lang="en-US" altLang="ja-JP" sz="1000" b="1" dirty="0">
+                <a:latin typeface="メイリオ" panose="020B0604030504040204" pitchFamily="50" charset="-128"/>
+                <a:ea typeface="メイリオ" panose="020B0604030504040204" pitchFamily="50" charset="-128"/>
+                <a:cs typeface="メイリオ" panose="020B0604030504040204" pitchFamily="50" charset="-128"/>
+              </a:rPr>
+              <a:t>/ </a:t>
+            </a:r>
+            <a:br>
+              <a:rPr kumimoji="1" lang="en-US" altLang="ja-JP" sz="1000" b="1" dirty="0">
+                <a:latin typeface="メイリオ" panose="020B0604030504040204" pitchFamily="50" charset="-128"/>
+                <a:ea typeface="メイリオ" panose="020B0604030504040204" pitchFamily="50" charset="-128"/>
+                <a:cs typeface="メイリオ" panose="020B0604030504040204" pitchFamily="50" charset="-128"/>
+              </a:rPr>
+            </a:br>
+            <a:r>
+              <a:rPr kumimoji="1" lang="en-US" altLang="ja-JP" sz="1000" b="1" dirty="0">
+                <a:latin typeface="メイリオ" panose="020B0604030504040204" pitchFamily="50" charset="-128"/>
+                <a:ea typeface="メイリオ" panose="020B0604030504040204" pitchFamily="50" charset="-128"/>
+                <a:cs typeface="メイリオ" panose="020B0604030504040204" pitchFamily="50" charset="-128"/>
+              </a:rPr>
+              <a:t>(</a:t>
+            </a:r>
+            <a:r>
+              <a:rPr kumimoji="1" lang="ja-JP" altLang="en-US" sz="1000" b="1" dirty="0">
+                <a:latin typeface="メイリオ" panose="020B0604030504040204" pitchFamily="50" charset="-128"/>
+                <a:ea typeface="メイリオ" panose="020B0604030504040204" pitchFamily="50" charset="-128"/>
+                <a:cs typeface="メイリオ" panose="020B0604030504040204" pitchFamily="50" charset="-128"/>
+              </a:rPr>
+              <a:t>本稿内の分析事例</a:t>
+            </a:r>
+            <a:r>
+              <a:rPr kumimoji="1" lang="en-US" altLang="ja-JP" sz="1000" b="1" dirty="0">
+                <a:latin typeface="メイリオ" panose="020B0604030504040204" pitchFamily="50" charset="-128"/>
+                <a:ea typeface="メイリオ" panose="020B0604030504040204" pitchFamily="50" charset="-128"/>
+                <a:cs typeface="メイリオ" panose="020B0604030504040204" pitchFamily="50" charset="-128"/>
+              </a:rPr>
+              <a:t>)</a:t>
+            </a:r>
+          </a:p>
+        </p:txBody>
+      </p:sp>
+      <p:sp>
+        <p:nvSpPr>
+          <p:cNvPr id="33" name="大かっこ 32">
+            <a:extLst>
+              <a:ext uri="{FF2B5EF4-FFF2-40B4-BE49-F238E27FC236}">
+                <a16:creationId xmlns:a16="http://schemas.microsoft.com/office/drawing/2014/main" id="{D8AD5CCC-E28B-4890-9EFF-BE6C51835FDC}"/>
+              </a:ext>
+            </a:extLst>
+          </p:cNvPr>
+          <p:cNvSpPr/>
+          <p:nvPr/>
+        </p:nvSpPr>
+        <p:spPr>
+          <a:xfrm>
+            <a:off x="317500" y="1760825"/>
+            <a:ext cx="851200" cy="510873"/>
+          </a:xfrm>
+          <a:prstGeom prst="bracketPair">
+            <a:avLst>
+              <a:gd name="adj" fmla="val 10369"/>
+            </a:avLst>
+          </a:prstGeom>
+          <a:ln>
+            <a:solidFill>
+              <a:schemeClr val="bg1"/>
+            </a:solidFill>
+          </a:ln>
+        </p:spPr>
+        <p:style>
+          <a:lnRef idx="1">
+            <a:schemeClr val="accent1"/>
+          </a:lnRef>
+          <a:fillRef idx="0">
+            <a:schemeClr val="accent1"/>
+          </a:fillRef>
+          <a:effectRef idx="0">
+            <a:schemeClr val="accent1"/>
+          </a:effectRef>
+          <a:fontRef idx="minor">
+            <a:schemeClr val="tx1"/>
+          </a:fontRef>
+        </p:style>
+        <p:txBody>
+          <a:bodyPr lIns="0" tIns="0" rIns="0" bIns="0" rtlCol="0" anchor="ctr"/>
+          <a:lstStyle/>
+          <a:p>
+            <a:pPr algn="ctr"/>
+            <a:r>
+              <a:rPr kumimoji="1" lang="ja-JP" altLang="en-US" sz="900" dirty="0">
+                <a:solidFill>
+                  <a:schemeClr val="bg1"/>
+                </a:solidFill>
+                <a:latin typeface="メイリオ" panose="020B0604030504040204" pitchFamily="50" charset="-128"/>
+                <a:ea typeface="メイリオ" panose="020B0604030504040204" pitchFamily="50" charset="-128"/>
+                <a:cs typeface="メイリオ" panose="020B0604030504040204" pitchFamily="50" charset="-128"/>
+              </a:rPr>
+              <a:t>マクロ経済的</a:t>
+            </a:r>
+            <a:endParaRPr kumimoji="1" lang="en-US" altLang="ja-JP" sz="900" dirty="0">
+              <a:solidFill>
+                <a:schemeClr val="bg1"/>
+              </a:solidFill>
+              <a:latin typeface="メイリオ" panose="020B0604030504040204" pitchFamily="50" charset="-128"/>
+              <a:ea typeface="メイリオ" panose="020B0604030504040204" pitchFamily="50" charset="-128"/>
+              <a:cs typeface="メイリオ" panose="020B0604030504040204" pitchFamily="50" charset="-128"/>
+            </a:endParaRPr>
+          </a:p>
+          <a:p>
+            <a:pPr algn="ctr"/>
+            <a:r>
+              <a:rPr kumimoji="1" lang="ja-JP" altLang="en-US" sz="900" dirty="0">
+                <a:solidFill>
+                  <a:schemeClr val="bg1"/>
+                </a:solidFill>
+                <a:latin typeface="メイリオ" panose="020B0604030504040204" pitchFamily="50" charset="-128"/>
+                <a:ea typeface="メイリオ" panose="020B0604030504040204" pitchFamily="50" charset="-128"/>
+                <a:cs typeface="メイリオ" panose="020B0604030504040204" pitchFamily="50" charset="-128"/>
+              </a:rPr>
+              <a:t>解釈を有する</a:t>
+            </a:r>
+            <a:endParaRPr kumimoji="1" lang="en-US" altLang="ja-JP" sz="900" dirty="0">
+              <a:solidFill>
+                <a:schemeClr val="bg1"/>
+              </a:solidFill>
+              <a:latin typeface="メイリオ" panose="020B0604030504040204" pitchFamily="50" charset="-128"/>
+              <a:ea typeface="メイリオ" panose="020B0604030504040204" pitchFamily="50" charset="-128"/>
+              <a:cs typeface="メイリオ" panose="020B0604030504040204" pitchFamily="50" charset="-128"/>
+            </a:endParaRPr>
+          </a:p>
+          <a:p>
+            <a:pPr algn="ctr"/>
+            <a:r>
+              <a:rPr kumimoji="1" lang="ja-JP" altLang="en-US" sz="900" dirty="0">
+                <a:solidFill>
+                  <a:schemeClr val="bg1"/>
+                </a:solidFill>
+                <a:latin typeface="メイリオ" panose="020B0604030504040204" pitchFamily="50" charset="-128"/>
+                <a:ea typeface="メイリオ" panose="020B0604030504040204" pitchFamily="50" charset="-128"/>
+                <a:cs typeface="メイリオ" panose="020B0604030504040204" pitchFamily="50" charset="-128"/>
+              </a:rPr>
+              <a:t>ファクター</a:t>
+            </a:r>
+            <a:endParaRPr kumimoji="1" lang="en-US" altLang="ja-JP" sz="900" dirty="0">
+              <a:solidFill>
+                <a:schemeClr val="bg1"/>
+              </a:solidFill>
+              <a:latin typeface="メイリオ" panose="020B0604030504040204" pitchFamily="50" charset="-128"/>
+              <a:ea typeface="メイリオ" panose="020B0604030504040204" pitchFamily="50" charset="-128"/>
+              <a:cs typeface="メイリオ" panose="020B0604030504040204" pitchFamily="50" charset="-128"/>
+            </a:endParaRPr>
+          </a:p>
+        </p:txBody>
+      </p:sp>
+      <mc:AlternateContent xmlns:mc="http://schemas.openxmlformats.org/markup-compatibility/2006">
+        <mc:Choice xmlns:a14="http://schemas.microsoft.com/office/drawing/2010/main" Requires="a14">
+          <p:sp>
+            <p:nvSpPr>
+              <p:cNvPr id="34" name="大かっこ 33">
+                <a:extLst>
+                  <a:ext uri="{FF2B5EF4-FFF2-40B4-BE49-F238E27FC236}">
+                    <a16:creationId xmlns:a16="http://schemas.microsoft.com/office/drawing/2014/main" id="{D4869988-207C-4829-8053-7CA01EE778B1}"/>
+                  </a:ext>
+                </a:extLst>
+              </p:cNvPr>
+              <p:cNvSpPr/>
+              <p:nvPr/>
+            </p:nvSpPr>
+            <p:spPr>
+              <a:xfrm>
+                <a:off x="640950" y="4268992"/>
+                <a:ext cx="1334300" cy="621616"/>
+              </a:xfrm>
+              <a:prstGeom prst="bracketPair">
+                <a:avLst>
+                  <a:gd name="adj" fmla="val 10369"/>
+                </a:avLst>
+              </a:prstGeom>
+              <a:ln>
+                <a:solidFill>
+                  <a:schemeClr val="bg1"/>
+                </a:solidFill>
+              </a:ln>
+            </p:spPr>
+            <p:style>
+              <a:lnRef idx="1">
+                <a:schemeClr val="accent1"/>
+              </a:lnRef>
+              <a:fillRef idx="0">
+                <a:schemeClr val="accent1"/>
+              </a:fillRef>
+              <a:effectRef idx="0">
+                <a:schemeClr val="accent1"/>
+              </a:effectRef>
+              <a:fontRef idx="minor">
+                <a:schemeClr val="tx1"/>
+              </a:fontRef>
+            </p:style>
+            <p:txBody>
+              <a:bodyPr lIns="0" tIns="0" rIns="0" bIns="36000" rtlCol="0" anchor="ctr"/>
+              <a:lstStyle/>
+              <a:p>
+                <a:pPr algn="ctr">
+                  <a:lnSpc>
+                    <a:spcPts val="1600"/>
+                  </a:lnSpc>
+                </a:pPr>
+                <a:r>
+                  <a:rPr kumimoji="1" lang="ja-JP" altLang="en-US" sz="900" dirty="0">
+                    <a:solidFill>
+                      <a:schemeClr val="bg1"/>
+                    </a:solidFill>
+                    <a:latin typeface="メイリオ" panose="020B0604030504040204" pitchFamily="50" charset="-128"/>
+                    <a:ea typeface="メイリオ" panose="020B0604030504040204" pitchFamily="50" charset="-128"/>
+                    <a:cs typeface="メイリオ" panose="020B0604030504040204" pitchFamily="50" charset="-128"/>
+                  </a:rPr>
+                  <a:t>市場</a:t>
+                </a:r>
+                <a14:m>
+                  <m:oMath xmlns:m="http://schemas.openxmlformats.org/officeDocument/2006/math">
+                    <m:r>
+                      <a:rPr kumimoji="1" lang="en-US" altLang="ja-JP" sz="900" b="0" i="1" smtClean="0">
+                        <a:solidFill>
+                          <a:schemeClr val="bg1"/>
+                        </a:solidFill>
+                        <a:latin typeface="Cambria Math" panose="02040503050406030204" pitchFamily="18" charset="0"/>
+                        <a:ea typeface="メイリオ" panose="020B0604030504040204" pitchFamily="50" charset="-128"/>
+                        <a:cs typeface="メイリオ" panose="020B0604030504040204" pitchFamily="50" charset="-128"/>
+                      </a:rPr>
+                      <m:t>𝛽</m:t>
+                    </m:r>
+                    <m:r>
+                      <a:rPr kumimoji="1" lang="ja-JP" altLang="en-US" sz="900" i="1">
+                        <a:solidFill>
+                          <a:schemeClr val="bg1"/>
+                        </a:solidFill>
+                        <a:latin typeface="Cambria Math" panose="02040503050406030204" pitchFamily="18" charset="0"/>
+                        <a:ea typeface="メイリオ" panose="020B0604030504040204" pitchFamily="50" charset="-128"/>
+                        <a:cs typeface="メイリオ" panose="020B0604030504040204" pitchFamily="50" charset="-128"/>
+                      </a:rPr>
+                      <m:t>に</m:t>
+                    </m:r>
+                  </m:oMath>
+                </a14:m>
+                <a:r>
+                  <a:rPr kumimoji="1" lang="ja-JP" altLang="en-US" sz="900" i="1" dirty="0">
+                    <a:solidFill>
+                      <a:schemeClr val="bg1"/>
+                    </a:solidFill>
+                    <a:latin typeface="メイリオ" panose="020B0604030504040204" pitchFamily="50" charset="-128"/>
+                    <a:ea typeface="メイリオ" panose="020B0604030504040204" pitchFamily="50" charset="-128"/>
+                    <a:cs typeface="メイリオ" panose="020B0604030504040204" pitchFamily="50" charset="-128"/>
+                  </a:rPr>
+                  <a:t>対する</a:t>
+                </a:r>
+                <a:endParaRPr kumimoji="1" lang="en-US" altLang="ja-JP" sz="900" i="1" dirty="0">
+                  <a:solidFill>
+                    <a:schemeClr val="bg1"/>
+                  </a:solidFill>
+                  <a:latin typeface="メイリオ" panose="020B0604030504040204" pitchFamily="50" charset="-128"/>
+                  <a:ea typeface="メイリオ" panose="020B0604030504040204" pitchFamily="50" charset="-128"/>
+                  <a:cs typeface="メイリオ" panose="020B0604030504040204" pitchFamily="50" charset="-128"/>
+                </a:endParaRPr>
+              </a:p>
+              <a:p>
+                <a:pPr algn="ctr">
+                  <a:lnSpc>
+                    <a:spcPts val="1600"/>
+                  </a:lnSpc>
+                </a:pPr>
+                <a:r>
+                  <a:rPr kumimoji="1" lang="ja-JP" altLang="en-US" sz="900" i="1" dirty="0">
+                    <a:solidFill>
+                      <a:schemeClr val="bg1"/>
+                    </a:solidFill>
+                    <a:latin typeface="メイリオ" panose="020B0604030504040204" pitchFamily="50" charset="-128"/>
+                    <a:ea typeface="メイリオ" panose="020B0604030504040204" pitchFamily="50" charset="-128"/>
+                    <a:cs typeface="メイリオ" panose="020B0604030504040204" pitchFamily="50" charset="-128"/>
+                  </a:rPr>
+                  <a:t>超過収益源泉に</a:t>
+                </a:r>
+                <a:endParaRPr kumimoji="1" lang="en-US" altLang="ja-JP" sz="900" i="1" dirty="0">
+                  <a:solidFill>
+                    <a:schemeClr val="bg1"/>
+                  </a:solidFill>
+                  <a:latin typeface="メイリオ" panose="020B0604030504040204" pitchFamily="50" charset="-128"/>
+                  <a:ea typeface="メイリオ" panose="020B0604030504040204" pitchFamily="50" charset="-128"/>
+                  <a:cs typeface="メイリオ" panose="020B0604030504040204" pitchFamily="50" charset="-128"/>
+                </a:endParaRPr>
+              </a:p>
+              <a:p>
+                <a:pPr algn="ctr">
+                  <a:lnSpc>
+                    <a:spcPts val="1600"/>
+                  </a:lnSpc>
+                </a:pPr>
+                <a:r>
+                  <a:rPr kumimoji="1" lang="ja-JP" altLang="en-US" sz="900" i="1" dirty="0">
+                    <a:solidFill>
+                      <a:schemeClr val="bg1"/>
+                    </a:solidFill>
+                    <a:latin typeface="メイリオ" panose="020B0604030504040204" pitchFamily="50" charset="-128"/>
+                    <a:ea typeface="メイリオ" panose="020B0604030504040204" pitchFamily="50" charset="-128"/>
+                    <a:cs typeface="メイリオ" panose="020B0604030504040204" pitchFamily="50" charset="-128"/>
+                  </a:rPr>
+                  <a:t>相当するファクター</a:t>
+                </a:r>
+                <a:endParaRPr kumimoji="1" lang="en-US" altLang="ja-JP" sz="900" i="1" dirty="0">
+                  <a:solidFill>
+                    <a:schemeClr val="bg1"/>
+                  </a:solidFill>
+                  <a:latin typeface="メイリオ" panose="020B0604030504040204" pitchFamily="50" charset="-128"/>
+                  <a:ea typeface="メイリオ" panose="020B0604030504040204" pitchFamily="50" charset="-128"/>
+                  <a:cs typeface="メイリオ" panose="020B0604030504040204" pitchFamily="50" charset="-128"/>
+                </a:endParaRPr>
+              </a:p>
+            </p:txBody>
+          </p:sp>
+        </mc:Choice>
+        <mc:Fallback>
+          <p:sp>
+            <p:nvSpPr>
+              <p:cNvPr id="34" name="大かっこ 33">
+                <a:extLst>
+                  <a:ext uri="{FF2B5EF4-FFF2-40B4-BE49-F238E27FC236}">
+                    <a16:creationId xmlns:a16="http://schemas.microsoft.com/office/drawing/2014/main" id="{D4869988-207C-4829-8053-7CA01EE778B1}"/>
+                  </a:ext>
+                </a:extLst>
+              </p:cNvPr>
+              <p:cNvSpPr>
+                <a:spLocks noRot="1" noChangeAspect="1" noMove="1" noResize="1" noEditPoints="1" noAdjustHandles="1" noChangeArrowheads="1" noChangeShapeType="1" noTextEdit="1"/>
+              </p:cNvSpPr>
+              <p:nvPr/>
+            </p:nvSpPr>
+            <p:spPr>
+              <a:xfrm>
+                <a:off x="640950" y="4268992"/>
+                <a:ext cx="1334300" cy="621616"/>
+              </a:xfrm>
+              <a:prstGeom prst="bracketPair">
+                <a:avLst>
+                  <a:gd name="adj" fmla="val 10369"/>
+                </a:avLst>
+              </a:prstGeom>
+              <a:blipFill>
+                <a:blip r:embed="rId2"/>
+                <a:stretch>
+                  <a:fillRect b="-6796"/>
+                </a:stretch>
+              </a:blipFill>
+              <a:ln>
+                <a:solidFill>
+                  <a:schemeClr val="bg1"/>
+                </a:solidFill>
+              </a:ln>
+            </p:spPr>
+            <p:txBody>
+              <a:bodyPr/>
+              <a:lstStyle/>
+              <a:p>
+                <a:r>
+                  <a:rPr lang="ja-JP" altLang="en-US">
+                    <a:noFill/>
+                  </a:rPr>
+                  <a:t> </a:t>
+                </a:r>
+              </a:p>
+            </p:txBody>
+          </p:sp>
+        </mc:Fallback>
+      </mc:AlternateContent>
+      <p:sp>
+        <p:nvSpPr>
+          <p:cNvPr id="35" name="大かっこ 34">
+            <a:extLst>
+              <a:ext uri="{FF2B5EF4-FFF2-40B4-BE49-F238E27FC236}">
+                <a16:creationId xmlns:a16="http://schemas.microsoft.com/office/drawing/2014/main" id="{23C04F7A-FB14-49B7-9885-28D910DA2EBF}"/>
+              </a:ext>
+            </a:extLst>
+          </p:cNvPr>
+          <p:cNvSpPr/>
+          <p:nvPr/>
+        </p:nvSpPr>
+        <p:spPr>
+          <a:xfrm>
+            <a:off x="1346200" y="1250651"/>
+            <a:ext cx="1067100" cy="234374"/>
+          </a:xfrm>
+          <a:prstGeom prst="bracketPair">
+            <a:avLst>
+              <a:gd name="adj" fmla="val 10369"/>
+            </a:avLst>
+          </a:prstGeom>
+          <a:ln>
+            <a:solidFill>
+              <a:schemeClr val="tx1"/>
+            </a:solidFill>
+          </a:ln>
+        </p:spPr>
+        <p:style>
+          <a:lnRef idx="1">
+            <a:schemeClr val="accent1"/>
+          </a:lnRef>
+          <a:fillRef idx="0">
+            <a:schemeClr val="accent1"/>
+          </a:fillRef>
+          <a:effectRef idx="0">
+            <a:schemeClr val="accent1"/>
+          </a:effectRef>
+          <a:fontRef idx="minor">
+            <a:schemeClr val="tx1"/>
+          </a:fontRef>
+        </p:style>
+        <p:txBody>
+          <a:bodyPr wrap="none" lIns="0" tIns="108000" rIns="0" bIns="72000" rtlCol="0" anchor="ctr"/>
+          <a:lstStyle/>
+          <a:p>
+            <a:pPr algn="ctr"/>
+            <a:r>
+              <a:rPr kumimoji="1" lang="ja-JP" altLang="en-US" sz="900" dirty="0">
+                <a:latin typeface="メイリオ" panose="020B0604030504040204" pitchFamily="50" charset="-128"/>
+                <a:ea typeface="メイリオ" panose="020B0604030504040204" pitchFamily="50" charset="-128"/>
+                <a:cs typeface="メイリオ" panose="020B0604030504040204" pitchFamily="50" charset="-128"/>
+              </a:rPr>
+              <a:t>マクロ経済指標を</a:t>
+            </a:r>
+            <a:endParaRPr kumimoji="1" lang="en-US" altLang="ja-JP" sz="900" dirty="0">
+              <a:latin typeface="メイリオ" panose="020B0604030504040204" pitchFamily="50" charset="-128"/>
+              <a:ea typeface="メイリオ" panose="020B0604030504040204" pitchFamily="50" charset="-128"/>
+              <a:cs typeface="メイリオ" panose="020B0604030504040204" pitchFamily="50" charset="-128"/>
+            </a:endParaRPr>
+          </a:p>
+          <a:p>
+            <a:pPr algn="ctr"/>
+            <a:r>
+              <a:rPr kumimoji="1" lang="ja-JP" altLang="en-US" sz="900" dirty="0">
+                <a:latin typeface="メイリオ" panose="020B0604030504040204" pitchFamily="50" charset="-128"/>
+                <a:ea typeface="メイリオ" panose="020B0604030504040204" pitchFamily="50" charset="-128"/>
+                <a:cs typeface="メイリオ" panose="020B0604030504040204" pitchFamily="50" charset="-128"/>
+              </a:rPr>
+              <a:t>外生的に付与</a:t>
+            </a:r>
+            <a:endParaRPr kumimoji="1" lang="en-US" altLang="ja-JP" sz="900" dirty="0">
+              <a:latin typeface="メイリオ" panose="020B0604030504040204" pitchFamily="50" charset="-128"/>
+              <a:ea typeface="メイリオ" panose="020B0604030504040204" pitchFamily="50" charset="-128"/>
+              <a:cs typeface="メイリオ" panose="020B0604030504040204" pitchFamily="50" charset="-128"/>
+            </a:endParaRPr>
+          </a:p>
+        </p:txBody>
+      </p:sp>
+      <p:sp>
+        <p:nvSpPr>
+          <p:cNvPr id="36" name="大かっこ 35">
+            <a:extLst>
+              <a:ext uri="{FF2B5EF4-FFF2-40B4-BE49-F238E27FC236}">
+                <a16:creationId xmlns:a16="http://schemas.microsoft.com/office/drawing/2014/main" id="{E654E476-F6CB-4D39-8C8C-535E87E88BBC}"/>
+              </a:ext>
+            </a:extLst>
+          </p:cNvPr>
+          <p:cNvSpPr/>
+          <p:nvPr/>
+        </p:nvSpPr>
+        <p:spPr>
+          <a:xfrm>
+            <a:off x="1346200" y="2075326"/>
+            <a:ext cx="1067100" cy="234374"/>
+          </a:xfrm>
+          <a:prstGeom prst="bracketPair">
+            <a:avLst>
+              <a:gd name="adj" fmla="val 10369"/>
+            </a:avLst>
+          </a:prstGeom>
+          <a:ln>
+            <a:solidFill>
+              <a:schemeClr val="tx1"/>
+            </a:solidFill>
+          </a:ln>
+        </p:spPr>
+        <p:style>
+          <a:lnRef idx="1">
+            <a:schemeClr val="accent1"/>
+          </a:lnRef>
+          <a:fillRef idx="0">
+            <a:schemeClr val="accent1"/>
+          </a:fillRef>
+          <a:effectRef idx="0">
+            <a:schemeClr val="accent1"/>
+          </a:effectRef>
+          <a:fontRef idx="minor">
+            <a:schemeClr val="tx1"/>
+          </a:fontRef>
+        </p:style>
+        <p:txBody>
+          <a:bodyPr lIns="0" tIns="108000" rIns="0" bIns="72000" rtlCol="0" anchor="ctr"/>
+          <a:lstStyle/>
+          <a:p>
+            <a:pPr algn="ctr"/>
+            <a:r>
+              <a:rPr kumimoji="1" lang="ja-JP" altLang="en-US" sz="900" dirty="0">
+                <a:latin typeface="メイリオ" panose="020B0604030504040204" pitchFamily="50" charset="-128"/>
+                <a:ea typeface="メイリオ" panose="020B0604030504040204" pitchFamily="50" charset="-128"/>
+                <a:cs typeface="メイリオ" panose="020B0604030504040204" pitchFamily="50" charset="-128"/>
+              </a:rPr>
+              <a:t>統計的手法</a:t>
+            </a:r>
+            <a:r>
+              <a:rPr kumimoji="1" lang="en-US" altLang="ja-JP" sz="900" dirty="0">
+                <a:latin typeface="メイリオ" panose="020B0604030504040204" pitchFamily="50" charset="-128"/>
+                <a:ea typeface="メイリオ" panose="020B0604030504040204" pitchFamily="50" charset="-128"/>
+                <a:cs typeface="メイリオ" panose="020B0604030504040204" pitchFamily="50" charset="-128"/>
+              </a:rPr>
+              <a:t>(PCA)</a:t>
+            </a:r>
+          </a:p>
+          <a:p>
+            <a:pPr algn="ctr"/>
+            <a:r>
+              <a:rPr kumimoji="1" lang="ja-JP" altLang="en-US" sz="900" dirty="0">
+                <a:latin typeface="メイリオ" panose="020B0604030504040204" pitchFamily="50" charset="-128"/>
+                <a:ea typeface="メイリオ" panose="020B0604030504040204" pitchFamily="50" charset="-128"/>
+                <a:cs typeface="メイリオ" panose="020B0604030504040204" pitchFamily="50" charset="-128"/>
+              </a:rPr>
+              <a:t>で内生的に作成</a:t>
+            </a:r>
+            <a:endParaRPr kumimoji="1" lang="en-US" altLang="ja-JP" sz="900" dirty="0">
+              <a:latin typeface="メイリオ" panose="020B0604030504040204" pitchFamily="50" charset="-128"/>
+              <a:ea typeface="メイリオ" panose="020B0604030504040204" pitchFamily="50" charset="-128"/>
+              <a:cs typeface="メイリオ" panose="020B0604030504040204" pitchFamily="50" charset="-128"/>
+            </a:endParaRPr>
+          </a:p>
+        </p:txBody>
+      </p:sp>
+      <p:sp>
+        <p:nvSpPr>
+          <p:cNvPr id="37" name="大かっこ 36">
+            <a:extLst>
+              <a:ext uri="{FF2B5EF4-FFF2-40B4-BE49-F238E27FC236}">
+                <a16:creationId xmlns:a16="http://schemas.microsoft.com/office/drawing/2014/main" id="{529CA016-D2DD-4275-8493-2ABCAD23C878}"/>
+              </a:ext>
+            </a:extLst>
+          </p:cNvPr>
+          <p:cNvSpPr/>
+          <p:nvPr/>
+        </p:nvSpPr>
+        <p:spPr>
+          <a:xfrm>
+            <a:off x="640950" y="5080134"/>
+            <a:ext cx="1334300" cy="621616"/>
+          </a:xfrm>
+          <a:prstGeom prst="bracketPair">
+            <a:avLst>
+              <a:gd name="adj" fmla="val 10369"/>
+            </a:avLst>
+          </a:prstGeom>
+          <a:ln>
+            <a:solidFill>
+              <a:schemeClr val="bg1"/>
+            </a:solidFill>
+          </a:ln>
+        </p:spPr>
+        <p:style>
+          <a:lnRef idx="1">
+            <a:schemeClr val="accent1"/>
+          </a:lnRef>
+          <a:fillRef idx="0">
+            <a:schemeClr val="accent1"/>
+          </a:fillRef>
+          <a:effectRef idx="0">
+            <a:schemeClr val="accent1"/>
+          </a:effectRef>
+          <a:fontRef idx="minor">
+            <a:schemeClr val="tx1"/>
+          </a:fontRef>
+        </p:style>
+        <p:txBody>
+          <a:bodyPr lIns="0" tIns="0" rIns="0" bIns="36000" rtlCol="0" anchor="ctr"/>
+          <a:lstStyle/>
+          <a:p>
+            <a:pPr algn="ctr">
+              <a:lnSpc>
+                <a:spcPts val="1600"/>
+              </a:lnSpc>
+            </a:pPr>
+            <a:r>
+              <a:rPr kumimoji="1" lang="ja-JP" altLang="en-US" sz="900" dirty="0">
+                <a:solidFill>
+                  <a:schemeClr val="bg1"/>
+                </a:solidFill>
+                <a:latin typeface="メイリオ" panose="020B0604030504040204" pitchFamily="50" charset="-128"/>
+                <a:ea typeface="メイリオ" panose="020B0604030504040204" pitchFamily="50" charset="-128"/>
+                <a:cs typeface="メイリオ" panose="020B0604030504040204" pitchFamily="50" charset="-128"/>
+              </a:rPr>
+              <a:t>クオンツ手法を用いて</a:t>
+            </a:r>
+            <a:endParaRPr kumimoji="1" lang="en-US" altLang="ja-JP" sz="900" dirty="0">
+              <a:solidFill>
+                <a:schemeClr val="bg1"/>
+              </a:solidFill>
+              <a:latin typeface="メイリオ" panose="020B0604030504040204" pitchFamily="50" charset="-128"/>
+              <a:ea typeface="メイリオ" panose="020B0604030504040204" pitchFamily="50" charset="-128"/>
+              <a:cs typeface="メイリオ" panose="020B0604030504040204" pitchFamily="50" charset="-128"/>
+            </a:endParaRPr>
+          </a:p>
+          <a:p>
+            <a:pPr algn="ctr">
+              <a:lnSpc>
+                <a:spcPts val="1600"/>
+              </a:lnSpc>
+            </a:pPr>
+            <a:r>
+              <a:rPr kumimoji="1" lang="ja-JP" altLang="en-US" sz="900" dirty="0">
+                <a:solidFill>
+                  <a:schemeClr val="bg1"/>
+                </a:solidFill>
+                <a:latin typeface="メイリオ" panose="020B0604030504040204" pitchFamily="50" charset="-128"/>
+                <a:ea typeface="メイリオ" panose="020B0604030504040204" pitchFamily="50" charset="-128"/>
+                <a:cs typeface="メイリオ" panose="020B0604030504040204" pitchFamily="50" charset="-128"/>
+              </a:rPr>
+              <a:t>ルールベースで構築</a:t>
+            </a:r>
+            <a:endParaRPr kumimoji="1" lang="en-US" altLang="ja-JP" sz="900" dirty="0">
+              <a:solidFill>
+                <a:schemeClr val="bg1"/>
+              </a:solidFill>
+              <a:latin typeface="メイリオ" panose="020B0604030504040204" pitchFamily="50" charset="-128"/>
+              <a:ea typeface="メイリオ" panose="020B0604030504040204" pitchFamily="50" charset="-128"/>
+              <a:cs typeface="メイリオ" panose="020B0604030504040204" pitchFamily="50" charset="-128"/>
+            </a:endParaRPr>
+          </a:p>
+          <a:p>
+            <a:pPr algn="ctr">
+              <a:lnSpc>
+                <a:spcPts val="1600"/>
+              </a:lnSpc>
+            </a:pPr>
+            <a:r>
+              <a:rPr kumimoji="1" lang="en-US" altLang="ja-JP" sz="900" dirty="0">
+                <a:solidFill>
+                  <a:schemeClr val="bg1"/>
+                </a:solidFill>
+                <a:latin typeface="メイリオ" panose="020B0604030504040204" pitchFamily="50" charset="-128"/>
+                <a:ea typeface="メイリオ" panose="020B0604030504040204" pitchFamily="50" charset="-128"/>
+                <a:cs typeface="メイリオ" panose="020B0604030504040204" pitchFamily="50" charset="-128"/>
+              </a:rPr>
+              <a:t>(</a:t>
+            </a:r>
+            <a:r>
+              <a:rPr kumimoji="1" lang="ja-JP" altLang="en-US" sz="900" dirty="0">
+                <a:solidFill>
+                  <a:schemeClr val="bg1"/>
+                </a:solidFill>
+                <a:latin typeface="メイリオ" panose="020B0604030504040204" pitchFamily="50" charset="-128"/>
+                <a:ea typeface="メイリオ" panose="020B0604030504040204" pitchFamily="50" charset="-128"/>
+                <a:cs typeface="メイリオ" panose="020B0604030504040204" pitchFamily="50" charset="-128"/>
+              </a:rPr>
+              <a:t>ロングショート等</a:t>
+            </a:r>
+            <a:r>
+              <a:rPr kumimoji="1" lang="en-US" altLang="ja-JP" sz="900" dirty="0">
+                <a:solidFill>
+                  <a:schemeClr val="bg1"/>
+                </a:solidFill>
+                <a:latin typeface="メイリオ" panose="020B0604030504040204" pitchFamily="50" charset="-128"/>
+                <a:ea typeface="メイリオ" panose="020B0604030504040204" pitchFamily="50" charset="-128"/>
+                <a:cs typeface="メイリオ" panose="020B0604030504040204" pitchFamily="50" charset="-128"/>
+              </a:rPr>
+              <a:t>)</a:t>
+            </a:r>
+          </a:p>
+        </p:txBody>
+      </p:sp>
+    </p:spTree>
+    <p:extLst>
+      <p:ext uri="{BB962C8B-B14F-4D97-AF65-F5344CB8AC3E}">
+        <p14:creationId xmlns:p14="http://schemas.microsoft.com/office/powerpoint/2010/main" val="3460887921"/>
       </p:ext>
     </p:extLst>
   </p:cSld>
